--- a/0 발표용 파워포인트/0424 4차발표/0424 project05 - 파워포인트 - 현태.pptx
+++ b/0 발표용 파워포인트/0424 4차발표/0424 project05 - 파워포인트 - 현태.pptx
@@ -5,10 +5,12 @@
     <p:sldMasterId id="2147483648" r:id="rId1"/>
   </p:sldMasterIdLst>
   <p:notesMasterIdLst>
-    <p:notesMasterId r:id="rId3"/>
+    <p:notesMasterId r:id="rId5"/>
   </p:notesMasterIdLst>
   <p:sldIdLst>
     <p:sldId id="256" r:id="rId2"/>
+    <p:sldId id="258" r:id="rId3"/>
+    <p:sldId id="259" r:id="rId4"/>
   </p:sldIdLst>
   <p:sldSz cx="12192000" cy="6858000"/>
   <p:notesSz cx="6858000" cy="9144000"/>
@@ -109,7 +111,7 @@
   </p:defaultTextStyle>
   <p:extLst>
     <p:ext uri="{EFAFB233-063F-42B5-8137-9DF3F51BA10A}">
-      <p15:sldGuideLst xmlns:p15="http://schemas.microsoft.com/office/powerpoint/2012/main">
+      <p15:sldGuideLst xmlns:p15="http://schemas.microsoft.com/office/powerpoint/2012/main" xmlns="">
         <p15:guide id="1" orient="horz" pos="2160">
           <p15:clr>
             <a:srgbClr val="A4A3A4"/>
@@ -209,7 +211,7 @@
             <a:fld id="{EFE7F2A0-C7D9-4DBD-AE3B-C1A712DCE501}" type="datetimeFigureOut">
               <a:rPr lang="ko-KR" altLang="en-US" smtClean="0"/>
               <a:pPr/>
-              <a:t>2020-03-28</a:t>
+              <a:t>2020-04-20</a:t>
             </a:fld>
             <a:endParaRPr lang="ko-KR" altLang="en-US"/>
           </a:p>
@@ -610,7 +612,7 @@
             <a:fld id="{272C3D53-FEDF-49EC-8F65-FFFC138B637E}" type="datetimeFigureOut">
               <a:rPr lang="ko-KR" altLang="en-US" smtClean="0"/>
               <a:pPr/>
-              <a:t>2020-03-28</a:t>
+              <a:t>2020-04-20</a:t>
             </a:fld>
             <a:endParaRPr lang="ko-KR" altLang="en-US"/>
           </a:p>
@@ -782,7 +784,7 @@
             <a:fld id="{272C3D53-FEDF-49EC-8F65-FFFC138B637E}" type="datetimeFigureOut">
               <a:rPr lang="ko-KR" altLang="en-US" smtClean="0"/>
               <a:pPr/>
-              <a:t>2020-03-28</a:t>
+              <a:t>2020-04-20</a:t>
             </a:fld>
             <a:endParaRPr lang="ko-KR" altLang="en-US"/>
           </a:p>
@@ -964,7 +966,7 @@
             <a:fld id="{272C3D53-FEDF-49EC-8F65-FFFC138B637E}" type="datetimeFigureOut">
               <a:rPr lang="ko-KR" altLang="en-US" smtClean="0"/>
               <a:pPr/>
-              <a:t>2020-03-28</a:t>
+              <a:t>2020-04-20</a:t>
             </a:fld>
             <a:endParaRPr lang="ko-KR" altLang="en-US"/>
           </a:p>
@@ -1017,6 +1019,323 @@
     <p:extLst>
       <p:ext uri="{BB962C8B-B14F-4D97-AF65-F5344CB8AC3E}">
         <p14:creationId xmlns:p14="http://schemas.microsoft.com/office/powerpoint/2010/main" val="877425461"/>
+      </p:ext>
+    </p:extLst>
+  </p:cSld>
+  <p:clrMapOvr>
+    <a:masterClrMapping/>
+  </p:clrMapOvr>
+</p:sldLayout>
+</file>
+
+<file path=ppt/slideLayouts/slideLayout12.xml><?xml version="1.0" encoding="utf-8"?>
+<p:sldLayout xmlns:a="http://schemas.openxmlformats.org/drawingml/2006/main" xmlns:r="http://schemas.openxmlformats.org/officeDocument/2006/relationships" xmlns:p="http://schemas.openxmlformats.org/presentationml/2006/main" userDrawn="1">
+  <p:cSld name="사용자 지정 레이아웃">
+    <p:bg>
+      <p:bgPr>
+        <a:solidFill>
+          <a:schemeClr val="bg1"/>
+        </a:solidFill>
+        <a:effectLst/>
+      </p:bgPr>
+    </p:bg>
+    <p:spTree>
+      <p:nvGrpSpPr>
+        <p:cNvPr id="1" name=""/>
+        <p:cNvGrpSpPr/>
+        <p:nvPr/>
+      </p:nvGrpSpPr>
+      <p:grpSpPr>
+        <a:xfrm>
+          <a:off x="0" y="0"/>
+          <a:ext cx="0" cy="0"/>
+          <a:chOff x="0" y="0"/>
+          <a:chExt cx="0" cy="0"/>
+        </a:xfrm>
+      </p:grpSpPr>
+      <p:pic>
+        <p:nvPicPr>
+          <p:cNvPr id="3074" name="Picture 2"/>
+          <p:cNvPicPr>
+            <a:picLocks noChangeAspect="1" noChangeArrowheads="1"/>
+          </p:cNvPicPr>
+          <p:nvPr userDrawn="1"/>
+        </p:nvPicPr>
+        <p:blipFill>
+          <a:blip r:embed="rId2" cstate="print">
+            <a:extLst>
+              <a:ext uri="{28A0092B-C50C-407E-A947-70E740481C1C}">
+                <a14:useLocalDpi xmlns:a14="http://schemas.microsoft.com/office/drawing/2010/main" val="0"/>
+              </a:ext>
+            </a:extLst>
+          </a:blip>
+          <a:stretch>
+            <a:fillRect/>
+          </a:stretch>
+        </p:blipFill>
+        <p:spPr bwMode="auto">
+          <a:xfrm>
+            <a:off x="0" y="0"/>
+            <a:ext cx="12192000" cy="6858000"/>
+          </a:xfrm>
+          <a:prstGeom prst="rect">
+            <a:avLst/>
+          </a:prstGeom>
+          <a:noFill/>
+          <a:extLst>
+            <a:ext uri="{909E8E84-426E-40DD-AFC4-6F175D3DCCD1}">
+              <a14:hiddenFill xmlns:a14="http://schemas.microsoft.com/office/drawing/2010/main">
+                <a:solidFill>
+                  <a:srgbClr val="FFFFFF"/>
+                </a:solidFill>
+              </a14:hiddenFill>
+            </a:ext>
+          </a:extLst>
+        </p:spPr>
+      </p:pic>
+      <p:sp>
+        <p:nvSpPr>
+          <p:cNvPr id="2" name="제목 1"/>
+          <p:cNvSpPr>
+            <a:spLocks noGrp="1"/>
+          </p:cNvSpPr>
+          <p:nvPr>
+            <p:ph type="title" hasCustomPrompt="1"/>
+          </p:nvPr>
+        </p:nvSpPr>
+        <p:spPr>
+          <a:xfrm>
+            <a:off x="962423" y="116632"/>
+            <a:ext cx="9646078" cy="796908"/>
+          </a:xfrm>
+        </p:spPr>
+        <p:txBody>
+          <a:bodyPr vert="horz" lIns="91440" tIns="45720" rIns="91440" bIns="45720" rtlCol="0" anchor="ctr">
+            <a:normAutofit/>
+          </a:bodyPr>
+          <a:lstStyle>
+            <a:lvl1pPr algn="l" defTabSz="914400" rtl="0" eaLnBrk="1" latinLnBrk="1" hangingPunct="1">
+              <a:spcBef>
+                <a:spcPct val="0"/>
+              </a:spcBef>
+              <a:buNone/>
+              <a:defRPr lang="ko-KR" altLang="en-US" sz="2500" b="1" kern="1200" baseline="0" dirty="0">
+                <a:solidFill>
+                  <a:schemeClr val="bg1"/>
+                </a:solidFill>
+                <a:effectLst/>
+                <a:latin typeface="+mj-lt"/>
+                <a:ea typeface="맑은 고딕" pitchFamily="50" charset="-127"/>
+                <a:cs typeface="+mj-cs"/>
+              </a:defRPr>
+            </a:lvl1pPr>
+          </a:lstStyle>
+          <a:p>
+            <a:r>
+              <a:rPr lang="ko-KR" altLang="en-US" dirty="0"/>
+              <a:t>제목 스타일 편집마스터 </a:t>
+            </a:r>
+          </a:p>
+        </p:txBody>
+      </p:sp>
+      <p:sp>
+        <p:nvSpPr>
+          <p:cNvPr id="3" name="날짜 개체 틀 2"/>
+          <p:cNvSpPr>
+            <a:spLocks noGrp="1"/>
+          </p:cNvSpPr>
+          <p:nvPr>
+            <p:ph type="dt" sz="half" idx="10"/>
+          </p:nvPr>
+        </p:nvSpPr>
+        <p:spPr/>
+        <p:txBody>
+          <a:bodyPr/>
+          <a:lstStyle>
+            <a:lvl1pPr>
+              <a:defRPr>
+                <a:latin typeface="+mj-lt"/>
+              </a:defRPr>
+            </a:lvl1pPr>
+          </a:lstStyle>
+          <a:p>
+            <a:fld id="{ED3D6733-6F27-4404-AB51-585418F146E5}" type="datetimeFigureOut">
+              <a:rPr lang="ko-KR" altLang="en-US" smtClean="0"/>
+              <a:pPr/>
+              <a:t>2020-04-20</a:t>
+            </a:fld>
+            <a:endParaRPr lang="ko-KR" altLang="en-US"/>
+          </a:p>
+        </p:txBody>
+      </p:sp>
+      <p:sp>
+        <p:nvSpPr>
+          <p:cNvPr id="4" name="바닥글 개체 틀 3"/>
+          <p:cNvSpPr>
+            <a:spLocks noGrp="1"/>
+          </p:cNvSpPr>
+          <p:nvPr>
+            <p:ph type="ftr" sz="quarter" idx="11"/>
+          </p:nvPr>
+        </p:nvSpPr>
+        <p:spPr/>
+        <p:txBody>
+          <a:bodyPr/>
+          <a:lstStyle>
+            <a:lvl1pPr>
+              <a:defRPr>
+                <a:latin typeface="+mj-lt"/>
+              </a:defRPr>
+            </a:lvl1pPr>
+          </a:lstStyle>
+          <a:p>
+            <a:endParaRPr lang="ko-KR" altLang="en-US"/>
+          </a:p>
+        </p:txBody>
+      </p:sp>
+      <p:sp>
+        <p:nvSpPr>
+          <p:cNvPr id="5" name="슬라이드 번호 개체 틀 4"/>
+          <p:cNvSpPr>
+            <a:spLocks noGrp="1"/>
+          </p:cNvSpPr>
+          <p:nvPr>
+            <p:ph type="sldNum" sz="quarter" idx="12"/>
+          </p:nvPr>
+        </p:nvSpPr>
+        <p:spPr/>
+        <p:txBody>
+          <a:bodyPr/>
+          <a:lstStyle>
+            <a:lvl1pPr>
+              <a:defRPr>
+                <a:latin typeface="+mj-lt"/>
+              </a:defRPr>
+            </a:lvl1pPr>
+          </a:lstStyle>
+          <a:p>
+            <a:fld id="{EE6BC638-39B7-4287-91A7-2A3DDA573295}" type="slidenum">
+              <a:rPr lang="ko-KR" altLang="en-US" smtClean="0"/>
+              <a:pPr/>
+              <a:t>‹#›</a:t>
+            </a:fld>
+            <a:endParaRPr lang="ko-KR" altLang="en-US"/>
+          </a:p>
+        </p:txBody>
+      </p:sp>
+      <p:sp>
+        <p:nvSpPr>
+          <p:cNvPr id="6" name="내용 개체 틀 2"/>
+          <p:cNvSpPr>
+            <a:spLocks noGrp="1"/>
+          </p:cNvSpPr>
+          <p:nvPr>
+            <p:ph idx="1"/>
+          </p:nvPr>
+        </p:nvSpPr>
+        <p:spPr>
+          <a:xfrm>
+            <a:off x="431371" y="1176869"/>
+            <a:ext cx="11346142" cy="4861277"/>
+          </a:xfrm>
+        </p:spPr>
+        <p:txBody>
+          <a:bodyPr>
+            <a:normAutofit/>
+          </a:bodyPr>
+          <a:lstStyle>
+            <a:lvl1pPr algn="l">
+              <a:buNone/>
+              <a:defRPr sz="1600" i="1" baseline="0">
+                <a:solidFill>
+                  <a:srgbClr val="3191A7"/>
+                </a:solidFill>
+                <a:latin typeface="+mj-lt"/>
+                <a:ea typeface="맑은 고딕" pitchFamily="50" charset="-127"/>
+              </a:defRPr>
+            </a:lvl1pPr>
+            <a:lvl2pPr algn="l">
+              <a:buNone/>
+              <a:defRPr sz="1600" i="1" baseline="0">
+                <a:solidFill>
+                  <a:srgbClr val="3191A7"/>
+                </a:solidFill>
+                <a:latin typeface="+mj-lt"/>
+                <a:ea typeface="맑은 고딕" pitchFamily="50" charset="-127"/>
+              </a:defRPr>
+            </a:lvl2pPr>
+            <a:lvl3pPr algn="l">
+              <a:buNone/>
+              <a:defRPr sz="1600" i="1" baseline="0">
+                <a:solidFill>
+                  <a:srgbClr val="3191A7"/>
+                </a:solidFill>
+                <a:latin typeface="+mj-lt"/>
+                <a:ea typeface="맑은 고딕" pitchFamily="50" charset="-127"/>
+              </a:defRPr>
+            </a:lvl3pPr>
+            <a:lvl4pPr algn="l">
+              <a:buNone/>
+              <a:defRPr sz="1600" i="1" baseline="0">
+                <a:solidFill>
+                  <a:srgbClr val="3191A7"/>
+                </a:solidFill>
+                <a:latin typeface="+mj-lt"/>
+                <a:ea typeface="맑은 고딕" pitchFamily="50" charset="-127"/>
+              </a:defRPr>
+            </a:lvl4pPr>
+            <a:lvl5pPr algn="l">
+              <a:buNone/>
+              <a:defRPr sz="1600" i="1" baseline="0">
+                <a:solidFill>
+                  <a:srgbClr val="3191A7"/>
+                </a:solidFill>
+                <a:latin typeface="+mj-lt"/>
+                <a:ea typeface="맑은 고딕" pitchFamily="50" charset="-127"/>
+              </a:defRPr>
+            </a:lvl5pPr>
+          </a:lstStyle>
+          <a:p>
+            <a:pPr lvl="0"/>
+            <a:r>
+              <a:rPr lang="ko-KR" altLang="en-US" dirty="0"/>
+              <a:t>마스터 텍스트 스타일을 편집합니다</a:t>
+            </a:r>
+          </a:p>
+          <a:p>
+            <a:pPr lvl="1"/>
+            <a:r>
+              <a:rPr lang="ko-KR" altLang="en-US" dirty="0"/>
+              <a:t>둘째 수준</a:t>
+            </a:r>
+          </a:p>
+          <a:p>
+            <a:pPr lvl="2"/>
+            <a:r>
+              <a:rPr lang="ko-KR" altLang="en-US" dirty="0"/>
+              <a:t>셋째 수준</a:t>
+            </a:r>
+          </a:p>
+          <a:p>
+            <a:pPr lvl="3"/>
+            <a:r>
+              <a:rPr lang="ko-KR" altLang="en-US" dirty="0"/>
+              <a:t>넷째 수준</a:t>
+            </a:r>
+          </a:p>
+          <a:p>
+            <a:pPr lvl="4"/>
+            <a:r>
+              <a:rPr lang="ko-KR" altLang="en-US" dirty="0"/>
+              <a:t>다섯째 수준</a:t>
+            </a:r>
+          </a:p>
+        </p:txBody>
+      </p:sp>
+    </p:spTree>
+    <p:extLst>
+      <p:ext uri="{BB962C8B-B14F-4D97-AF65-F5344CB8AC3E}">
+        <p14:creationId xmlns:p14="http://schemas.microsoft.com/office/powerpoint/2010/main" val="912274476"/>
       </p:ext>
     </p:extLst>
   </p:cSld>
@@ -1136,7 +1455,7 @@
             <a:fld id="{272C3D53-FEDF-49EC-8F65-FFFC138B637E}" type="datetimeFigureOut">
               <a:rPr lang="ko-KR" altLang="en-US" smtClean="0"/>
               <a:pPr/>
-              <a:t>2020-03-28</a:t>
+              <a:t>2020-04-20</a:t>
             </a:fld>
             <a:endParaRPr lang="ko-KR" altLang="en-US"/>
           </a:p>
@@ -1384,7 +1703,7 @@
             <a:fld id="{272C3D53-FEDF-49EC-8F65-FFFC138B637E}" type="datetimeFigureOut">
               <a:rPr lang="ko-KR" altLang="en-US" smtClean="0"/>
               <a:pPr/>
-              <a:t>2020-03-28</a:t>
+              <a:t>2020-04-20</a:t>
             </a:fld>
             <a:endParaRPr lang="ko-KR" altLang="en-US"/>
           </a:p>
@@ -1618,7 +1937,7 @@
             <a:fld id="{272C3D53-FEDF-49EC-8F65-FFFC138B637E}" type="datetimeFigureOut">
               <a:rPr lang="ko-KR" altLang="en-US" smtClean="0"/>
               <a:pPr/>
-              <a:t>2020-03-28</a:t>
+              <a:t>2020-04-20</a:t>
             </a:fld>
             <a:endParaRPr lang="ko-KR" altLang="en-US"/>
           </a:p>
@@ -1987,7 +2306,7 @@
             <a:fld id="{272C3D53-FEDF-49EC-8F65-FFFC138B637E}" type="datetimeFigureOut">
               <a:rPr lang="ko-KR" altLang="en-US" smtClean="0"/>
               <a:pPr/>
-              <a:t>2020-03-28</a:t>
+              <a:t>2020-04-20</a:t>
             </a:fld>
             <a:endParaRPr lang="ko-KR" altLang="en-US"/>
           </a:p>
@@ -2107,7 +2426,7 @@
             <a:fld id="{272C3D53-FEDF-49EC-8F65-FFFC138B637E}" type="datetimeFigureOut">
               <a:rPr lang="ko-KR" altLang="en-US" smtClean="0"/>
               <a:pPr/>
-              <a:t>2020-03-28</a:t>
+              <a:t>2020-04-20</a:t>
             </a:fld>
             <a:endParaRPr lang="ko-KR" altLang="en-US"/>
           </a:p>
@@ -2204,7 +2523,7 @@
             <a:fld id="{272C3D53-FEDF-49EC-8F65-FFFC138B637E}" type="datetimeFigureOut">
               <a:rPr lang="ko-KR" altLang="en-US" smtClean="0"/>
               <a:pPr/>
-              <a:t>2020-03-28</a:t>
+              <a:t>2020-04-20</a:t>
             </a:fld>
             <a:endParaRPr lang="ko-KR" altLang="en-US"/>
           </a:p>
@@ -2483,7 +2802,7 @@
             <a:fld id="{272C3D53-FEDF-49EC-8F65-FFFC138B637E}" type="datetimeFigureOut">
               <a:rPr lang="ko-KR" altLang="en-US" smtClean="0"/>
               <a:pPr/>
-              <a:t>2020-03-28</a:t>
+              <a:t>2020-04-20</a:t>
             </a:fld>
             <a:endParaRPr lang="ko-KR" altLang="en-US"/>
           </a:p>
@@ -2738,7 +3057,7 @@
             <a:fld id="{272C3D53-FEDF-49EC-8F65-FFFC138B637E}" type="datetimeFigureOut">
               <a:rPr lang="ko-KR" altLang="en-US" smtClean="0"/>
               <a:pPr/>
-              <a:t>2020-03-28</a:t>
+              <a:t>2020-04-20</a:t>
             </a:fld>
             <a:endParaRPr lang="ko-KR" altLang="en-US"/>
           </a:p>
@@ -2953,7 +3272,7 @@
             <a:fld id="{272C3D53-FEDF-49EC-8F65-FFFC138B637E}" type="datetimeFigureOut">
               <a:rPr lang="ko-KR" altLang="en-US" smtClean="0"/>
               <a:pPr/>
-              <a:t>2020-03-28</a:t>
+              <a:t>2020-04-20</a:t>
             </a:fld>
             <a:endParaRPr lang="ko-KR" altLang="en-US"/>
           </a:p>
@@ -3058,6 +3377,7 @@
     <p:sldLayoutId id="2147483657" r:id="rId9"/>
     <p:sldLayoutId id="2147483658" r:id="rId10"/>
     <p:sldLayoutId id="2147483659" r:id="rId11"/>
+    <p:sldLayoutId id="2147483660" r:id="rId12"/>
   </p:sldLayoutIdLst>
   <p:txStyles>
     <p:titleStyle>
@@ -3444,6 +3764,983 @@
 </p:sld>
 </file>
 
+<file path=ppt/slides/slide2.xml><?xml version="1.0" encoding="utf-8"?>
+<p:sld xmlns:a="http://schemas.openxmlformats.org/drawingml/2006/main" xmlns:r="http://schemas.openxmlformats.org/officeDocument/2006/relationships" xmlns:p="http://schemas.openxmlformats.org/presentationml/2006/main">
+  <p:cSld>
+    <p:spTree>
+      <p:nvGrpSpPr>
+        <p:cNvPr id="1" name=""/>
+        <p:cNvGrpSpPr/>
+        <p:nvPr/>
+      </p:nvGrpSpPr>
+      <p:grpSpPr>
+        <a:xfrm>
+          <a:off x="0" y="0"/>
+          <a:ext cx="0" cy="0"/>
+          <a:chOff x="0" y="0"/>
+          <a:chExt cx="0" cy="0"/>
+        </a:xfrm>
+      </p:grpSpPr>
+      <p:pic>
+        <p:nvPicPr>
+          <p:cNvPr id="3074" name="Picture 2"/>
+          <p:cNvPicPr>
+            <a:picLocks noChangeAspect="1" noChangeArrowheads="1"/>
+          </p:cNvPicPr>
+          <p:nvPr/>
+        </p:nvPicPr>
+        <p:blipFill>
+          <a:blip r:embed="rId2">
+            <a:extLst>
+              <a:ext uri="{28A0092B-C50C-407E-A947-70E740481C1C}">
+                <a14:useLocalDpi xmlns:a14="http://schemas.microsoft.com/office/drawing/2010/main" val="0"/>
+              </a:ext>
+            </a:extLst>
+          </a:blip>
+          <a:srcRect/>
+          <a:stretch>
+            <a:fillRect/>
+          </a:stretch>
+        </p:blipFill>
+        <p:spPr bwMode="auto">
+          <a:xfrm>
+            <a:off x="523823" y="1163956"/>
+            <a:ext cx="7538309" cy="5499499"/>
+          </a:xfrm>
+          <a:prstGeom prst="rect">
+            <a:avLst/>
+          </a:prstGeom>
+          <a:noFill/>
+          <a:ln>
+            <a:noFill/>
+          </a:ln>
+          <a:effectLst/>
+          <a:extLst>
+            <a:ext uri="{909E8E84-426E-40DD-AFC4-6F175D3DCCD1}">
+              <a14:hiddenFill xmlns:a14="http://schemas.microsoft.com/office/drawing/2010/main">
+                <a:solidFill>
+                  <a:schemeClr val="accent1"/>
+                </a:solidFill>
+              </a14:hiddenFill>
+            </a:ext>
+            <a:ext uri="{91240B29-F687-4F45-9708-019B960494DF}">
+              <a14:hiddenLine xmlns:a14="http://schemas.microsoft.com/office/drawing/2010/main" w="9525">
+                <a:solidFill>
+                  <a:schemeClr val="tx1"/>
+                </a:solidFill>
+                <a:miter lim="800000"/>
+                <a:headEnd/>
+                <a:tailEnd/>
+              </a14:hiddenLine>
+            </a:ext>
+            <a:ext uri="{AF507438-7753-43E0-B8FC-AC1667EBCBE1}">
+              <a14:hiddenEffects xmlns:a14="http://schemas.microsoft.com/office/drawing/2010/main">
+                <a:effectLst>
+                  <a:outerShdw dist="35921" dir="2700000" algn="ctr" rotWithShape="0">
+                    <a:schemeClr val="bg2"/>
+                  </a:outerShdw>
+                </a:effectLst>
+              </a14:hiddenEffects>
+            </a:ext>
+          </a:extLst>
+        </p:spPr>
+      </p:pic>
+      <p:sp>
+        <p:nvSpPr>
+          <p:cNvPr id="5" name="제목 1"/>
+          <p:cNvSpPr>
+            <a:spLocks noGrp="1"/>
+          </p:cNvSpPr>
+          <p:nvPr>
+            <p:ph type="title"/>
+          </p:nvPr>
+        </p:nvSpPr>
+        <p:spPr>
+          <a:xfrm>
+            <a:off x="1925506" y="116634"/>
+            <a:ext cx="7837090" cy="796925"/>
+          </a:xfrm>
+        </p:spPr>
+        <p:txBody>
+          <a:bodyPr/>
+          <a:lstStyle/>
+          <a:p>
+            <a:r>
+              <a:rPr lang="en-US" altLang="ko-KR" dirty="0" smtClean="0"/>
+              <a:t>[</a:t>
+            </a:r>
+            <a:r>
+              <a:rPr lang="ko-KR" altLang="en-US" dirty="0" smtClean="0"/>
+              <a:t>화면 설계</a:t>
+            </a:r>
+            <a:r>
+              <a:rPr lang="en-US" altLang="ko-KR" dirty="0"/>
+              <a:t>] </a:t>
+            </a:r>
+            <a:r>
+              <a:rPr lang="ko-KR" altLang="en-US" dirty="0"/>
+              <a:t>사용자 </a:t>
+            </a:r>
+            <a:r>
+              <a:rPr lang="en-US" altLang="ko-KR" dirty="0"/>
+              <a:t>- </a:t>
+            </a:r>
+            <a:r>
+              <a:rPr lang="ko-KR" altLang="en-US" dirty="0"/>
+              <a:t>웹 </a:t>
+            </a:r>
+            <a:r>
+              <a:rPr lang="en-US" altLang="ko-KR" dirty="0"/>
+              <a:t>- </a:t>
+            </a:r>
+            <a:r>
+              <a:rPr lang="ko-KR" altLang="en-US" dirty="0" smtClean="0"/>
+              <a:t>게시판 </a:t>
+            </a:r>
+            <a:r>
+              <a:rPr lang="en-US" altLang="ko-KR" dirty="0" smtClean="0"/>
+              <a:t>– Q&amp;A</a:t>
+            </a:r>
+            <a:endParaRPr lang="ko-KR" altLang="en-US" dirty="0"/>
+          </a:p>
+        </p:txBody>
+      </p:sp>
+      <p:grpSp>
+        <p:nvGrpSpPr>
+          <p:cNvPr id="4" name="그룹 3"/>
+          <p:cNvGrpSpPr/>
+          <p:nvPr/>
+        </p:nvGrpSpPr>
+        <p:grpSpPr>
+          <a:xfrm>
+            <a:off x="10516241" y="5877272"/>
+            <a:ext cx="193918" cy="537004"/>
+            <a:chOff x="4815008" y="1484784"/>
+            <a:chExt cx="216024" cy="648072"/>
+          </a:xfrm>
+        </p:grpSpPr>
+        <p:sp>
+          <p:nvSpPr>
+            <p:cNvPr id="6" name="직사각형 5"/>
+            <p:cNvSpPr/>
+            <p:nvPr/>
+          </p:nvSpPr>
+          <p:spPr>
+            <a:xfrm>
+              <a:off x="4815008" y="1484784"/>
+              <a:ext cx="216024" cy="216024"/>
+            </a:xfrm>
+            <a:prstGeom prst="rect">
+              <a:avLst/>
+            </a:prstGeom>
+            <a:solidFill>
+              <a:srgbClr val="48C0DC"/>
+            </a:solidFill>
+            <a:ln>
+              <a:noFill/>
+            </a:ln>
+          </p:spPr>
+          <p:style>
+            <a:lnRef idx="2">
+              <a:schemeClr val="accent1">
+                <a:shade val="50000"/>
+              </a:schemeClr>
+            </a:lnRef>
+            <a:fillRef idx="1">
+              <a:schemeClr val="accent1"/>
+            </a:fillRef>
+            <a:effectRef idx="0">
+              <a:schemeClr val="accent1"/>
+            </a:effectRef>
+            <a:fontRef idx="minor">
+              <a:schemeClr val="lt1"/>
+            </a:fontRef>
+          </p:style>
+          <p:txBody>
+            <a:bodyPr rtlCol="0" anchor="ctr"/>
+            <a:lstStyle/>
+            <a:p>
+              <a:pPr algn="ctr"/>
+              <a:endParaRPr lang="ko-KR" altLang="en-US"/>
+            </a:p>
+          </p:txBody>
+        </p:sp>
+        <p:sp>
+          <p:nvSpPr>
+            <p:cNvPr id="7" name="직사각형 6"/>
+            <p:cNvSpPr/>
+            <p:nvPr/>
+          </p:nvSpPr>
+          <p:spPr>
+            <a:xfrm>
+              <a:off x="4815008" y="1700808"/>
+              <a:ext cx="216024" cy="216024"/>
+            </a:xfrm>
+            <a:prstGeom prst="rect">
+              <a:avLst/>
+            </a:prstGeom>
+            <a:solidFill>
+              <a:srgbClr val="194B57"/>
+            </a:solidFill>
+            <a:ln>
+              <a:noFill/>
+            </a:ln>
+          </p:spPr>
+          <p:style>
+            <a:lnRef idx="2">
+              <a:schemeClr val="accent1">
+                <a:shade val="50000"/>
+              </a:schemeClr>
+            </a:lnRef>
+            <a:fillRef idx="1">
+              <a:schemeClr val="accent1"/>
+            </a:fillRef>
+            <a:effectRef idx="0">
+              <a:schemeClr val="accent1"/>
+            </a:effectRef>
+            <a:fontRef idx="minor">
+              <a:schemeClr val="lt1"/>
+            </a:fontRef>
+          </p:style>
+          <p:txBody>
+            <a:bodyPr rtlCol="0" anchor="ctr"/>
+            <a:lstStyle/>
+            <a:p>
+              <a:pPr algn="ctr"/>
+              <a:endParaRPr lang="ko-KR" altLang="en-US"/>
+            </a:p>
+          </p:txBody>
+        </p:sp>
+        <p:sp>
+          <p:nvSpPr>
+            <p:cNvPr id="8" name="직사각형 7"/>
+            <p:cNvSpPr/>
+            <p:nvPr/>
+          </p:nvSpPr>
+          <p:spPr>
+            <a:xfrm>
+              <a:off x="4815008" y="1916832"/>
+              <a:ext cx="216024" cy="216024"/>
+            </a:xfrm>
+            <a:prstGeom prst="rect">
+              <a:avLst/>
+            </a:prstGeom>
+            <a:solidFill>
+              <a:srgbClr val="472179"/>
+            </a:solidFill>
+            <a:ln>
+              <a:noFill/>
+            </a:ln>
+          </p:spPr>
+          <p:style>
+            <a:lnRef idx="2">
+              <a:schemeClr val="accent1">
+                <a:shade val="50000"/>
+              </a:schemeClr>
+            </a:lnRef>
+            <a:fillRef idx="1">
+              <a:schemeClr val="accent1"/>
+            </a:fillRef>
+            <a:effectRef idx="0">
+              <a:schemeClr val="accent1"/>
+            </a:effectRef>
+            <a:fontRef idx="minor">
+              <a:schemeClr val="lt1"/>
+            </a:fontRef>
+          </p:style>
+          <p:txBody>
+            <a:bodyPr rtlCol="0" anchor="ctr"/>
+            <a:lstStyle/>
+            <a:p>
+              <a:pPr algn="ctr"/>
+              <a:endParaRPr lang="ko-KR" altLang="en-US">
+                <a:solidFill>
+                  <a:srgbClr val="6521AF"/>
+                </a:solidFill>
+              </a:endParaRPr>
+            </a:p>
+          </p:txBody>
+        </p:sp>
+      </p:grpSp>
+      <p:sp>
+        <p:nvSpPr>
+          <p:cNvPr id="2" name="내용 개체 틀 1"/>
+          <p:cNvSpPr>
+            <a:spLocks noGrp="1"/>
+          </p:cNvSpPr>
+          <p:nvPr>
+            <p:ph idx="1"/>
+          </p:nvPr>
+        </p:nvSpPr>
+        <p:spPr/>
+        <p:txBody>
+          <a:bodyPr/>
+          <a:lstStyle/>
+          <a:p>
+            <a:endParaRPr lang="ko-KR" altLang="en-US" dirty="0"/>
+          </a:p>
+        </p:txBody>
+      </p:sp>
+      <p:sp>
+        <p:nvSpPr>
+          <p:cNvPr id="19" name="Google Shape;173;g7c553259d1_0_81"/>
+          <p:cNvSpPr/>
+          <p:nvPr/>
+        </p:nvSpPr>
+        <p:spPr>
+          <a:xfrm>
+            <a:off x="45438" y="3053931"/>
+            <a:ext cx="302700" cy="324600"/>
+          </a:xfrm>
+          <a:prstGeom prst="rect">
+            <a:avLst/>
+          </a:prstGeom>
+          <a:solidFill>
+            <a:srgbClr val="FF0000"/>
+          </a:solidFill>
+          <a:ln>
+            <a:noFill/>
+          </a:ln>
+        </p:spPr>
+        <p:txBody>
+          <a:bodyPr spcFirstLastPara="1" wrap="square" lIns="91425" tIns="45700" rIns="91425" bIns="45700" anchor="ctr" anchorCtr="0">
+            <a:noAutofit/>
+          </a:bodyPr>
+          <a:lstStyle/>
+          <a:p>
+            <a:pPr marL="0" marR="0" lvl="0" indent="0" algn="ctr" rtl="0">
+              <a:lnSpc>
+                <a:spcPct val="100000"/>
+              </a:lnSpc>
+              <a:spcBef>
+                <a:spcPts val="0"/>
+              </a:spcBef>
+              <a:spcAft>
+                <a:spcPts val="0"/>
+              </a:spcAft>
+              <a:buClr>
+                <a:srgbClr val="000000"/>
+              </a:buClr>
+              <a:buSzPts val="1800"/>
+              <a:buFont typeface="Arial"/>
+              <a:buNone/>
+            </a:pPr>
+            <a:r>
+              <a:rPr lang="ko-KR" sz="1800" b="1" i="0" u="none" strike="noStrike" cap="none" dirty="0">
+                <a:latin typeface="Malgun Gothic"/>
+                <a:ea typeface="Malgun Gothic"/>
+                <a:cs typeface="Malgun Gothic"/>
+                <a:sym typeface="Malgun Gothic"/>
+              </a:rPr>
+              <a:t>1</a:t>
+            </a:r>
+            <a:endParaRPr sz="1800" b="1" i="0" u="none" strike="noStrike" cap="none" dirty="0">
+              <a:latin typeface="Malgun Gothic"/>
+              <a:ea typeface="Malgun Gothic"/>
+              <a:cs typeface="Malgun Gothic"/>
+              <a:sym typeface="Malgun Gothic"/>
+            </a:endParaRPr>
+          </a:p>
+        </p:txBody>
+      </p:sp>
+      <p:sp>
+        <p:nvSpPr>
+          <p:cNvPr id="20" name="직사각형 19"/>
+          <p:cNvSpPr/>
+          <p:nvPr/>
+        </p:nvSpPr>
+        <p:spPr>
+          <a:xfrm>
+            <a:off x="398310" y="2125133"/>
+            <a:ext cx="7721600" cy="2074334"/>
+          </a:xfrm>
+          <a:prstGeom prst="rect">
+            <a:avLst/>
+          </a:prstGeom>
+          <a:noFill/>
+          <a:ln w="38100">
+            <a:solidFill>
+              <a:srgbClr val="FF0000"/>
+            </a:solidFill>
+          </a:ln>
+        </p:spPr>
+        <p:style>
+          <a:lnRef idx="2">
+            <a:schemeClr val="accent1">
+              <a:shade val="50000"/>
+            </a:schemeClr>
+          </a:lnRef>
+          <a:fillRef idx="1">
+            <a:schemeClr val="accent1"/>
+          </a:fillRef>
+          <a:effectRef idx="0">
+            <a:schemeClr val="accent1"/>
+          </a:effectRef>
+          <a:fontRef idx="minor">
+            <a:schemeClr val="lt1"/>
+          </a:fontRef>
+        </p:style>
+        <p:txBody>
+          <a:bodyPr rtlCol="0" anchor="ctr"/>
+          <a:lstStyle/>
+          <a:p>
+            <a:pPr algn="ctr"/>
+            <a:endParaRPr lang="ko-KR" altLang="en-US"/>
+          </a:p>
+        </p:txBody>
+      </p:sp>
+      <p:graphicFrame>
+        <p:nvGraphicFramePr>
+          <p:cNvPr id="23" name="표 22"/>
+          <p:cNvGraphicFramePr>
+            <a:graphicFrameLocks noGrp="1"/>
+          </p:cNvGraphicFramePr>
+          <p:nvPr>
+            <p:extLst>
+              <p:ext uri="{D42A27DB-BD31-4B8C-83A1-F6EECF244321}">
+                <p14:modId xmlns:p14="http://schemas.microsoft.com/office/powerpoint/2010/main" val="4063760111"/>
+              </p:ext>
+            </p:extLst>
+          </p:nvPr>
+        </p:nvGraphicFramePr>
+        <p:xfrm>
+          <a:off x="8480731" y="1429130"/>
+          <a:ext cx="1944216" cy="640100"/>
+        </p:xfrm>
+        <a:graphic>
+          <a:graphicData uri="http://schemas.openxmlformats.org/drawingml/2006/table">
+            <a:tbl>
+              <a:tblPr firstRow="1" bandRow="1">
+                <a:noFill/>
+              </a:tblPr>
+              <a:tblGrid>
+                <a:gridCol w="1944216"/>
+              </a:tblGrid>
+              <a:tr h="168164">
+                <a:tc>
+                  <a:txBody>
+                    <a:bodyPr/>
+                    <a:lstStyle/>
+                    <a:p>
+                      <a:pPr marL="0" marR="0" lvl="0" indent="0" algn="ctr" rtl="0">
+                        <a:lnSpc>
+                          <a:spcPct val="100000"/>
+                        </a:lnSpc>
+                        <a:spcBef>
+                          <a:spcPts val="0"/>
+                        </a:spcBef>
+                        <a:spcAft>
+                          <a:spcPts val="0"/>
+                        </a:spcAft>
+                        <a:buClr>
+                          <a:srgbClr val="000000"/>
+                        </a:buClr>
+                        <a:buSzPts val="1500"/>
+                        <a:buFont typeface="Arial"/>
+                        <a:buNone/>
+                      </a:pPr>
+                      <a:r>
+                        <a:rPr lang="ko-KR" altLang="en-US" sz="1500" b="0" u="none" strike="noStrike" cap="none" dirty="0" smtClean="0">
+                          <a:solidFill>
+                            <a:schemeClr val="dk1"/>
+                          </a:solidFill>
+                        </a:rPr>
+                        <a:t>화면코드</a:t>
+                      </a:r>
+                      <a:endParaRPr sz="1500" b="0" u="none" strike="noStrike" cap="none" dirty="0">
+                        <a:solidFill>
+                          <a:schemeClr val="dk1"/>
+                        </a:solidFill>
+                      </a:endParaRPr>
+                    </a:p>
+                  </a:txBody>
+                  <a:tcPr marL="74304" marR="74304" marT="45725" marB="45725" anchor="ctr">
+                    <a:lnL w="12700" cap="flat" cmpd="sng">
+                      <a:solidFill>
+                        <a:schemeClr val="dk1"/>
+                      </a:solidFill>
+                      <a:prstDash val="solid"/>
+                      <a:round/>
+                      <a:headEnd type="none" w="sm" len="sm"/>
+                      <a:tailEnd type="none" w="sm" len="sm"/>
+                    </a:lnL>
+                    <a:lnR w="12700" cap="flat" cmpd="sng">
+                      <a:solidFill>
+                        <a:schemeClr val="dk1"/>
+                      </a:solidFill>
+                      <a:prstDash val="solid"/>
+                      <a:round/>
+                      <a:headEnd type="none" w="sm" len="sm"/>
+                      <a:tailEnd type="none" w="sm" len="sm"/>
+                    </a:lnR>
+                    <a:lnT w="12700" cap="flat" cmpd="sng">
+                      <a:solidFill>
+                        <a:schemeClr val="dk1"/>
+                      </a:solidFill>
+                      <a:prstDash val="solid"/>
+                      <a:round/>
+                      <a:headEnd type="none" w="sm" len="sm"/>
+                      <a:tailEnd type="none" w="sm" len="sm"/>
+                    </a:lnT>
+                    <a:lnB w="12700" cap="flat" cmpd="sng" algn="ctr">
+                      <a:solidFill>
+                        <a:schemeClr val="dk1"/>
+                      </a:solidFill>
+                      <a:prstDash val="solid"/>
+                      <a:round/>
+                      <a:headEnd type="none" w="sm" len="sm"/>
+                      <a:tailEnd type="none" w="sm" len="sm"/>
+                    </a:lnB>
+                    <a:solidFill>
+                      <a:srgbClr val="D8D8D8"/>
+                    </a:solidFill>
+                  </a:tcPr>
+                </a:tc>
+              </a:tr>
+              <a:tr h="168164">
+                <a:tc>
+                  <a:txBody>
+                    <a:bodyPr/>
+                    <a:lstStyle/>
+                    <a:p>
+                      <a:pPr marL="0" marR="0" lvl="0" indent="0" algn="ctr" defTabSz="914400" rtl="0" eaLnBrk="1" fontAlgn="auto" latinLnBrk="1" hangingPunct="1">
+                        <a:lnSpc>
+                          <a:spcPct val="100000"/>
+                        </a:lnSpc>
+                        <a:spcBef>
+                          <a:spcPts val="0"/>
+                        </a:spcBef>
+                        <a:spcAft>
+                          <a:spcPts val="0"/>
+                        </a:spcAft>
+                        <a:buClr>
+                          <a:srgbClr val="000000"/>
+                        </a:buClr>
+                        <a:buSzPts val="1500"/>
+                        <a:buFont typeface="Arial"/>
+                        <a:buNone/>
+                        <a:tabLst/>
+                        <a:defRPr/>
+                      </a:pPr>
+                      <a:r>
+                        <a:rPr lang="en-US" altLang="ko-KR" sz="1500" b="0" u="none" strike="noStrike" cap="none" dirty="0" err="1" smtClean="0">
+                          <a:solidFill>
+                            <a:schemeClr val="dk1"/>
+                          </a:solidFill>
+                        </a:rPr>
+                        <a:t>ht_user_w_qna</a:t>
+                      </a:r>
+                      <a:endParaRPr lang="en-US" altLang="ko-KR" sz="1500" b="0" u="none" strike="noStrike" cap="none" dirty="0" smtClean="0">
+                        <a:solidFill>
+                          <a:schemeClr val="dk1"/>
+                        </a:solidFill>
+                      </a:endParaRPr>
+                    </a:p>
+                  </a:txBody>
+                  <a:tcPr marL="74304" marR="74304" marT="45725" marB="45725" anchor="ctr">
+                    <a:lnL w="12700" cap="flat" cmpd="sng" algn="ctr">
+                      <a:solidFill>
+                        <a:schemeClr val="dk1"/>
+                      </a:solidFill>
+                      <a:prstDash val="solid"/>
+                      <a:round/>
+                      <a:headEnd type="none" w="sm" len="sm"/>
+                      <a:tailEnd type="none" w="sm" len="sm"/>
+                    </a:lnL>
+                    <a:lnR w="12700" cap="flat" cmpd="sng" algn="ctr">
+                      <a:solidFill>
+                        <a:schemeClr val="dk1"/>
+                      </a:solidFill>
+                      <a:prstDash val="solid"/>
+                      <a:round/>
+                      <a:headEnd type="none" w="sm" len="sm"/>
+                      <a:tailEnd type="none" w="sm" len="sm"/>
+                    </a:lnR>
+                    <a:lnT w="12700" cap="flat" cmpd="sng" algn="ctr">
+                      <a:solidFill>
+                        <a:schemeClr val="dk1"/>
+                      </a:solidFill>
+                      <a:prstDash val="solid"/>
+                      <a:round/>
+                      <a:headEnd type="none" w="sm" len="sm"/>
+                      <a:tailEnd type="none" w="sm" len="sm"/>
+                    </a:lnT>
+                    <a:lnB w="12700" cap="flat" cmpd="sng">
+                      <a:solidFill>
+                        <a:schemeClr val="dk1"/>
+                      </a:solidFill>
+                      <a:prstDash val="solid"/>
+                      <a:round/>
+                      <a:headEnd type="none" w="sm" len="sm"/>
+                      <a:tailEnd type="none" w="sm" len="sm"/>
+                    </a:lnB>
+                    <a:solidFill>
+                      <a:schemeClr val="bg1"/>
+                    </a:solidFill>
+                  </a:tcPr>
+                </a:tc>
+              </a:tr>
+            </a:tbl>
+          </a:graphicData>
+        </a:graphic>
+      </p:graphicFrame>
+    </p:spTree>
+    <p:extLst>
+      <p:ext uri="{BB962C8B-B14F-4D97-AF65-F5344CB8AC3E}">
+        <p14:creationId xmlns:p14="http://schemas.microsoft.com/office/powerpoint/2010/main" val="2586362618"/>
+      </p:ext>
+    </p:extLst>
+  </p:cSld>
+  <p:clrMapOvr>
+    <a:masterClrMapping/>
+  </p:clrMapOvr>
+  <p:timing>
+    <p:tnLst>
+      <p:par>
+        <p:cTn id="1" dur="indefinite" restart="never" nodeType="tmRoot"/>
+      </p:par>
+    </p:tnLst>
+  </p:timing>
+</p:sld>
+</file>
+
+<file path=ppt/slides/slide3.xml><?xml version="1.0" encoding="utf-8"?>
+<p:sld xmlns:a="http://schemas.openxmlformats.org/drawingml/2006/main" xmlns:r="http://schemas.openxmlformats.org/officeDocument/2006/relationships" xmlns:p="http://schemas.openxmlformats.org/presentationml/2006/main">
+  <p:cSld>
+    <p:spTree>
+      <p:nvGrpSpPr>
+        <p:cNvPr id="1" name=""/>
+        <p:cNvGrpSpPr/>
+        <p:nvPr/>
+      </p:nvGrpSpPr>
+      <p:grpSpPr>
+        <a:xfrm>
+          <a:off x="0" y="0"/>
+          <a:ext cx="0" cy="0"/>
+          <a:chOff x="0" y="0"/>
+          <a:chExt cx="0" cy="0"/>
+        </a:xfrm>
+      </p:grpSpPr>
+      <p:sp>
+        <p:nvSpPr>
+          <p:cNvPr id="5" name="제목 1"/>
+          <p:cNvSpPr>
+            <a:spLocks noGrp="1"/>
+          </p:cNvSpPr>
+          <p:nvPr>
+            <p:ph type="title"/>
+          </p:nvPr>
+        </p:nvSpPr>
+        <p:spPr>
+          <a:xfrm>
+            <a:off x="1925506" y="116634"/>
+            <a:ext cx="7837090" cy="796925"/>
+          </a:xfrm>
+        </p:spPr>
+        <p:txBody>
+          <a:bodyPr/>
+          <a:lstStyle/>
+          <a:p>
+            <a:r>
+              <a:rPr lang="en-US" altLang="ko-KR" dirty="0" smtClean="0"/>
+              <a:t>[</a:t>
+            </a:r>
+            <a:r>
+              <a:rPr lang="ko-KR" altLang="en-US" dirty="0" smtClean="0"/>
+              <a:t>화면 설계</a:t>
+            </a:r>
+            <a:r>
+              <a:rPr lang="en-US" altLang="ko-KR" dirty="0"/>
+              <a:t>] </a:t>
+            </a:r>
+            <a:r>
+              <a:rPr lang="ko-KR" altLang="en-US" dirty="0"/>
+              <a:t>사용자 </a:t>
+            </a:r>
+            <a:r>
+              <a:rPr lang="en-US" altLang="ko-KR" dirty="0"/>
+              <a:t>- </a:t>
+            </a:r>
+            <a:r>
+              <a:rPr lang="ko-KR" altLang="en-US" dirty="0"/>
+              <a:t>웹 </a:t>
+            </a:r>
+            <a:r>
+              <a:rPr lang="en-US" altLang="ko-KR" dirty="0"/>
+              <a:t>- </a:t>
+            </a:r>
+            <a:r>
+              <a:rPr lang="ko-KR" altLang="en-US" dirty="0" smtClean="0"/>
+              <a:t>게시판 </a:t>
+            </a:r>
+            <a:r>
+              <a:rPr lang="en-US" altLang="ko-KR" dirty="0" smtClean="0"/>
+              <a:t>– Q&amp;A</a:t>
+            </a:r>
+            <a:endParaRPr lang="ko-KR" altLang="en-US" dirty="0"/>
+          </a:p>
+        </p:txBody>
+      </p:sp>
+      <p:grpSp>
+        <p:nvGrpSpPr>
+          <p:cNvPr id="4" name="그룹 3"/>
+          <p:cNvGrpSpPr/>
+          <p:nvPr/>
+        </p:nvGrpSpPr>
+        <p:grpSpPr>
+          <a:xfrm>
+            <a:off x="10516241" y="5877272"/>
+            <a:ext cx="193918" cy="537004"/>
+            <a:chOff x="4815008" y="1484784"/>
+            <a:chExt cx="216024" cy="648072"/>
+          </a:xfrm>
+        </p:grpSpPr>
+        <p:sp>
+          <p:nvSpPr>
+            <p:cNvPr id="6" name="직사각형 5"/>
+            <p:cNvSpPr/>
+            <p:nvPr/>
+          </p:nvSpPr>
+          <p:spPr>
+            <a:xfrm>
+              <a:off x="4815008" y="1484784"/>
+              <a:ext cx="216024" cy="216024"/>
+            </a:xfrm>
+            <a:prstGeom prst="rect">
+              <a:avLst/>
+            </a:prstGeom>
+            <a:solidFill>
+              <a:srgbClr val="48C0DC"/>
+            </a:solidFill>
+            <a:ln>
+              <a:noFill/>
+            </a:ln>
+          </p:spPr>
+          <p:style>
+            <a:lnRef idx="2">
+              <a:schemeClr val="accent1">
+                <a:shade val="50000"/>
+              </a:schemeClr>
+            </a:lnRef>
+            <a:fillRef idx="1">
+              <a:schemeClr val="accent1"/>
+            </a:fillRef>
+            <a:effectRef idx="0">
+              <a:schemeClr val="accent1"/>
+            </a:effectRef>
+            <a:fontRef idx="minor">
+              <a:schemeClr val="lt1"/>
+            </a:fontRef>
+          </p:style>
+          <p:txBody>
+            <a:bodyPr rtlCol="0" anchor="ctr"/>
+            <a:lstStyle/>
+            <a:p>
+              <a:pPr algn="ctr"/>
+              <a:endParaRPr lang="ko-KR" altLang="en-US"/>
+            </a:p>
+          </p:txBody>
+        </p:sp>
+        <p:sp>
+          <p:nvSpPr>
+            <p:cNvPr id="7" name="직사각형 6"/>
+            <p:cNvSpPr/>
+            <p:nvPr/>
+          </p:nvSpPr>
+          <p:spPr>
+            <a:xfrm>
+              <a:off x="4815008" y="1700808"/>
+              <a:ext cx="216024" cy="216024"/>
+            </a:xfrm>
+            <a:prstGeom prst="rect">
+              <a:avLst/>
+            </a:prstGeom>
+            <a:solidFill>
+              <a:srgbClr val="194B57"/>
+            </a:solidFill>
+            <a:ln>
+              <a:noFill/>
+            </a:ln>
+          </p:spPr>
+          <p:style>
+            <a:lnRef idx="2">
+              <a:schemeClr val="accent1">
+                <a:shade val="50000"/>
+              </a:schemeClr>
+            </a:lnRef>
+            <a:fillRef idx="1">
+              <a:schemeClr val="accent1"/>
+            </a:fillRef>
+            <a:effectRef idx="0">
+              <a:schemeClr val="accent1"/>
+            </a:effectRef>
+            <a:fontRef idx="minor">
+              <a:schemeClr val="lt1"/>
+            </a:fontRef>
+          </p:style>
+          <p:txBody>
+            <a:bodyPr rtlCol="0" anchor="ctr"/>
+            <a:lstStyle/>
+            <a:p>
+              <a:pPr algn="ctr"/>
+              <a:endParaRPr lang="ko-KR" altLang="en-US"/>
+            </a:p>
+          </p:txBody>
+        </p:sp>
+        <p:sp>
+          <p:nvSpPr>
+            <p:cNvPr id="8" name="직사각형 7"/>
+            <p:cNvSpPr/>
+            <p:nvPr/>
+          </p:nvSpPr>
+          <p:spPr>
+            <a:xfrm>
+              <a:off x="4815008" y="1916832"/>
+              <a:ext cx="216024" cy="216024"/>
+            </a:xfrm>
+            <a:prstGeom prst="rect">
+              <a:avLst/>
+            </a:prstGeom>
+            <a:solidFill>
+              <a:srgbClr val="472179"/>
+            </a:solidFill>
+            <a:ln>
+              <a:noFill/>
+            </a:ln>
+          </p:spPr>
+          <p:style>
+            <a:lnRef idx="2">
+              <a:schemeClr val="accent1">
+                <a:shade val="50000"/>
+              </a:schemeClr>
+            </a:lnRef>
+            <a:fillRef idx="1">
+              <a:schemeClr val="accent1"/>
+            </a:fillRef>
+            <a:effectRef idx="0">
+              <a:schemeClr val="accent1"/>
+            </a:effectRef>
+            <a:fontRef idx="minor">
+              <a:schemeClr val="lt1"/>
+            </a:fontRef>
+          </p:style>
+          <p:txBody>
+            <a:bodyPr rtlCol="0" anchor="ctr"/>
+            <a:lstStyle/>
+            <a:p>
+              <a:pPr algn="ctr"/>
+              <a:endParaRPr lang="ko-KR" altLang="en-US">
+                <a:solidFill>
+                  <a:srgbClr val="6521AF"/>
+                </a:solidFill>
+              </a:endParaRPr>
+            </a:p>
+          </p:txBody>
+        </p:sp>
+      </p:grpSp>
+      <p:sp>
+        <p:nvSpPr>
+          <p:cNvPr id="2" name="내용 개체 틀 1"/>
+          <p:cNvSpPr>
+            <a:spLocks noGrp="1"/>
+          </p:cNvSpPr>
+          <p:nvPr>
+            <p:ph idx="1"/>
+          </p:nvPr>
+        </p:nvSpPr>
+        <p:spPr/>
+        <p:txBody>
+          <a:bodyPr/>
+          <a:lstStyle/>
+          <a:p>
+            <a:endParaRPr lang="ko-KR" altLang="en-US" dirty="0"/>
+          </a:p>
+        </p:txBody>
+      </p:sp>
+      <p:pic>
+        <p:nvPicPr>
+          <p:cNvPr id="1026" name="Picture 2"/>
+          <p:cNvPicPr>
+            <a:picLocks noChangeAspect="1" noChangeArrowheads="1"/>
+          </p:cNvPicPr>
+          <p:nvPr/>
+        </p:nvPicPr>
+        <p:blipFill>
+          <a:blip r:embed="rId2">
+            <a:extLst>
+              <a:ext uri="{28A0092B-C50C-407E-A947-70E740481C1C}">
+                <a14:useLocalDpi xmlns:a14="http://schemas.microsoft.com/office/drawing/2010/main" val="0"/>
+              </a:ext>
+            </a:extLst>
+          </a:blip>
+          <a:srcRect/>
+          <a:stretch>
+            <a:fillRect/>
+          </a:stretch>
+        </p:blipFill>
+        <p:spPr bwMode="auto">
+          <a:xfrm>
+            <a:off x="1957927" y="904974"/>
+            <a:ext cx="6936593" cy="5627802"/>
+          </a:xfrm>
+          <a:prstGeom prst="rect">
+            <a:avLst/>
+          </a:prstGeom>
+          <a:noFill/>
+          <a:ln>
+            <a:noFill/>
+          </a:ln>
+          <a:effectLst/>
+          <a:extLst>
+            <a:ext uri="{909E8E84-426E-40DD-AFC4-6F175D3DCCD1}">
+              <a14:hiddenFill xmlns:a14="http://schemas.microsoft.com/office/drawing/2010/main">
+                <a:solidFill>
+                  <a:schemeClr val="accent1"/>
+                </a:solidFill>
+              </a14:hiddenFill>
+            </a:ext>
+            <a:ext uri="{91240B29-F687-4F45-9708-019B960494DF}">
+              <a14:hiddenLine xmlns:a14="http://schemas.microsoft.com/office/drawing/2010/main" w="9525">
+                <a:solidFill>
+                  <a:schemeClr val="tx1"/>
+                </a:solidFill>
+                <a:miter lim="800000"/>
+                <a:headEnd/>
+                <a:tailEnd/>
+              </a14:hiddenLine>
+            </a:ext>
+            <a:ext uri="{AF507438-7753-43E0-B8FC-AC1667EBCBE1}">
+              <a14:hiddenEffects xmlns:a14="http://schemas.microsoft.com/office/drawing/2010/main">
+                <a:effectLst>
+                  <a:outerShdw dist="35921" dir="2700000" algn="ctr" rotWithShape="0">
+                    <a:schemeClr val="bg2"/>
+                  </a:outerShdw>
+                </a:effectLst>
+              </a14:hiddenEffects>
+            </a:ext>
+          </a:extLst>
+        </p:spPr>
+      </p:pic>
+    </p:spTree>
+    <p:extLst>
+      <p:ext uri="{BB962C8B-B14F-4D97-AF65-F5344CB8AC3E}">
+        <p14:creationId xmlns:p14="http://schemas.microsoft.com/office/powerpoint/2010/main" val="3162959121"/>
+      </p:ext>
+    </p:extLst>
+  </p:cSld>
+  <p:clrMapOvr>
+    <a:masterClrMapping/>
+  </p:clrMapOvr>
+  <p:timing>
+    <p:tnLst>
+      <p:par>
+        <p:cTn id="1" dur="indefinite" restart="never" nodeType="tmRoot"/>
+      </p:par>
+    </p:tnLst>
+  </p:timing>
+</p:sld>
+</file>
+
 <file path=ppt/theme/theme1.xml><?xml version="1.0" encoding="utf-8"?>
 <a:theme xmlns:a="http://schemas.openxmlformats.org/drawingml/2006/main" name="Office 테마">
   <a:themeElements>
@@ -3699,7 +4996,7 @@
   <a:extraClrSchemeLst/>
   <a:extLst>
     <a:ext uri="{05A4C25C-085E-4340-85A3-A5531E510DB2}">
-      <thm15:themeFamily xmlns:thm15="http://schemas.microsoft.com/office/thememl/2012/main" name="Office Theme" id="{62F939B6-93AF-4DB8-9C6B-D6C7DFDC589F}" vid="{4A3C46E8-61CC-4603-A589-7422A47A8E4A}"/>
+      <thm15:themeFamily xmlns:thm15="http://schemas.microsoft.com/office/thememl/2012/main" xmlns="" name="Office Theme" id="{62F939B6-93AF-4DB8-9C6B-D6C7DFDC589F}" vid="{4A3C46E8-61CC-4603-A589-7422A47A8E4A}"/>
     </a:ext>
   </a:extLst>
 </a:theme>
@@ -3960,7 +5257,7 @@
   <a:extraClrSchemeLst/>
   <a:extLst>
     <a:ext uri="{05A4C25C-085E-4340-85A3-A5531E510DB2}">
-      <thm15:themeFamily xmlns:thm15="http://schemas.microsoft.com/office/thememl/2012/main" name="Office Theme" id="{62F939B6-93AF-4DB8-9C6B-D6C7DFDC589F}" vid="{4A3C46E8-61CC-4603-A589-7422A47A8E4A}"/>
+      <thm15:themeFamily xmlns:thm15="http://schemas.microsoft.com/office/thememl/2012/main" xmlns="" name="Office Theme" id="{62F939B6-93AF-4DB8-9C6B-D6C7DFDC589F}" vid="{4A3C46E8-61CC-4603-A589-7422A47A8E4A}"/>
     </a:ext>
   </a:extLst>
 </a:theme>

--- a/0 발표용 파워포인트/0424 4차발표/0424 project05 - 파워포인트 - 현태.pptx
+++ b/0 발표용 파워포인트/0424 4차발표/0424 project05 - 파워포인트 - 현태.pptx
@@ -5,25 +5,23 @@
     <p:sldMasterId id="2147483648" r:id="rId1"/>
   </p:sldMasterIdLst>
   <p:notesMasterIdLst>
-    <p:notesMasterId r:id="rId18"/>
+    <p:notesMasterId r:id="rId16"/>
   </p:notesMasterIdLst>
   <p:sldIdLst>
     <p:sldId id="256" r:id="rId2"/>
     <p:sldId id="258" r:id="rId3"/>
     <p:sldId id="259" r:id="rId4"/>
-    <p:sldId id="260" r:id="rId5"/>
-    <p:sldId id="261" r:id="rId6"/>
-    <p:sldId id="262" r:id="rId7"/>
-    <p:sldId id="263" r:id="rId8"/>
-    <p:sldId id="264" r:id="rId9"/>
-    <p:sldId id="265" r:id="rId10"/>
-    <p:sldId id="266" r:id="rId11"/>
-    <p:sldId id="267" r:id="rId12"/>
-    <p:sldId id="268" r:id="rId13"/>
-    <p:sldId id="269" r:id="rId14"/>
-    <p:sldId id="270" r:id="rId15"/>
-    <p:sldId id="271" r:id="rId16"/>
-    <p:sldId id="272" r:id="rId17"/>
+    <p:sldId id="262" r:id="rId5"/>
+    <p:sldId id="263" r:id="rId6"/>
+    <p:sldId id="264" r:id="rId7"/>
+    <p:sldId id="265" r:id="rId8"/>
+    <p:sldId id="266" r:id="rId9"/>
+    <p:sldId id="267" r:id="rId10"/>
+    <p:sldId id="268" r:id="rId11"/>
+    <p:sldId id="269" r:id="rId12"/>
+    <p:sldId id="270" r:id="rId13"/>
+    <p:sldId id="271" r:id="rId14"/>
+    <p:sldId id="272" r:id="rId15"/>
   </p:sldIdLst>
   <p:sldSz cx="12192000" cy="6858000"/>
   <p:notesSz cx="6858000" cy="9144000"/>
@@ -124,7 +122,7 @@
   </p:defaultTextStyle>
   <p:extLst>
     <p:ext uri="{EFAFB233-063F-42B5-8137-9DF3F51BA10A}">
-      <p15:sldGuideLst xmlns="" xmlns:p15="http://schemas.microsoft.com/office/powerpoint/2012/main">
+      <p15:sldGuideLst xmlns:p15="http://schemas.microsoft.com/office/powerpoint/2012/main" xmlns="">
         <p15:guide id="1" orient="horz" pos="2160">
           <p15:clr>
             <a:srgbClr val="A4A3A4"/>
@@ -3794,70 +3792,6 @@
           <a:chExt cx="0" cy="0"/>
         </a:xfrm>
       </p:grpSpPr>
-      <p:pic>
-        <p:nvPicPr>
-          <p:cNvPr id="4098" name="Picture 2"/>
-          <p:cNvPicPr>
-            <a:picLocks noChangeAspect="1" noChangeArrowheads="1"/>
-          </p:cNvPicPr>
-          <p:nvPr/>
-        </p:nvPicPr>
-        <p:blipFill>
-          <a:blip r:embed="rId2">
-            <a:extLst>
-              <a:ext uri="{28A0092B-C50C-407E-A947-70E740481C1C}">
-                <a14:useLocalDpi xmlns:a14="http://schemas.microsoft.com/office/drawing/2010/main" val="0"/>
-              </a:ext>
-            </a:extLst>
-          </a:blip>
-          <a:srcRect/>
-          <a:stretch>
-            <a:fillRect/>
-          </a:stretch>
-        </p:blipFill>
-        <p:spPr bwMode="auto">
-          <a:xfrm>
-            <a:off x="196788" y="638350"/>
-            <a:ext cx="8876696" cy="5686425"/>
-          </a:xfrm>
-          <a:prstGeom prst="rect">
-            <a:avLst/>
-          </a:prstGeom>
-          <a:noFill/>
-          <a:ln>
-            <a:noFill/>
-          </a:ln>
-          <a:effectLst/>
-          <a:extLst>
-            <a:ext uri="{909E8E84-426E-40DD-AFC4-6F175D3DCCD1}">
-              <a14:hiddenFill xmlns:a14="http://schemas.microsoft.com/office/drawing/2010/main">
-                <a:solidFill>
-                  <a:schemeClr val="accent1"/>
-                </a:solidFill>
-              </a14:hiddenFill>
-            </a:ext>
-            <a:ext uri="{91240B29-F687-4F45-9708-019B960494DF}">
-              <a14:hiddenLine xmlns:a14="http://schemas.microsoft.com/office/drawing/2010/main" w="9525">
-                <a:solidFill>
-                  <a:schemeClr val="tx1"/>
-                </a:solidFill>
-                <a:miter lim="800000"/>
-                <a:headEnd/>
-                <a:tailEnd/>
-              </a14:hiddenLine>
-            </a:ext>
-            <a:ext uri="{AF507438-7753-43E0-B8FC-AC1667EBCBE1}">
-              <a14:hiddenEffects xmlns:a14="http://schemas.microsoft.com/office/drawing/2010/main">
-                <a:effectLst>
-                  <a:outerShdw dist="35921" dir="2700000" algn="ctr" rotWithShape="0">
-                    <a:schemeClr val="bg2"/>
-                  </a:outerShdw>
-                </a:effectLst>
-              </a14:hiddenEffects>
-            </a:ext>
-          </a:extLst>
-        </p:spPr>
-      </p:pic>
       <p:sp>
         <p:nvSpPr>
           <p:cNvPr id="5" name="제목 1"/>
@@ -3884,1394 +3818,14 @@
             </a:r>
             <a:r>
               <a:rPr lang="ko-KR" altLang="en-US" dirty="0" smtClean="0"/>
-              <a:t>화면 설계</a:t>
-            </a:r>
-            <a:r>
-              <a:rPr lang="en-US" altLang="ko-KR" dirty="0"/>
-              <a:t>] </a:t>
-            </a:r>
-            <a:r>
-              <a:rPr lang="ko-KR" altLang="en-US" dirty="0"/>
-              <a:t>사용자 </a:t>
-            </a:r>
-            <a:r>
-              <a:rPr lang="en-US" altLang="ko-KR" dirty="0"/>
-              <a:t>- </a:t>
-            </a:r>
-            <a:r>
-              <a:rPr lang="ko-KR" altLang="en-US" dirty="0"/>
-              <a:t>웹 </a:t>
-            </a:r>
-            <a:r>
-              <a:rPr lang="en-US" altLang="ko-KR" dirty="0"/>
-              <a:t>- </a:t>
+              <a:t>화면 </a:t>
             </a:r>
             <a:r>
               <a:rPr lang="ko-KR" altLang="en-US" dirty="0" smtClean="0"/>
-              <a:t>게시판 </a:t>
+              <a:t>구현</a:t>
             </a:r>
             <a:r>
               <a:rPr lang="en-US" altLang="ko-KR" dirty="0" smtClean="0"/>
-              <a:t>– Q&amp;A</a:t>
-            </a:r>
-            <a:endParaRPr lang="ko-KR" altLang="en-US" dirty="0"/>
-          </a:p>
-        </p:txBody>
-      </p:sp>
-      <p:grpSp>
-        <p:nvGrpSpPr>
-          <p:cNvPr id="4" name="그룹 3"/>
-          <p:cNvGrpSpPr/>
-          <p:nvPr/>
-        </p:nvGrpSpPr>
-        <p:grpSpPr>
-          <a:xfrm>
-            <a:off x="10516241" y="5877272"/>
-            <a:ext cx="193918" cy="537004"/>
-            <a:chOff x="4815008" y="1484784"/>
-            <a:chExt cx="216024" cy="648072"/>
-          </a:xfrm>
-        </p:grpSpPr>
-        <p:sp>
-          <p:nvSpPr>
-            <p:cNvPr id="6" name="직사각형 5"/>
-            <p:cNvSpPr/>
-            <p:nvPr/>
-          </p:nvSpPr>
-          <p:spPr>
-            <a:xfrm>
-              <a:off x="4815008" y="1484784"/>
-              <a:ext cx="216024" cy="216024"/>
-            </a:xfrm>
-            <a:prstGeom prst="rect">
-              <a:avLst/>
-            </a:prstGeom>
-            <a:solidFill>
-              <a:srgbClr val="48C0DC"/>
-            </a:solidFill>
-            <a:ln>
-              <a:noFill/>
-            </a:ln>
-          </p:spPr>
-          <p:style>
-            <a:lnRef idx="2">
-              <a:schemeClr val="accent1">
-                <a:shade val="50000"/>
-              </a:schemeClr>
-            </a:lnRef>
-            <a:fillRef idx="1">
-              <a:schemeClr val="accent1"/>
-            </a:fillRef>
-            <a:effectRef idx="0">
-              <a:schemeClr val="accent1"/>
-            </a:effectRef>
-            <a:fontRef idx="minor">
-              <a:schemeClr val="lt1"/>
-            </a:fontRef>
-          </p:style>
-          <p:txBody>
-            <a:bodyPr rtlCol="0" anchor="ctr"/>
-            <a:lstStyle/>
-            <a:p>
-              <a:pPr algn="ctr"/>
-              <a:endParaRPr lang="ko-KR" altLang="en-US"/>
-            </a:p>
-          </p:txBody>
-        </p:sp>
-        <p:sp>
-          <p:nvSpPr>
-            <p:cNvPr id="7" name="직사각형 6"/>
-            <p:cNvSpPr/>
-            <p:nvPr/>
-          </p:nvSpPr>
-          <p:spPr>
-            <a:xfrm>
-              <a:off x="4815008" y="1700808"/>
-              <a:ext cx="216024" cy="216024"/>
-            </a:xfrm>
-            <a:prstGeom prst="rect">
-              <a:avLst/>
-            </a:prstGeom>
-            <a:solidFill>
-              <a:srgbClr val="194B57"/>
-            </a:solidFill>
-            <a:ln>
-              <a:noFill/>
-            </a:ln>
-          </p:spPr>
-          <p:style>
-            <a:lnRef idx="2">
-              <a:schemeClr val="accent1">
-                <a:shade val="50000"/>
-              </a:schemeClr>
-            </a:lnRef>
-            <a:fillRef idx="1">
-              <a:schemeClr val="accent1"/>
-            </a:fillRef>
-            <a:effectRef idx="0">
-              <a:schemeClr val="accent1"/>
-            </a:effectRef>
-            <a:fontRef idx="minor">
-              <a:schemeClr val="lt1"/>
-            </a:fontRef>
-          </p:style>
-          <p:txBody>
-            <a:bodyPr rtlCol="0" anchor="ctr"/>
-            <a:lstStyle/>
-            <a:p>
-              <a:pPr algn="ctr"/>
-              <a:endParaRPr lang="ko-KR" altLang="en-US"/>
-            </a:p>
-          </p:txBody>
-        </p:sp>
-        <p:sp>
-          <p:nvSpPr>
-            <p:cNvPr id="8" name="직사각형 7"/>
-            <p:cNvSpPr/>
-            <p:nvPr/>
-          </p:nvSpPr>
-          <p:spPr>
-            <a:xfrm>
-              <a:off x="4815008" y="1916832"/>
-              <a:ext cx="216024" cy="216024"/>
-            </a:xfrm>
-            <a:prstGeom prst="rect">
-              <a:avLst/>
-            </a:prstGeom>
-            <a:solidFill>
-              <a:srgbClr val="472179"/>
-            </a:solidFill>
-            <a:ln>
-              <a:noFill/>
-            </a:ln>
-          </p:spPr>
-          <p:style>
-            <a:lnRef idx="2">
-              <a:schemeClr val="accent1">
-                <a:shade val="50000"/>
-              </a:schemeClr>
-            </a:lnRef>
-            <a:fillRef idx="1">
-              <a:schemeClr val="accent1"/>
-            </a:fillRef>
-            <a:effectRef idx="0">
-              <a:schemeClr val="accent1"/>
-            </a:effectRef>
-            <a:fontRef idx="minor">
-              <a:schemeClr val="lt1"/>
-            </a:fontRef>
-          </p:style>
-          <p:txBody>
-            <a:bodyPr rtlCol="0" anchor="ctr"/>
-            <a:lstStyle/>
-            <a:p>
-              <a:pPr algn="ctr"/>
-              <a:endParaRPr lang="ko-KR" altLang="en-US">
-                <a:solidFill>
-                  <a:srgbClr val="6521AF"/>
-                </a:solidFill>
-              </a:endParaRPr>
-            </a:p>
-          </p:txBody>
-        </p:sp>
-      </p:grpSp>
-      <p:sp>
-        <p:nvSpPr>
-          <p:cNvPr id="2" name="내용 개체 틀 1"/>
-          <p:cNvSpPr>
-            <a:spLocks noGrp="1"/>
-          </p:cNvSpPr>
-          <p:nvPr>
-            <p:ph idx="1"/>
-          </p:nvPr>
-        </p:nvSpPr>
-        <p:spPr/>
-        <p:txBody>
-          <a:bodyPr/>
-          <a:lstStyle/>
-          <a:p>
-            <a:endParaRPr lang="ko-KR" altLang="en-US" dirty="0"/>
-          </a:p>
-        </p:txBody>
-      </p:sp>
-      <p:sp>
-        <p:nvSpPr>
-          <p:cNvPr id="19" name="Google Shape;173;g7c553259d1_0_81"/>
-          <p:cNvSpPr/>
-          <p:nvPr/>
-        </p:nvSpPr>
-        <p:spPr>
-          <a:xfrm>
-            <a:off x="245823" y="5010287"/>
-            <a:ext cx="302700" cy="324600"/>
-          </a:xfrm>
-          <a:prstGeom prst="rect">
-            <a:avLst/>
-          </a:prstGeom>
-          <a:solidFill>
-            <a:srgbClr val="FF0000"/>
-          </a:solidFill>
-          <a:ln>
-            <a:noFill/>
-          </a:ln>
-        </p:spPr>
-        <p:txBody>
-          <a:bodyPr spcFirstLastPara="1" wrap="square" lIns="91425" tIns="45700" rIns="91425" bIns="45700" anchor="ctr" anchorCtr="0">
-            <a:noAutofit/>
-          </a:bodyPr>
-          <a:lstStyle/>
-          <a:p>
-            <a:pPr marL="0" marR="0" lvl="0" indent="0" algn="ctr" rtl="0">
-              <a:lnSpc>
-                <a:spcPct val="100000"/>
-              </a:lnSpc>
-              <a:spcBef>
-                <a:spcPts val="0"/>
-              </a:spcBef>
-              <a:spcAft>
-                <a:spcPts val="0"/>
-              </a:spcAft>
-              <a:buClr>
-                <a:srgbClr val="000000"/>
-              </a:buClr>
-              <a:buSzPts val="1800"/>
-              <a:buFont typeface="Arial"/>
-              <a:buNone/>
-            </a:pPr>
-            <a:r>
-              <a:rPr lang="ko-KR" sz="1800" b="1" i="0" u="none" strike="noStrike" cap="none" dirty="0">
-                <a:latin typeface="Malgun Gothic"/>
-                <a:ea typeface="Malgun Gothic"/>
-                <a:cs typeface="Malgun Gothic"/>
-                <a:sym typeface="Malgun Gothic"/>
-              </a:rPr>
-              <a:t>1</a:t>
-            </a:r>
-            <a:endParaRPr sz="1800" b="1" i="0" u="none" strike="noStrike" cap="none" dirty="0">
-              <a:latin typeface="Malgun Gothic"/>
-              <a:ea typeface="Malgun Gothic"/>
-              <a:cs typeface="Malgun Gothic"/>
-              <a:sym typeface="Malgun Gothic"/>
-            </a:endParaRPr>
-          </a:p>
-        </p:txBody>
-      </p:sp>
-      <p:sp>
-        <p:nvSpPr>
-          <p:cNvPr id="20" name="직사각형 19"/>
-          <p:cNvSpPr/>
-          <p:nvPr/>
-        </p:nvSpPr>
-        <p:spPr>
-          <a:xfrm>
-            <a:off x="645960" y="4100013"/>
-            <a:ext cx="7721600" cy="2342837"/>
-          </a:xfrm>
-          <a:prstGeom prst="rect">
-            <a:avLst/>
-          </a:prstGeom>
-          <a:noFill/>
-          <a:ln w="38100">
-            <a:solidFill>
-              <a:srgbClr val="FF0000"/>
-            </a:solidFill>
-          </a:ln>
-        </p:spPr>
-        <p:style>
-          <a:lnRef idx="2">
-            <a:schemeClr val="accent1">
-              <a:shade val="50000"/>
-            </a:schemeClr>
-          </a:lnRef>
-          <a:fillRef idx="1">
-            <a:schemeClr val="accent1"/>
-          </a:fillRef>
-          <a:effectRef idx="0">
-            <a:schemeClr val="accent1"/>
-          </a:effectRef>
-          <a:fontRef idx="minor">
-            <a:schemeClr val="lt1"/>
-          </a:fontRef>
-        </p:style>
-        <p:txBody>
-          <a:bodyPr rtlCol="0" anchor="ctr"/>
-          <a:lstStyle/>
-          <a:p>
-            <a:pPr algn="ctr"/>
-            <a:endParaRPr lang="ko-KR" altLang="en-US"/>
-          </a:p>
-        </p:txBody>
-      </p:sp>
-      <p:graphicFrame>
-        <p:nvGraphicFramePr>
-          <p:cNvPr id="23" name="표 22"/>
-          <p:cNvGraphicFramePr>
-            <a:graphicFrameLocks noGrp="1"/>
-          </p:cNvGraphicFramePr>
-          <p:nvPr>
-            <p:extLst>
-              <p:ext uri="{D42A27DB-BD31-4B8C-83A1-F6EECF244321}">
-                <p14:modId xmlns:p14="http://schemas.microsoft.com/office/powerpoint/2010/main" val="506402655"/>
-              </p:ext>
-            </p:extLst>
-          </p:nvPr>
-        </p:nvGraphicFramePr>
-        <p:xfrm>
-          <a:off x="8480731" y="1429130"/>
-          <a:ext cx="1944216" cy="640100"/>
-        </p:xfrm>
-        <a:graphic>
-          <a:graphicData uri="http://schemas.openxmlformats.org/drawingml/2006/table">
-            <a:tbl>
-              <a:tblPr firstRow="1" bandRow="1">
-                <a:noFill/>
-              </a:tblPr>
-              <a:tblGrid>
-                <a:gridCol w="1944216"/>
-              </a:tblGrid>
-              <a:tr h="168164">
-                <a:tc>
-                  <a:txBody>
-                    <a:bodyPr/>
-                    <a:lstStyle/>
-                    <a:p>
-                      <a:pPr marL="0" marR="0" lvl="0" indent="0" algn="ctr" rtl="0">
-                        <a:lnSpc>
-                          <a:spcPct val="100000"/>
-                        </a:lnSpc>
-                        <a:spcBef>
-                          <a:spcPts val="0"/>
-                        </a:spcBef>
-                        <a:spcAft>
-                          <a:spcPts val="0"/>
-                        </a:spcAft>
-                        <a:buClr>
-                          <a:srgbClr val="000000"/>
-                        </a:buClr>
-                        <a:buSzPts val="1500"/>
-                        <a:buFont typeface="Arial"/>
-                        <a:buNone/>
-                      </a:pPr>
-                      <a:r>
-                        <a:rPr lang="ko-KR" altLang="en-US" sz="1500" b="0" u="none" strike="noStrike" cap="none" dirty="0" smtClean="0">
-                          <a:solidFill>
-                            <a:schemeClr val="dk1"/>
-                          </a:solidFill>
-                        </a:rPr>
-                        <a:t>화면코드</a:t>
-                      </a:r>
-                      <a:endParaRPr sz="1500" b="0" u="none" strike="noStrike" cap="none" dirty="0">
-                        <a:solidFill>
-                          <a:schemeClr val="dk1"/>
-                        </a:solidFill>
-                      </a:endParaRPr>
-                    </a:p>
-                  </a:txBody>
-                  <a:tcPr marL="74304" marR="74304" marT="45725" marB="45725" anchor="ctr">
-                    <a:lnL w="12700" cap="flat" cmpd="sng">
-                      <a:solidFill>
-                        <a:schemeClr val="dk1"/>
-                      </a:solidFill>
-                      <a:prstDash val="solid"/>
-                      <a:round/>
-                      <a:headEnd type="none" w="sm" len="sm"/>
-                      <a:tailEnd type="none" w="sm" len="sm"/>
-                    </a:lnL>
-                    <a:lnR w="12700" cap="flat" cmpd="sng">
-                      <a:solidFill>
-                        <a:schemeClr val="dk1"/>
-                      </a:solidFill>
-                      <a:prstDash val="solid"/>
-                      <a:round/>
-                      <a:headEnd type="none" w="sm" len="sm"/>
-                      <a:tailEnd type="none" w="sm" len="sm"/>
-                    </a:lnR>
-                    <a:lnT w="12700" cap="flat" cmpd="sng">
-                      <a:solidFill>
-                        <a:schemeClr val="dk1"/>
-                      </a:solidFill>
-                      <a:prstDash val="solid"/>
-                      <a:round/>
-                      <a:headEnd type="none" w="sm" len="sm"/>
-                      <a:tailEnd type="none" w="sm" len="sm"/>
-                    </a:lnT>
-                    <a:lnB w="12700" cap="flat" cmpd="sng" algn="ctr">
-                      <a:solidFill>
-                        <a:schemeClr val="dk1"/>
-                      </a:solidFill>
-                      <a:prstDash val="solid"/>
-                      <a:round/>
-                      <a:headEnd type="none" w="sm" len="sm"/>
-                      <a:tailEnd type="none" w="sm" len="sm"/>
-                    </a:lnB>
-                    <a:solidFill>
-                      <a:srgbClr val="D8D8D8"/>
-                    </a:solidFill>
-                  </a:tcPr>
-                </a:tc>
-              </a:tr>
-              <a:tr h="168164">
-                <a:tc>
-                  <a:txBody>
-                    <a:bodyPr/>
-                    <a:lstStyle/>
-                    <a:p>
-                      <a:pPr marL="0" marR="0" lvl="0" indent="0" algn="ctr" defTabSz="914400" rtl="0" eaLnBrk="1" fontAlgn="auto" latinLnBrk="1" hangingPunct="1">
-                        <a:lnSpc>
-                          <a:spcPct val="100000"/>
-                        </a:lnSpc>
-                        <a:spcBef>
-                          <a:spcPts val="0"/>
-                        </a:spcBef>
-                        <a:spcAft>
-                          <a:spcPts val="0"/>
-                        </a:spcAft>
-                        <a:buClr>
-                          <a:srgbClr val="000000"/>
-                        </a:buClr>
-                        <a:buSzPts val="1500"/>
-                        <a:buFont typeface="Arial"/>
-                        <a:buNone/>
-                        <a:tabLst/>
-                        <a:defRPr/>
-                      </a:pPr>
-                      <a:r>
-                        <a:rPr lang="en-US" altLang="ko-KR" sz="1500" b="0" u="none" strike="noStrike" cap="none" dirty="0" err="1" smtClean="0">
-                          <a:solidFill>
-                            <a:schemeClr val="dk1"/>
-                          </a:solidFill>
-                        </a:rPr>
-                        <a:t>ht_user_w_qna</a:t>
-                      </a:r>
-                      <a:endParaRPr lang="en-US" altLang="ko-KR" sz="1500" b="0" u="none" strike="noStrike" cap="none" dirty="0" smtClean="0">
-                        <a:solidFill>
-                          <a:schemeClr val="dk1"/>
-                        </a:solidFill>
-                      </a:endParaRPr>
-                    </a:p>
-                  </a:txBody>
-                  <a:tcPr marL="74304" marR="74304" marT="45725" marB="45725" anchor="ctr">
-                    <a:lnL w="12700" cap="flat" cmpd="sng" algn="ctr">
-                      <a:solidFill>
-                        <a:schemeClr val="dk1"/>
-                      </a:solidFill>
-                      <a:prstDash val="solid"/>
-                      <a:round/>
-                      <a:headEnd type="none" w="sm" len="sm"/>
-                      <a:tailEnd type="none" w="sm" len="sm"/>
-                    </a:lnL>
-                    <a:lnR w="12700" cap="flat" cmpd="sng" algn="ctr">
-                      <a:solidFill>
-                        <a:schemeClr val="dk1"/>
-                      </a:solidFill>
-                      <a:prstDash val="solid"/>
-                      <a:round/>
-                      <a:headEnd type="none" w="sm" len="sm"/>
-                      <a:tailEnd type="none" w="sm" len="sm"/>
-                    </a:lnR>
-                    <a:lnT w="12700" cap="flat" cmpd="sng" algn="ctr">
-                      <a:solidFill>
-                        <a:schemeClr val="dk1"/>
-                      </a:solidFill>
-                      <a:prstDash val="solid"/>
-                      <a:round/>
-                      <a:headEnd type="none" w="sm" len="sm"/>
-                      <a:tailEnd type="none" w="sm" len="sm"/>
-                    </a:lnT>
-                    <a:lnB w="12700" cap="flat" cmpd="sng">
-                      <a:solidFill>
-                        <a:schemeClr val="dk1"/>
-                      </a:solidFill>
-                      <a:prstDash val="solid"/>
-                      <a:round/>
-                      <a:headEnd type="none" w="sm" len="sm"/>
-                      <a:tailEnd type="none" w="sm" len="sm"/>
-                    </a:lnB>
-                    <a:solidFill>
-                      <a:schemeClr val="bg1"/>
-                    </a:solidFill>
-                  </a:tcPr>
-                </a:tc>
-              </a:tr>
-            </a:tbl>
-          </a:graphicData>
-        </a:graphic>
-      </p:graphicFrame>
-      <p:pic>
-        <p:nvPicPr>
-          <p:cNvPr id="4099" name="Picture 3"/>
-          <p:cNvPicPr>
-            <a:picLocks noChangeAspect="1" noChangeArrowheads="1"/>
-          </p:cNvPicPr>
-          <p:nvPr/>
-        </p:nvPicPr>
-        <p:blipFill>
-          <a:blip r:embed="rId3">
-            <a:extLst>
-              <a:ext uri="{28A0092B-C50C-407E-A947-70E740481C1C}">
-                <a14:useLocalDpi xmlns:a14="http://schemas.microsoft.com/office/drawing/2010/main" val="0"/>
-              </a:ext>
-            </a:extLst>
-          </a:blip>
-          <a:srcRect/>
-          <a:stretch>
-            <a:fillRect/>
-          </a:stretch>
-        </p:blipFill>
-        <p:spPr bwMode="auto">
-          <a:xfrm>
-            <a:off x="6538912" y="2561725"/>
-            <a:ext cx="5476875" cy="3076575"/>
-          </a:xfrm>
-          <a:prstGeom prst="rect">
-            <a:avLst/>
-          </a:prstGeom>
-          <a:noFill/>
-          <a:ln w="38100">
-            <a:solidFill>
-              <a:schemeClr val="accent1">
-                <a:lumMod val="50000"/>
-              </a:schemeClr>
-            </a:solidFill>
-            <a:miter lim="800000"/>
-            <a:headEnd/>
-            <a:tailEnd/>
-          </a:ln>
-          <a:effectLst/>
-          <a:extLst>
-            <a:ext uri="{909E8E84-426E-40DD-AFC4-6F175D3DCCD1}">
-              <a14:hiddenFill xmlns:a14="http://schemas.microsoft.com/office/drawing/2010/main">
-                <a:solidFill>
-                  <a:schemeClr val="accent1"/>
-                </a:solidFill>
-              </a14:hiddenFill>
-            </a:ext>
-            <a:ext uri="{AF507438-7753-43E0-B8FC-AC1667EBCBE1}">
-              <a14:hiddenEffects xmlns:a14="http://schemas.microsoft.com/office/drawing/2010/main">
-                <a:effectLst>
-                  <a:outerShdw dist="35921" dir="2700000" algn="ctr" rotWithShape="0">
-                    <a:schemeClr val="bg2"/>
-                  </a:outerShdw>
-                </a:effectLst>
-              </a14:hiddenEffects>
-            </a:ext>
-          </a:extLst>
-        </p:spPr>
-      </p:pic>
-    </p:spTree>
-    <p:extLst>
-      <p:ext uri="{BB962C8B-B14F-4D97-AF65-F5344CB8AC3E}">
-        <p14:creationId xmlns:p14="http://schemas.microsoft.com/office/powerpoint/2010/main" val="3912978390"/>
-      </p:ext>
-    </p:extLst>
-  </p:cSld>
-  <p:clrMapOvr>
-    <a:masterClrMapping/>
-  </p:clrMapOvr>
-  <p:timing>
-    <p:tnLst>
-      <p:par>
-        <p:cTn id="1" dur="indefinite" restart="never" nodeType="tmRoot"/>
-      </p:par>
-    </p:tnLst>
-  </p:timing>
-</p:sld>
-</file>
-
-<file path=ppt/slides/slide11.xml><?xml version="1.0" encoding="utf-8"?>
-<p:sld xmlns:a="http://schemas.openxmlformats.org/drawingml/2006/main" xmlns:r="http://schemas.openxmlformats.org/officeDocument/2006/relationships" xmlns:p="http://schemas.openxmlformats.org/presentationml/2006/main">
-  <p:cSld>
-    <p:spTree>
-      <p:nvGrpSpPr>
-        <p:cNvPr id="1" name=""/>
-        <p:cNvGrpSpPr/>
-        <p:nvPr/>
-      </p:nvGrpSpPr>
-      <p:grpSpPr>
-        <a:xfrm>
-          <a:off x="0" y="0"/>
-          <a:ext cx="0" cy="0"/>
-          <a:chOff x="0" y="0"/>
-          <a:chExt cx="0" cy="0"/>
-        </a:xfrm>
-      </p:grpSpPr>
-      <p:pic>
-        <p:nvPicPr>
-          <p:cNvPr id="5122" name="Picture 2"/>
-          <p:cNvPicPr>
-            <a:picLocks noChangeAspect="1" noChangeArrowheads="1"/>
-          </p:cNvPicPr>
-          <p:nvPr/>
-        </p:nvPicPr>
-        <p:blipFill>
-          <a:blip r:embed="rId2">
-            <a:extLst>
-              <a:ext uri="{28A0092B-C50C-407E-A947-70E740481C1C}">
-                <a14:useLocalDpi xmlns:a14="http://schemas.microsoft.com/office/drawing/2010/main" val="0"/>
-              </a:ext>
-            </a:extLst>
-          </a:blip>
-          <a:srcRect/>
-          <a:stretch>
-            <a:fillRect/>
-          </a:stretch>
-        </p:blipFill>
-        <p:spPr bwMode="auto">
-          <a:xfrm>
-            <a:off x="255347" y="1228725"/>
-            <a:ext cx="9436063" cy="5271275"/>
-          </a:xfrm>
-          <a:prstGeom prst="rect">
-            <a:avLst/>
-          </a:prstGeom>
-          <a:noFill/>
-          <a:ln>
-            <a:noFill/>
-          </a:ln>
-          <a:effectLst/>
-          <a:extLst>
-            <a:ext uri="{909E8E84-426E-40DD-AFC4-6F175D3DCCD1}">
-              <a14:hiddenFill xmlns:a14="http://schemas.microsoft.com/office/drawing/2010/main">
-                <a:solidFill>
-                  <a:schemeClr val="accent1"/>
-                </a:solidFill>
-              </a14:hiddenFill>
-            </a:ext>
-            <a:ext uri="{91240B29-F687-4F45-9708-019B960494DF}">
-              <a14:hiddenLine xmlns:a14="http://schemas.microsoft.com/office/drawing/2010/main" w="9525">
-                <a:solidFill>
-                  <a:schemeClr val="tx1"/>
-                </a:solidFill>
-                <a:miter lim="800000"/>
-                <a:headEnd/>
-                <a:tailEnd/>
-              </a14:hiddenLine>
-            </a:ext>
-            <a:ext uri="{AF507438-7753-43E0-B8FC-AC1667EBCBE1}">
-              <a14:hiddenEffects xmlns:a14="http://schemas.microsoft.com/office/drawing/2010/main">
-                <a:effectLst>
-                  <a:outerShdw dist="35921" dir="2700000" algn="ctr" rotWithShape="0">
-                    <a:schemeClr val="bg2"/>
-                  </a:outerShdw>
-                </a:effectLst>
-              </a14:hiddenEffects>
-            </a:ext>
-          </a:extLst>
-        </p:spPr>
-      </p:pic>
-      <p:sp>
-        <p:nvSpPr>
-          <p:cNvPr id="5" name="제목 1"/>
-          <p:cNvSpPr>
-            <a:spLocks noGrp="1"/>
-          </p:cNvSpPr>
-          <p:nvPr>
-            <p:ph type="title"/>
-          </p:nvPr>
-        </p:nvSpPr>
-        <p:spPr>
-          <a:xfrm>
-            <a:off x="1925506" y="116634"/>
-            <a:ext cx="7837090" cy="796925"/>
-          </a:xfrm>
-        </p:spPr>
-        <p:txBody>
-          <a:bodyPr/>
-          <a:lstStyle/>
-          <a:p>
-            <a:r>
-              <a:rPr lang="en-US" altLang="ko-KR" dirty="0" smtClean="0"/>
-              <a:t>[</a:t>
-            </a:r>
-            <a:r>
-              <a:rPr lang="ko-KR" altLang="en-US" dirty="0" smtClean="0"/>
-              <a:t>화면 설계</a:t>
-            </a:r>
-            <a:r>
-              <a:rPr lang="en-US" altLang="ko-KR" dirty="0"/>
-              <a:t>] </a:t>
-            </a:r>
-            <a:r>
-              <a:rPr lang="ko-KR" altLang="en-US" dirty="0"/>
-              <a:t>사용자 </a:t>
-            </a:r>
-            <a:r>
-              <a:rPr lang="en-US" altLang="ko-KR" dirty="0"/>
-              <a:t>- </a:t>
-            </a:r>
-            <a:r>
-              <a:rPr lang="ko-KR" altLang="en-US" dirty="0"/>
-              <a:t>웹 </a:t>
-            </a:r>
-            <a:r>
-              <a:rPr lang="en-US" altLang="ko-KR" dirty="0"/>
-              <a:t>- </a:t>
-            </a:r>
-            <a:r>
-              <a:rPr lang="ko-KR" altLang="en-US" dirty="0" smtClean="0"/>
-              <a:t>게시판 </a:t>
-            </a:r>
-            <a:r>
-              <a:rPr lang="en-US" altLang="ko-KR" dirty="0" smtClean="0"/>
-              <a:t>– Q&amp;A</a:t>
-            </a:r>
-            <a:endParaRPr lang="ko-KR" altLang="en-US" dirty="0"/>
-          </a:p>
-        </p:txBody>
-      </p:sp>
-      <p:grpSp>
-        <p:nvGrpSpPr>
-          <p:cNvPr id="4" name="그룹 3"/>
-          <p:cNvGrpSpPr/>
-          <p:nvPr/>
-        </p:nvGrpSpPr>
-        <p:grpSpPr>
-          <a:xfrm>
-            <a:off x="10516241" y="5877272"/>
-            <a:ext cx="193918" cy="537004"/>
-            <a:chOff x="4815008" y="1484784"/>
-            <a:chExt cx="216024" cy="648072"/>
-          </a:xfrm>
-        </p:grpSpPr>
-        <p:sp>
-          <p:nvSpPr>
-            <p:cNvPr id="6" name="직사각형 5"/>
-            <p:cNvSpPr/>
-            <p:nvPr/>
-          </p:nvSpPr>
-          <p:spPr>
-            <a:xfrm>
-              <a:off x="4815008" y="1484784"/>
-              <a:ext cx="216024" cy="216024"/>
-            </a:xfrm>
-            <a:prstGeom prst="rect">
-              <a:avLst/>
-            </a:prstGeom>
-            <a:solidFill>
-              <a:srgbClr val="48C0DC"/>
-            </a:solidFill>
-            <a:ln>
-              <a:noFill/>
-            </a:ln>
-          </p:spPr>
-          <p:style>
-            <a:lnRef idx="2">
-              <a:schemeClr val="accent1">
-                <a:shade val="50000"/>
-              </a:schemeClr>
-            </a:lnRef>
-            <a:fillRef idx="1">
-              <a:schemeClr val="accent1"/>
-            </a:fillRef>
-            <a:effectRef idx="0">
-              <a:schemeClr val="accent1"/>
-            </a:effectRef>
-            <a:fontRef idx="minor">
-              <a:schemeClr val="lt1"/>
-            </a:fontRef>
-          </p:style>
-          <p:txBody>
-            <a:bodyPr rtlCol="0" anchor="ctr"/>
-            <a:lstStyle/>
-            <a:p>
-              <a:pPr algn="ctr"/>
-              <a:endParaRPr lang="ko-KR" altLang="en-US"/>
-            </a:p>
-          </p:txBody>
-        </p:sp>
-        <p:sp>
-          <p:nvSpPr>
-            <p:cNvPr id="7" name="직사각형 6"/>
-            <p:cNvSpPr/>
-            <p:nvPr/>
-          </p:nvSpPr>
-          <p:spPr>
-            <a:xfrm>
-              <a:off x="4815008" y="1700808"/>
-              <a:ext cx="216024" cy="216024"/>
-            </a:xfrm>
-            <a:prstGeom prst="rect">
-              <a:avLst/>
-            </a:prstGeom>
-            <a:solidFill>
-              <a:srgbClr val="194B57"/>
-            </a:solidFill>
-            <a:ln>
-              <a:noFill/>
-            </a:ln>
-          </p:spPr>
-          <p:style>
-            <a:lnRef idx="2">
-              <a:schemeClr val="accent1">
-                <a:shade val="50000"/>
-              </a:schemeClr>
-            </a:lnRef>
-            <a:fillRef idx="1">
-              <a:schemeClr val="accent1"/>
-            </a:fillRef>
-            <a:effectRef idx="0">
-              <a:schemeClr val="accent1"/>
-            </a:effectRef>
-            <a:fontRef idx="minor">
-              <a:schemeClr val="lt1"/>
-            </a:fontRef>
-          </p:style>
-          <p:txBody>
-            <a:bodyPr rtlCol="0" anchor="ctr"/>
-            <a:lstStyle/>
-            <a:p>
-              <a:pPr algn="ctr"/>
-              <a:endParaRPr lang="ko-KR" altLang="en-US"/>
-            </a:p>
-          </p:txBody>
-        </p:sp>
-        <p:sp>
-          <p:nvSpPr>
-            <p:cNvPr id="8" name="직사각형 7"/>
-            <p:cNvSpPr/>
-            <p:nvPr/>
-          </p:nvSpPr>
-          <p:spPr>
-            <a:xfrm>
-              <a:off x="4815008" y="1916832"/>
-              <a:ext cx="216024" cy="216024"/>
-            </a:xfrm>
-            <a:prstGeom prst="rect">
-              <a:avLst/>
-            </a:prstGeom>
-            <a:solidFill>
-              <a:srgbClr val="472179"/>
-            </a:solidFill>
-            <a:ln>
-              <a:noFill/>
-            </a:ln>
-          </p:spPr>
-          <p:style>
-            <a:lnRef idx="2">
-              <a:schemeClr val="accent1">
-                <a:shade val="50000"/>
-              </a:schemeClr>
-            </a:lnRef>
-            <a:fillRef idx="1">
-              <a:schemeClr val="accent1"/>
-            </a:fillRef>
-            <a:effectRef idx="0">
-              <a:schemeClr val="accent1"/>
-            </a:effectRef>
-            <a:fontRef idx="minor">
-              <a:schemeClr val="lt1"/>
-            </a:fontRef>
-          </p:style>
-          <p:txBody>
-            <a:bodyPr rtlCol="0" anchor="ctr"/>
-            <a:lstStyle/>
-            <a:p>
-              <a:pPr algn="ctr"/>
-              <a:endParaRPr lang="ko-KR" altLang="en-US">
-                <a:solidFill>
-                  <a:srgbClr val="6521AF"/>
-                </a:solidFill>
-              </a:endParaRPr>
-            </a:p>
-          </p:txBody>
-        </p:sp>
-      </p:grpSp>
-      <p:sp>
-        <p:nvSpPr>
-          <p:cNvPr id="2" name="내용 개체 틀 1"/>
-          <p:cNvSpPr>
-            <a:spLocks noGrp="1"/>
-          </p:cNvSpPr>
-          <p:nvPr>
-            <p:ph idx="1"/>
-          </p:nvPr>
-        </p:nvSpPr>
-        <p:spPr/>
-        <p:txBody>
-          <a:bodyPr/>
-          <a:lstStyle/>
-          <a:p>
-            <a:endParaRPr lang="ko-KR" altLang="en-US" dirty="0"/>
-          </a:p>
-        </p:txBody>
-      </p:sp>
-      <p:sp>
-        <p:nvSpPr>
-          <p:cNvPr id="19" name="Google Shape;173;g7c553259d1_0_81"/>
-          <p:cNvSpPr/>
-          <p:nvPr/>
-        </p:nvSpPr>
-        <p:spPr>
-          <a:xfrm>
-            <a:off x="245823" y="5010287"/>
-            <a:ext cx="302700" cy="324600"/>
-          </a:xfrm>
-          <a:prstGeom prst="rect">
-            <a:avLst/>
-          </a:prstGeom>
-          <a:solidFill>
-            <a:srgbClr val="FF0000"/>
-          </a:solidFill>
-          <a:ln>
-            <a:noFill/>
-          </a:ln>
-        </p:spPr>
-        <p:txBody>
-          <a:bodyPr spcFirstLastPara="1" wrap="square" lIns="91425" tIns="45700" rIns="91425" bIns="45700" anchor="ctr" anchorCtr="0">
-            <a:noAutofit/>
-          </a:bodyPr>
-          <a:lstStyle/>
-          <a:p>
-            <a:pPr marL="0" marR="0" lvl="0" indent="0" algn="ctr" rtl="0">
-              <a:lnSpc>
-                <a:spcPct val="100000"/>
-              </a:lnSpc>
-              <a:spcBef>
-                <a:spcPts val="0"/>
-              </a:spcBef>
-              <a:spcAft>
-                <a:spcPts val="0"/>
-              </a:spcAft>
-              <a:buClr>
-                <a:srgbClr val="000000"/>
-              </a:buClr>
-              <a:buSzPts val="1800"/>
-              <a:buFont typeface="Arial"/>
-              <a:buNone/>
-            </a:pPr>
-            <a:r>
-              <a:rPr lang="ko-KR" sz="1800" b="1" i="0" u="none" strike="noStrike" cap="none" dirty="0">
-                <a:latin typeface="Malgun Gothic"/>
-                <a:ea typeface="Malgun Gothic"/>
-                <a:cs typeface="Malgun Gothic"/>
-                <a:sym typeface="Malgun Gothic"/>
-              </a:rPr>
-              <a:t>1</a:t>
-            </a:r>
-            <a:endParaRPr sz="1800" b="1" i="0" u="none" strike="noStrike" cap="none" dirty="0">
-              <a:latin typeface="Malgun Gothic"/>
-              <a:ea typeface="Malgun Gothic"/>
-              <a:cs typeface="Malgun Gothic"/>
-              <a:sym typeface="Malgun Gothic"/>
-            </a:endParaRPr>
-          </a:p>
-        </p:txBody>
-      </p:sp>
-      <p:sp>
-        <p:nvSpPr>
-          <p:cNvPr id="20" name="직사각형 19"/>
-          <p:cNvSpPr/>
-          <p:nvPr/>
-        </p:nvSpPr>
-        <p:spPr>
-          <a:xfrm>
-            <a:off x="645960" y="4714875"/>
-            <a:ext cx="7721600" cy="1727975"/>
-          </a:xfrm>
-          <a:prstGeom prst="rect">
-            <a:avLst/>
-          </a:prstGeom>
-          <a:noFill/>
-          <a:ln w="38100">
-            <a:solidFill>
-              <a:srgbClr val="FF0000"/>
-            </a:solidFill>
-          </a:ln>
-        </p:spPr>
-        <p:style>
-          <a:lnRef idx="2">
-            <a:schemeClr val="accent1">
-              <a:shade val="50000"/>
-            </a:schemeClr>
-          </a:lnRef>
-          <a:fillRef idx="1">
-            <a:schemeClr val="accent1"/>
-          </a:fillRef>
-          <a:effectRef idx="0">
-            <a:schemeClr val="accent1"/>
-          </a:effectRef>
-          <a:fontRef idx="minor">
-            <a:schemeClr val="lt1"/>
-          </a:fontRef>
-        </p:style>
-        <p:txBody>
-          <a:bodyPr rtlCol="0" anchor="ctr"/>
-          <a:lstStyle/>
-          <a:p>
-            <a:pPr algn="ctr"/>
-            <a:endParaRPr lang="ko-KR" altLang="en-US"/>
-          </a:p>
-        </p:txBody>
-      </p:sp>
-      <p:graphicFrame>
-        <p:nvGraphicFramePr>
-          <p:cNvPr id="23" name="표 22"/>
-          <p:cNvGraphicFramePr>
-            <a:graphicFrameLocks noGrp="1"/>
-          </p:cNvGraphicFramePr>
-          <p:nvPr>
-            <p:extLst>
-              <p:ext uri="{D42A27DB-BD31-4B8C-83A1-F6EECF244321}">
-                <p14:modId xmlns:p14="http://schemas.microsoft.com/office/powerpoint/2010/main" val="2714893059"/>
-              </p:ext>
-            </p:extLst>
-          </p:nvPr>
-        </p:nvGraphicFramePr>
-        <p:xfrm>
-          <a:off x="8480731" y="1429130"/>
-          <a:ext cx="1944216" cy="640100"/>
-        </p:xfrm>
-        <a:graphic>
-          <a:graphicData uri="http://schemas.openxmlformats.org/drawingml/2006/table">
-            <a:tbl>
-              <a:tblPr firstRow="1" bandRow="1">
-                <a:noFill/>
-              </a:tblPr>
-              <a:tblGrid>
-                <a:gridCol w="1944216"/>
-              </a:tblGrid>
-              <a:tr h="168164">
-                <a:tc>
-                  <a:txBody>
-                    <a:bodyPr/>
-                    <a:lstStyle/>
-                    <a:p>
-                      <a:pPr marL="0" marR="0" lvl="0" indent="0" algn="ctr" rtl="0">
-                        <a:lnSpc>
-                          <a:spcPct val="100000"/>
-                        </a:lnSpc>
-                        <a:spcBef>
-                          <a:spcPts val="0"/>
-                        </a:spcBef>
-                        <a:spcAft>
-                          <a:spcPts val="0"/>
-                        </a:spcAft>
-                        <a:buClr>
-                          <a:srgbClr val="000000"/>
-                        </a:buClr>
-                        <a:buSzPts val="1500"/>
-                        <a:buFont typeface="Arial"/>
-                        <a:buNone/>
-                      </a:pPr>
-                      <a:r>
-                        <a:rPr lang="ko-KR" altLang="en-US" sz="1500" b="0" u="none" strike="noStrike" cap="none" dirty="0" smtClean="0">
-                          <a:solidFill>
-                            <a:schemeClr val="dk1"/>
-                          </a:solidFill>
-                        </a:rPr>
-                        <a:t>화면코드</a:t>
-                      </a:r>
-                      <a:endParaRPr sz="1500" b="0" u="none" strike="noStrike" cap="none" dirty="0">
-                        <a:solidFill>
-                          <a:schemeClr val="dk1"/>
-                        </a:solidFill>
-                      </a:endParaRPr>
-                    </a:p>
-                  </a:txBody>
-                  <a:tcPr marL="74304" marR="74304" marT="45725" marB="45725" anchor="ctr">
-                    <a:lnL w="12700" cap="flat" cmpd="sng">
-                      <a:solidFill>
-                        <a:schemeClr val="dk1"/>
-                      </a:solidFill>
-                      <a:prstDash val="solid"/>
-                      <a:round/>
-                      <a:headEnd type="none" w="sm" len="sm"/>
-                      <a:tailEnd type="none" w="sm" len="sm"/>
-                    </a:lnL>
-                    <a:lnR w="12700" cap="flat" cmpd="sng">
-                      <a:solidFill>
-                        <a:schemeClr val="dk1"/>
-                      </a:solidFill>
-                      <a:prstDash val="solid"/>
-                      <a:round/>
-                      <a:headEnd type="none" w="sm" len="sm"/>
-                      <a:tailEnd type="none" w="sm" len="sm"/>
-                    </a:lnR>
-                    <a:lnT w="12700" cap="flat" cmpd="sng">
-                      <a:solidFill>
-                        <a:schemeClr val="dk1"/>
-                      </a:solidFill>
-                      <a:prstDash val="solid"/>
-                      <a:round/>
-                      <a:headEnd type="none" w="sm" len="sm"/>
-                      <a:tailEnd type="none" w="sm" len="sm"/>
-                    </a:lnT>
-                    <a:lnB w="12700" cap="flat" cmpd="sng" algn="ctr">
-                      <a:solidFill>
-                        <a:schemeClr val="dk1"/>
-                      </a:solidFill>
-                      <a:prstDash val="solid"/>
-                      <a:round/>
-                      <a:headEnd type="none" w="sm" len="sm"/>
-                      <a:tailEnd type="none" w="sm" len="sm"/>
-                    </a:lnB>
-                    <a:solidFill>
-                      <a:srgbClr val="D8D8D8"/>
-                    </a:solidFill>
-                  </a:tcPr>
-                </a:tc>
-              </a:tr>
-              <a:tr h="168164">
-                <a:tc>
-                  <a:txBody>
-                    <a:bodyPr/>
-                    <a:lstStyle/>
-                    <a:p>
-                      <a:pPr marL="0" marR="0" lvl="0" indent="0" algn="ctr" defTabSz="914400" rtl="0" eaLnBrk="1" fontAlgn="auto" latinLnBrk="1" hangingPunct="1">
-                        <a:lnSpc>
-                          <a:spcPct val="100000"/>
-                        </a:lnSpc>
-                        <a:spcBef>
-                          <a:spcPts val="0"/>
-                        </a:spcBef>
-                        <a:spcAft>
-                          <a:spcPts val="0"/>
-                        </a:spcAft>
-                        <a:buClr>
-                          <a:srgbClr val="000000"/>
-                        </a:buClr>
-                        <a:buSzPts val="1500"/>
-                        <a:buFont typeface="Arial"/>
-                        <a:buNone/>
-                        <a:tabLst/>
-                        <a:defRPr/>
-                      </a:pPr>
-                      <a:r>
-                        <a:rPr lang="en-US" altLang="ko-KR" sz="1500" b="0" u="none" strike="noStrike" cap="none" dirty="0" err="1" smtClean="0">
-                          <a:solidFill>
-                            <a:schemeClr val="dk1"/>
-                          </a:solidFill>
-                        </a:rPr>
-                        <a:t>ht_user_w_qna</a:t>
-                      </a:r>
-                      <a:endParaRPr lang="en-US" altLang="ko-KR" sz="1500" b="0" u="none" strike="noStrike" cap="none" dirty="0" smtClean="0">
-                        <a:solidFill>
-                          <a:schemeClr val="dk1"/>
-                        </a:solidFill>
-                      </a:endParaRPr>
-                    </a:p>
-                  </a:txBody>
-                  <a:tcPr marL="74304" marR="74304" marT="45725" marB="45725" anchor="ctr">
-                    <a:lnL w="12700" cap="flat" cmpd="sng" algn="ctr">
-                      <a:solidFill>
-                        <a:schemeClr val="dk1"/>
-                      </a:solidFill>
-                      <a:prstDash val="solid"/>
-                      <a:round/>
-                      <a:headEnd type="none" w="sm" len="sm"/>
-                      <a:tailEnd type="none" w="sm" len="sm"/>
-                    </a:lnL>
-                    <a:lnR w="12700" cap="flat" cmpd="sng" algn="ctr">
-                      <a:solidFill>
-                        <a:schemeClr val="dk1"/>
-                      </a:solidFill>
-                      <a:prstDash val="solid"/>
-                      <a:round/>
-                      <a:headEnd type="none" w="sm" len="sm"/>
-                      <a:tailEnd type="none" w="sm" len="sm"/>
-                    </a:lnR>
-                    <a:lnT w="12700" cap="flat" cmpd="sng" algn="ctr">
-                      <a:solidFill>
-                        <a:schemeClr val="dk1"/>
-                      </a:solidFill>
-                      <a:prstDash val="solid"/>
-                      <a:round/>
-                      <a:headEnd type="none" w="sm" len="sm"/>
-                      <a:tailEnd type="none" w="sm" len="sm"/>
-                    </a:lnT>
-                    <a:lnB w="12700" cap="flat" cmpd="sng">
-                      <a:solidFill>
-                        <a:schemeClr val="dk1"/>
-                      </a:solidFill>
-                      <a:prstDash val="solid"/>
-                      <a:round/>
-                      <a:headEnd type="none" w="sm" len="sm"/>
-                      <a:tailEnd type="none" w="sm" len="sm"/>
-                    </a:lnB>
-                    <a:solidFill>
-                      <a:schemeClr val="bg1"/>
-                    </a:solidFill>
-                  </a:tcPr>
-                </a:tc>
-              </a:tr>
-            </a:tbl>
-          </a:graphicData>
-        </a:graphic>
-      </p:graphicFrame>
-      <p:pic>
-        <p:nvPicPr>
-          <p:cNvPr id="5123" name="Picture 3"/>
-          <p:cNvPicPr>
-            <a:picLocks noChangeAspect="1" noChangeArrowheads="1"/>
-          </p:cNvPicPr>
-          <p:nvPr/>
-        </p:nvPicPr>
-        <p:blipFill>
-          <a:blip r:embed="rId3">
-            <a:extLst>
-              <a:ext uri="{28A0092B-C50C-407E-A947-70E740481C1C}">
-                <a14:useLocalDpi xmlns:a14="http://schemas.microsoft.com/office/drawing/2010/main" val="0"/>
-              </a:ext>
-            </a:extLst>
-          </a:blip>
-          <a:srcRect/>
-          <a:stretch>
-            <a:fillRect/>
-          </a:stretch>
-        </p:blipFill>
-        <p:spPr bwMode="auto">
-          <a:xfrm>
-            <a:off x="1277152" y="1009650"/>
-            <a:ext cx="10563889" cy="3457575"/>
-          </a:xfrm>
-          <a:prstGeom prst="rect">
-            <a:avLst/>
-          </a:prstGeom>
-          <a:noFill/>
-          <a:ln w="38100">
-            <a:solidFill>
-              <a:schemeClr val="accent1">
-                <a:lumMod val="50000"/>
-              </a:schemeClr>
-            </a:solidFill>
-            <a:miter lim="800000"/>
-            <a:headEnd/>
-            <a:tailEnd/>
-          </a:ln>
-          <a:effectLst/>
-          <a:extLst>
-            <a:ext uri="{909E8E84-426E-40DD-AFC4-6F175D3DCCD1}">
-              <a14:hiddenFill xmlns:a14="http://schemas.microsoft.com/office/drawing/2010/main">
-                <a:solidFill>
-                  <a:schemeClr val="accent1"/>
-                </a:solidFill>
-              </a14:hiddenFill>
-            </a:ext>
-            <a:ext uri="{AF507438-7753-43E0-B8FC-AC1667EBCBE1}">
-              <a14:hiddenEffects xmlns:a14="http://schemas.microsoft.com/office/drawing/2010/main">
-                <a:effectLst>
-                  <a:outerShdw dist="35921" dir="2700000" algn="ctr" rotWithShape="0">
-                    <a:schemeClr val="bg2"/>
-                  </a:outerShdw>
-                </a:effectLst>
-              </a14:hiddenEffects>
-            </a:ext>
-          </a:extLst>
-        </p:spPr>
-      </p:pic>
-      <p:sp>
-        <p:nvSpPr>
-          <p:cNvPr id="3" name="직사각형 2"/>
-          <p:cNvSpPr/>
-          <p:nvPr/>
-        </p:nvSpPr>
-        <p:spPr>
-          <a:xfrm>
-            <a:off x="1324777" y="1285875"/>
-            <a:ext cx="3771098" cy="419100"/>
-          </a:xfrm>
-          <a:prstGeom prst="rect">
-            <a:avLst/>
-          </a:prstGeom>
-          <a:noFill/>
-          <a:ln w="28575">
-            <a:solidFill>
-              <a:srgbClr val="FF0000"/>
-            </a:solidFill>
-          </a:ln>
-        </p:spPr>
-        <p:style>
-          <a:lnRef idx="2">
-            <a:schemeClr val="accent1">
-              <a:shade val="50000"/>
-            </a:schemeClr>
-          </a:lnRef>
-          <a:fillRef idx="1">
-            <a:schemeClr val="accent1"/>
-          </a:fillRef>
-          <a:effectRef idx="0">
-            <a:schemeClr val="accent1"/>
-          </a:effectRef>
-          <a:fontRef idx="minor">
-            <a:schemeClr val="lt1"/>
-          </a:fontRef>
-        </p:style>
-        <p:txBody>
-          <a:bodyPr rtlCol="0" anchor="ctr"/>
-          <a:lstStyle/>
-          <a:p>
-            <a:pPr algn="ctr"/>
-            <a:endParaRPr lang="ko-KR" altLang="en-US"/>
-          </a:p>
-        </p:txBody>
-      </p:sp>
-    </p:spTree>
-    <p:extLst>
-      <p:ext uri="{BB962C8B-B14F-4D97-AF65-F5344CB8AC3E}">
-        <p14:creationId xmlns:p14="http://schemas.microsoft.com/office/powerpoint/2010/main" val="1672598294"/>
-      </p:ext>
-    </p:extLst>
-  </p:cSld>
-  <p:clrMapOvr>
-    <a:masterClrMapping/>
-  </p:clrMapOvr>
-  <p:timing>
-    <p:tnLst>
-      <p:par>
-        <p:cTn id="1" dur="indefinite" restart="never" nodeType="tmRoot"/>
-      </p:par>
-    </p:tnLst>
-  </p:timing>
-</p:sld>
-</file>
-
-<file path=ppt/slides/slide12.xml><?xml version="1.0" encoding="utf-8"?>
-<p:sld xmlns:a="http://schemas.openxmlformats.org/drawingml/2006/main" xmlns:r="http://schemas.openxmlformats.org/officeDocument/2006/relationships" xmlns:p="http://schemas.openxmlformats.org/presentationml/2006/main">
-  <p:cSld>
-    <p:spTree>
-      <p:nvGrpSpPr>
-        <p:cNvPr id="1" name=""/>
-        <p:cNvGrpSpPr/>
-        <p:nvPr/>
-      </p:nvGrpSpPr>
-      <p:grpSpPr>
-        <a:xfrm>
-          <a:off x="0" y="0"/>
-          <a:ext cx="0" cy="0"/>
-          <a:chOff x="0" y="0"/>
-          <a:chExt cx="0" cy="0"/>
-        </a:xfrm>
-      </p:grpSpPr>
-      <p:sp>
-        <p:nvSpPr>
-          <p:cNvPr id="5" name="제목 1"/>
-          <p:cNvSpPr>
-            <a:spLocks noGrp="1"/>
-          </p:cNvSpPr>
-          <p:nvPr>
-            <p:ph type="title"/>
-          </p:nvPr>
-        </p:nvSpPr>
-        <p:spPr>
-          <a:xfrm>
-            <a:off x="1925506" y="116634"/>
-            <a:ext cx="7837090" cy="796925"/>
-          </a:xfrm>
-        </p:spPr>
-        <p:txBody>
-          <a:bodyPr/>
-          <a:lstStyle/>
-          <a:p>
-            <a:r>
-              <a:rPr lang="en-US" altLang="ko-KR" dirty="0" smtClean="0"/>
-              <a:t>[</a:t>
-            </a:r>
-            <a:r>
-              <a:rPr lang="ko-KR" altLang="en-US" dirty="0" smtClean="0"/>
-              <a:t>화면 설계</a:t>
-            </a:r>
-            <a:r>
-              <a:rPr lang="en-US" altLang="ko-KR" dirty="0"/>
               <a:t>] </a:t>
             </a:r>
             <a:r>
@@ -5696,8 +4250,8 @@
         </p:blipFill>
         <p:spPr bwMode="auto">
           <a:xfrm>
-            <a:off x="338138" y="381000"/>
-            <a:ext cx="7705725" cy="6286500"/>
+            <a:off x="1201738" y="1126843"/>
+            <a:ext cx="6481111" cy="5287433"/>
           </a:xfrm>
           <a:prstGeom prst="rect">
             <a:avLst/>
@@ -5757,7 +4311,7 @@
 </p:sld>
 </file>
 
-<file path=ppt/slides/slide13.xml><?xml version="1.0" encoding="utf-8"?>
+<file path=ppt/slides/slide11.xml><?xml version="1.0" encoding="utf-8"?>
 <p:sld xmlns:a="http://schemas.openxmlformats.org/drawingml/2006/main" xmlns:r="http://schemas.openxmlformats.org/officeDocument/2006/relationships" xmlns:p="http://schemas.openxmlformats.org/presentationml/2006/main">
   <p:cSld>
     <p:spTree>
@@ -6044,14 +4598,14 @@
                 <a:gridCol w="382900">
                   <a:extLst>
                     <a:ext uri="{9D8B030D-6E8A-4147-A177-3AD203B41FA5}">
-                      <a16:colId xmlns:a16="http://schemas.microsoft.com/office/drawing/2014/main" xmlns="" val="20000"/>
+                      <a16:colId xmlns="" xmlns:a16="http://schemas.microsoft.com/office/drawing/2014/main" val="20000"/>
                     </a:ext>
                   </a:extLst>
                 </a:gridCol>
                 <a:gridCol w="3149100">
                   <a:extLst>
                     <a:ext uri="{9D8B030D-6E8A-4147-A177-3AD203B41FA5}">
-                      <a16:colId xmlns:a16="http://schemas.microsoft.com/office/drawing/2014/main" xmlns="" val="20001"/>
+                      <a16:colId xmlns="" xmlns:a16="http://schemas.microsoft.com/office/drawing/2014/main" val="20001"/>
                     </a:ext>
                   </a:extLst>
                 </a:gridCol>
@@ -6209,7 +4763,7 @@
                 </a:tc>
                 <a:extLst>
                   <a:ext uri="{0D108BD9-81ED-4DB2-BD59-A6C34878D82A}">
-                    <a16:rowId xmlns:a16="http://schemas.microsoft.com/office/drawing/2014/main" xmlns="" val="10000"/>
+                    <a16:rowId xmlns="" xmlns:a16="http://schemas.microsoft.com/office/drawing/2014/main" val="10000"/>
                   </a:ext>
                 </a:extLst>
               </a:tr>
@@ -6381,7 +4935,7 @@
                 </a:tc>
                 <a:extLst>
                   <a:ext uri="{0D108BD9-81ED-4DB2-BD59-A6C34878D82A}">
-                    <a16:rowId xmlns:a16="http://schemas.microsoft.com/office/drawing/2014/main" xmlns="" val="10001"/>
+                    <a16:rowId xmlns="" xmlns:a16="http://schemas.microsoft.com/office/drawing/2014/main" val="10001"/>
                   </a:ext>
                 </a:extLst>
               </a:tr>
@@ -6524,7 +5078,7 @@
                 </a:tc>
                 <a:extLst>
                   <a:ext uri="{0D108BD9-81ED-4DB2-BD59-A6C34878D82A}">
-                    <a16:rowId xmlns:a16="http://schemas.microsoft.com/office/drawing/2014/main" xmlns="" val="10002"/>
+                    <a16:rowId xmlns="" xmlns:a16="http://schemas.microsoft.com/office/drawing/2014/main" val="10002"/>
                   </a:ext>
                 </a:extLst>
               </a:tr>
@@ -6669,7 +5223,7 @@
                 </a:tc>
                 <a:extLst>
                   <a:ext uri="{0D108BD9-81ED-4DB2-BD59-A6C34878D82A}">
-                    <a16:rowId xmlns:a16="http://schemas.microsoft.com/office/drawing/2014/main" xmlns="" val="10003"/>
+                    <a16:rowId xmlns="" xmlns:a16="http://schemas.microsoft.com/office/drawing/2014/main" val="10003"/>
                   </a:ext>
                 </a:extLst>
               </a:tr>
@@ -6813,7 +5367,7 @@
                 </a:tc>
                 <a:extLst>
                   <a:ext uri="{0D108BD9-81ED-4DB2-BD59-A6C34878D82A}">
-                    <a16:rowId xmlns:a16="http://schemas.microsoft.com/office/drawing/2014/main" xmlns="" val="10004"/>
+                    <a16:rowId xmlns="" xmlns:a16="http://schemas.microsoft.com/office/drawing/2014/main" val="10004"/>
                   </a:ext>
                 </a:extLst>
               </a:tr>
@@ -6964,7 +5518,7 @@
                 </a:tc>
                 <a:extLst>
                   <a:ext uri="{0D108BD9-81ED-4DB2-BD59-A6C34878D82A}">
-                    <a16:rowId xmlns:a16="http://schemas.microsoft.com/office/drawing/2014/main" xmlns="" val="10005"/>
+                    <a16:rowId xmlns="" xmlns:a16="http://schemas.microsoft.com/office/drawing/2014/main" val="10005"/>
                   </a:ext>
                 </a:extLst>
               </a:tr>
@@ -7095,7 +5649,7 @@
                 </a:tc>
                 <a:extLst>
                   <a:ext uri="{0D108BD9-81ED-4DB2-BD59-A6C34878D82A}">
-                    <a16:rowId xmlns:a16="http://schemas.microsoft.com/office/drawing/2014/main" xmlns="" val="10006"/>
+                    <a16:rowId xmlns="" xmlns:a16="http://schemas.microsoft.com/office/drawing/2014/main" val="10006"/>
                   </a:ext>
                 </a:extLst>
               </a:tr>
@@ -7236,7 +5790,7 @@
                 </a:tc>
                 <a:extLst>
                   <a:ext uri="{0D108BD9-81ED-4DB2-BD59-A6C34878D82A}">
-                    <a16:rowId xmlns:a16="http://schemas.microsoft.com/office/drawing/2014/main" xmlns="" val="10007"/>
+                    <a16:rowId xmlns="" xmlns:a16="http://schemas.microsoft.com/office/drawing/2014/main" val="10007"/>
                   </a:ext>
                 </a:extLst>
               </a:tr>
@@ -7631,7 +6185,7 @@
 </p:sld>
 </file>
 
-<file path=ppt/slides/slide14.xml><?xml version="1.0" encoding="utf-8"?>
+<file path=ppt/slides/slide12.xml><?xml version="1.0" encoding="utf-8"?>
 <p:sld xmlns:a="http://schemas.openxmlformats.org/drawingml/2006/main" xmlns:r="http://schemas.openxmlformats.org/officeDocument/2006/relationships" xmlns:p="http://schemas.openxmlformats.org/presentationml/2006/main">
   <p:cSld>
     <p:spTree>
@@ -7738,15 +6292,15 @@
             </a:r>
             <a:r>
               <a:rPr lang="ko-KR" altLang="en-US" dirty="0"/>
-              <a:t>화면 설계</a:t>
+              <a:t>화면 </a:t>
+            </a:r>
+            <a:r>
+              <a:rPr lang="ko-KR" altLang="en-US" dirty="0"/>
+              <a:t>구현</a:t>
             </a:r>
             <a:r>
               <a:rPr lang="en-US" altLang="ko-KR" dirty="0" smtClean="0"/>
-              <a:t>]</a:t>
-            </a:r>
-            <a:r>
-              <a:rPr lang="en-US" altLang="ko-KR" dirty="0"/>
-              <a:t> </a:t>
+              <a:t>] </a:t>
             </a:r>
             <a:r>
               <a:rPr lang="ko-KR" altLang="en-US" dirty="0"/>
@@ -8401,7 +6955,7 @@
 </p:sld>
 </file>
 
-<file path=ppt/slides/slide15.xml><?xml version="1.0" encoding="utf-8"?>
+<file path=ppt/slides/slide13.xml><?xml version="1.0" encoding="utf-8"?>
 <p:sld xmlns:a="http://schemas.openxmlformats.org/drawingml/2006/main" xmlns:r="http://schemas.openxmlformats.org/officeDocument/2006/relationships" xmlns:p="http://schemas.openxmlformats.org/presentationml/2006/main">
   <p:cSld>
     <p:spTree>
@@ -8692,14 +7246,14 @@
                 <a:gridCol w="382900">
                   <a:extLst>
                     <a:ext uri="{9D8B030D-6E8A-4147-A177-3AD203B41FA5}">
-                      <a16:colId xmlns:a16="http://schemas.microsoft.com/office/drawing/2014/main" xmlns="" val="20000"/>
+                      <a16:colId xmlns="" xmlns:a16="http://schemas.microsoft.com/office/drawing/2014/main" val="20000"/>
                     </a:ext>
                   </a:extLst>
                 </a:gridCol>
                 <a:gridCol w="3149100">
                   <a:extLst>
                     <a:ext uri="{9D8B030D-6E8A-4147-A177-3AD203B41FA5}">
-                      <a16:colId xmlns:a16="http://schemas.microsoft.com/office/drawing/2014/main" xmlns="" val="20001"/>
+                      <a16:colId xmlns="" xmlns:a16="http://schemas.microsoft.com/office/drawing/2014/main" val="20001"/>
                     </a:ext>
                   </a:extLst>
                 </a:gridCol>
@@ -8857,7 +7411,7 @@
                 </a:tc>
                 <a:extLst>
                   <a:ext uri="{0D108BD9-81ED-4DB2-BD59-A6C34878D82A}">
-                    <a16:rowId xmlns:a16="http://schemas.microsoft.com/office/drawing/2014/main" xmlns="" val="10000"/>
+                    <a16:rowId xmlns="" xmlns:a16="http://schemas.microsoft.com/office/drawing/2014/main" val="10000"/>
                   </a:ext>
                 </a:extLst>
               </a:tr>
@@ -9035,7 +7589,7 @@
                 </a:tc>
                 <a:extLst>
                   <a:ext uri="{0D108BD9-81ED-4DB2-BD59-A6C34878D82A}">
-                    <a16:rowId xmlns:a16="http://schemas.microsoft.com/office/drawing/2014/main" xmlns="" val="10001"/>
+                    <a16:rowId xmlns="" xmlns:a16="http://schemas.microsoft.com/office/drawing/2014/main" val="10001"/>
                   </a:ext>
                 </a:extLst>
               </a:tr>
@@ -9214,7 +7768,7 @@
                 </a:tc>
                 <a:extLst>
                   <a:ext uri="{0D108BD9-81ED-4DB2-BD59-A6C34878D82A}">
-                    <a16:rowId xmlns:a16="http://schemas.microsoft.com/office/drawing/2014/main" xmlns="" val="10002"/>
+                    <a16:rowId xmlns="" xmlns:a16="http://schemas.microsoft.com/office/drawing/2014/main" val="10002"/>
                   </a:ext>
                 </a:extLst>
               </a:tr>
@@ -9367,7 +7921,7 @@
                 </a:tc>
                 <a:extLst>
                   <a:ext uri="{0D108BD9-81ED-4DB2-BD59-A6C34878D82A}">
-                    <a16:rowId xmlns:a16="http://schemas.microsoft.com/office/drawing/2014/main" xmlns="" val="10003"/>
+                    <a16:rowId xmlns="" xmlns:a16="http://schemas.microsoft.com/office/drawing/2014/main" val="10003"/>
                   </a:ext>
                 </a:extLst>
               </a:tr>
@@ -9519,7 +8073,7 @@
                 </a:tc>
                 <a:extLst>
                   <a:ext uri="{0D108BD9-81ED-4DB2-BD59-A6C34878D82A}">
-                    <a16:rowId xmlns:a16="http://schemas.microsoft.com/office/drawing/2014/main" xmlns="" val="10004"/>
+                    <a16:rowId xmlns="" xmlns:a16="http://schemas.microsoft.com/office/drawing/2014/main" val="10004"/>
                   </a:ext>
                 </a:extLst>
               </a:tr>
@@ -9678,7 +8232,7 @@
                 </a:tc>
                 <a:extLst>
                   <a:ext uri="{0D108BD9-81ED-4DB2-BD59-A6C34878D82A}">
-                    <a16:rowId xmlns:a16="http://schemas.microsoft.com/office/drawing/2014/main" xmlns="" val="10005"/>
+                    <a16:rowId xmlns="" xmlns:a16="http://schemas.microsoft.com/office/drawing/2014/main" val="10005"/>
                   </a:ext>
                 </a:extLst>
               </a:tr>
@@ -9809,7 +8363,7 @@
                 </a:tc>
                 <a:extLst>
                   <a:ext uri="{0D108BD9-81ED-4DB2-BD59-A6C34878D82A}">
-                    <a16:rowId xmlns:a16="http://schemas.microsoft.com/office/drawing/2014/main" xmlns="" val="10006"/>
+                    <a16:rowId xmlns="" xmlns:a16="http://schemas.microsoft.com/office/drawing/2014/main" val="10006"/>
                   </a:ext>
                 </a:extLst>
               </a:tr>
@@ -9950,7 +8504,7 @@
                 </a:tc>
                 <a:extLst>
                   <a:ext uri="{0D108BD9-81ED-4DB2-BD59-A6C34878D82A}">
-                    <a16:rowId xmlns:a16="http://schemas.microsoft.com/office/drawing/2014/main" xmlns="" val="10007"/>
+                    <a16:rowId xmlns="" xmlns:a16="http://schemas.microsoft.com/office/drawing/2014/main" val="10007"/>
                   </a:ext>
                 </a:extLst>
               </a:tr>
@@ -10513,7 +9067,7 @@
 </p:sld>
 </file>
 
-<file path=ppt/slides/slide16.xml><?xml version="1.0" encoding="utf-8"?>
+<file path=ppt/slides/slide14.xml><?xml version="1.0" encoding="utf-8"?>
 <p:sld xmlns:a="http://schemas.openxmlformats.org/drawingml/2006/main" xmlns:r="http://schemas.openxmlformats.org/officeDocument/2006/relationships" xmlns:p="http://schemas.openxmlformats.org/presentationml/2006/main">
   <p:cSld>
     <p:spTree>
@@ -10620,15 +9174,15 @@
             </a:r>
             <a:r>
               <a:rPr lang="ko-KR" altLang="en-US" dirty="0"/>
-              <a:t>화면 설계</a:t>
+              <a:t>화면 </a:t>
+            </a:r>
+            <a:r>
+              <a:rPr lang="ko-KR" altLang="en-US" dirty="0"/>
+              <a:t>구현</a:t>
             </a:r>
             <a:r>
               <a:rPr lang="en-US" altLang="ko-KR" dirty="0" smtClean="0"/>
-              <a:t>]</a:t>
-            </a:r>
-            <a:r>
-              <a:rPr lang="en-US" altLang="ko-KR" dirty="0"/>
-              <a:t> </a:t>
+              <a:t>] </a:t>
             </a:r>
             <a:r>
               <a:rPr lang="ko-KR" altLang="en-US" dirty="0"/>
@@ -10868,14 +9422,14 @@
                 <a:gridCol w="382900">
                   <a:extLst>
                     <a:ext uri="{9D8B030D-6E8A-4147-A177-3AD203B41FA5}">
-                      <a16:colId xmlns:a16="http://schemas.microsoft.com/office/drawing/2014/main" xmlns="" val="20000"/>
+                      <a16:colId xmlns="" xmlns:a16="http://schemas.microsoft.com/office/drawing/2014/main" val="20000"/>
                     </a:ext>
                   </a:extLst>
                 </a:gridCol>
                 <a:gridCol w="3149100">
                   <a:extLst>
                     <a:ext uri="{9D8B030D-6E8A-4147-A177-3AD203B41FA5}">
-                      <a16:colId xmlns:a16="http://schemas.microsoft.com/office/drawing/2014/main" xmlns="" val="20001"/>
+                      <a16:colId xmlns="" xmlns:a16="http://schemas.microsoft.com/office/drawing/2014/main" val="20001"/>
                     </a:ext>
                   </a:extLst>
                 </a:gridCol>
@@ -11033,7 +9587,7 @@
                 </a:tc>
                 <a:extLst>
                   <a:ext uri="{0D108BD9-81ED-4DB2-BD59-A6C34878D82A}">
-                    <a16:rowId xmlns:a16="http://schemas.microsoft.com/office/drawing/2014/main" xmlns="" val="10000"/>
+                    <a16:rowId xmlns="" xmlns:a16="http://schemas.microsoft.com/office/drawing/2014/main" val="10000"/>
                   </a:ext>
                 </a:extLst>
               </a:tr>
@@ -11211,7 +9765,7 @@
                 </a:tc>
                 <a:extLst>
                   <a:ext uri="{0D108BD9-81ED-4DB2-BD59-A6C34878D82A}">
-                    <a16:rowId xmlns:a16="http://schemas.microsoft.com/office/drawing/2014/main" xmlns="" val="10001"/>
+                    <a16:rowId xmlns="" xmlns:a16="http://schemas.microsoft.com/office/drawing/2014/main" val="10001"/>
                   </a:ext>
                 </a:extLst>
               </a:tr>
@@ -11390,7 +9944,7 @@
                 </a:tc>
                 <a:extLst>
                   <a:ext uri="{0D108BD9-81ED-4DB2-BD59-A6C34878D82A}">
-                    <a16:rowId xmlns:a16="http://schemas.microsoft.com/office/drawing/2014/main" xmlns="" val="10002"/>
+                    <a16:rowId xmlns="" xmlns:a16="http://schemas.microsoft.com/office/drawing/2014/main" val="10002"/>
                   </a:ext>
                 </a:extLst>
               </a:tr>
@@ -11543,7 +10097,7 @@
                 </a:tc>
                 <a:extLst>
                   <a:ext uri="{0D108BD9-81ED-4DB2-BD59-A6C34878D82A}">
-                    <a16:rowId xmlns:a16="http://schemas.microsoft.com/office/drawing/2014/main" xmlns="" val="10003"/>
+                    <a16:rowId xmlns="" xmlns:a16="http://schemas.microsoft.com/office/drawing/2014/main" val="10003"/>
                   </a:ext>
                 </a:extLst>
               </a:tr>
@@ -11695,7 +10249,7 @@
                 </a:tc>
                 <a:extLst>
                   <a:ext uri="{0D108BD9-81ED-4DB2-BD59-A6C34878D82A}">
-                    <a16:rowId xmlns:a16="http://schemas.microsoft.com/office/drawing/2014/main" xmlns="" val="10004"/>
+                    <a16:rowId xmlns="" xmlns:a16="http://schemas.microsoft.com/office/drawing/2014/main" val="10004"/>
                   </a:ext>
                 </a:extLst>
               </a:tr>
@@ -11854,7 +10408,7 @@
                 </a:tc>
                 <a:extLst>
                   <a:ext uri="{0D108BD9-81ED-4DB2-BD59-A6C34878D82A}">
-                    <a16:rowId xmlns:a16="http://schemas.microsoft.com/office/drawing/2014/main" xmlns="" val="10005"/>
+                    <a16:rowId xmlns="" xmlns:a16="http://schemas.microsoft.com/office/drawing/2014/main" val="10005"/>
                   </a:ext>
                 </a:extLst>
               </a:tr>
@@ -11985,7 +10539,7 @@
                 </a:tc>
                 <a:extLst>
                   <a:ext uri="{0D108BD9-81ED-4DB2-BD59-A6C34878D82A}">
-                    <a16:rowId xmlns:a16="http://schemas.microsoft.com/office/drawing/2014/main" xmlns="" val="10006"/>
+                    <a16:rowId xmlns="" xmlns:a16="http://schemas.microsoft.com/office/drawing/2014/main" val="10006"/>
                   </a:ext>
                 </a:extLst>
               </a:tr>
@@ -12126,7 +10680,7 @@
                 </a:tc>
                 <a:extLst>
                   <a:ext uri="{0D108BD9-81ED-4DB2-BD59-A6C34878D82A}">
-                    <a16:rowId xmlns:a16="http://schemas.microsoft.com/office/drawing/2014/main" xmlns="" val="10007"/>
+                    <a16:rowId xmlns="" xmlns:a16="http://schemas.microsoft.com/office/drawing/2014/main" val="10007"/>
                   </a:ext>
                 </a:extLst>
               </a:tr>
@@ -12672,10 +11226,14 @@
             </a:r>
             <a:r>
               <a:rPr lang="ko-KR" altLang="en-US" dirty="0" smtClean="0"/>
-              <a:t>화면 설계</a:t>
-            </a:r>
-            <a:r>
-              <a:rPr lang="en-US" altLang="ko-KR" dirty="0"/>
+              <a:t>피드</a:t>
+            </a:r>
+            <a:r>
+              <a:rPr lang="ko-KR" altLang="en-US" dirty="0"/>
+              <a:t>백</a:t>
+            </a:r>
+            <a:r>
+              <a:rPr lang="en-US" altLang="ko-KR" dirty="0" smtClean="0"/>
               <a:t>] </a:t>
             </a:r>
             <a:r>
@@ -13248,10 +11806,10 @@
             </a:r>
             <a:r>
               <a:rPr lang="ko-KR" altLang="en-US" dirty="0" smtClean="0"/>
-              <a:t>화면 설계</a:t>
-            </a:r>
-            <a:r>
-              <a:rPr lang="en-US" altLang="ko-KR" dirty="0"/>
+              <a:t>피드백</a:t>
+            </a:r>
+            <a:r>
+              <a:rPr lang="en-US" altLang="ko-KR" dirty="0" smtClean="0"/>
               <a:t>] </a:t>
             </a:r>
             <a:r>
@@ -13559,3868 +12117,6 @@
           <a:chExt cx="0" cy="0"/>
         </a:xfrm>
       </p:grpSpPr>
-      <p:sp>
-        <p:nvSpPr>
-          <p:cNvPr id="5" name="제목 1"/>
-          <p:cNvSpPr>
-            <a:spLocks noGrp="1"/>
-          </p:cNvSpPr>
-          <p:nvPr>
-            <p:ph type="title"/>
-          </p:nvPr>
-        </p:nvSpPr>
-        <p:spPr>
-          <a:xfrm>
-            <a:off x="1925506" y="116634"/>
-            <a:ext cx="7837090" cy="796925"/>
-          </a:xfrm>
-        </p:spPr>
-        <p:txBody>
-          <a:bodyPr/>
-          <a:lstStyle/>
-          <a:p>
-            <a:r>
-              <a:rPr lang="en-US" altLang="ko-KR" dirty="0" smtClean="0"/>
-              <a:t>[</a:t>
-            </a:r>
-            <a:r>
-              <a:rPr lang="ko-KR" altLang="en-US" dirty="0" smtClean="0"/>
-              <a:t>화면 설계</a:t>
-            </a:r>
-            <a:r>
-              <a:rPr lang="en-US" altLang="ko-KR" dirty="0"/>
-              <a:t>] </a:t>
-            </a:r>
-            <a:r>
-              <a:rPr lang="ko-KR" altLang="en-US" dirty="0" smtClean="0"/>
-              <a:t>사용자 </a:t>
-            </a:r>
-            <a:r>
-              <a:rPr lang="en-US" altLang="ko-KR" dirty="0" smtClean="0"/>
-              <a:t>- </a:t>
-            </a:r>
-            <a:r>
-              <a:rPr lang="ko-KR" altLang="en-US" dirty="0" smtClean="0"/>
-              <a:t>웹 </a:t>
-            </a:r>
-            <a:r>
-              <a:rPr lang="en-US" altLang="ko-KR" dirty="0" smtClean="0"/>
-              <a:t>- </a:t>
-            </a:r>
-            <a:r>
-              <a:rPr lang="ko-KR" altLang="en-US" dirty="0" smtClean="0"/>
-              <a:t>게시판 </a:t>
-            </a:r>
-            <a:r>
-              <a:rPr lang="en-US" altLang="ko-KR" dirty="0" smtClean="0"/>
-              <a:t>- </a:t>
-            </a:r>
-            <a:r>
-              <a:rPr lang="ko-KR" altLang="en-US" dirty="0" smtClean="0"/>
-              <a:t>공지사항</a:t>
-            </a:r>
-            <a:endParaRPr lang="ko-KR" altLang="en-US" dirty="0"/>
-          </a:p>
-        </p:txBody>
-      </p:sp>
-      <p:grpSp>
-        <p:nvGrpSpPr>
-          <p:cNvPr id="4" name="그룹 3"/>
-          <p:cNvGrpSpPr/>
-          <p:nvPr/>
-        </p:nvGrpSpPr>
-        <p:grpSpPr>
-          <a:xfrm>
-            <a:off x="10516241" y="5877272"/>
-            <a:ext cx="193918" cy="537004"/>
-            <a:chOff x="4815008" y="1484784"/>
-            <a:chExt cx="216024" cy="648072"/>
-          </a:xfrm>
-        </p:grpSpPr>
-        <p:sp>
-          <p:nvSpPr>
-            <p:cNvPr id="6" name="직사각형 5"/>
-            <p:cNvSpPr/>
-            <p:nvPr/>
-          </p:nvSpPr>
-          <p:spPr>
-            <a:xfrm>
-              <a:off x="4815008" y="1484784"/>
-              <a:ext cx="216024" cy="216024"/>
-            </a:xfrm>
-            <a:prstGeom prst="rect">
-              <a:avLst/>
-            </a:prstGeom>
-            <a:solidFill>
-              <a:srgbClr val="48C0DC"/>
-            </a:solidFill>
-            <a:ln>
-              <a:noFill/>
-            </a:ln>
-          </p:spPr>
-          <p:style>
-            <a:lnRef idx="2">
-              <a:schemeClr val="accent1">
-                <a:shade val="50000"/>
-              </a:schemeClr>
-            </a:lnRef>
-            <a:fillRef idx="1">
-              <a:schemeClr val="accent1"/>
-            </a:fillRef>
-            <a:effectRef idx="0">
-              <a:schemeClr val="accent1"/>
-            </a:effectRef>
-            <a:fontRef idx="minor">
-              <a:schemeClr val="lt1"/>
-            </a:fontRef>
-          </p:style>
-          <p:txBody>
-            <a:bodyPr rtlCol="0" anchor="ctr"/>
-            <a:lstStyle/>
-            <a:p>
-              <a:pPr algn="ctr"/>
-              <a:endParaRPr lang="ko-KR" altLang="en-US"/>
-            </a:p>
-          </p:txBody>
-        </p:sp>
-        <p:sp>
-          <p:nvSpPr>
-            <p:cNvPr id="7" name="직사각형 6"/>
-            <p:cNvSpPr/>
-            <p:nvPr/>
-          </p:nvSpPr>
-          <p:spPr>
-            <a:xfrm>
-              <a:off x="4815008" y="1700808"/>
-              <a:ext cx="216024" cy="216024"/>
-            </a:xfrm>
-            <a:prstGeom prst="rect">
-              <a:avLst/>
-            </a:prstGeom>
-            <a:solidFill>
-              <a:srgbClr val="194B57"/>
-            </a:solidFill>
-            <a:ln>
-              <a:noFill/>
-            </a:ln>
-          </p:spPr>
-          <p:style>
-            <a:lnRef idx="2">
-              <a:schemeClr val="accent1">
-                <a:shade val="50000"/>
-              </a:schemeClr>
-            </a:lnRef>
-            <a:fillRef idx="1">
-              <a:schemeClr val="accent1"/>
-            </a:fillRef>
-            <a:effectRef idx="0">
-              <a:schemeClr val="accent1"/>
-            </a:effectRef>
-            <a:fontRef idx="minor">
-              <a:schemeClr val="lt1"/>
-            </a:fontRef>
-          </p:style>
-          <p:txBody>
-            <a:bodyPr rtlCol="0" anchor="ctr"/>
-            <a:lstStyle/>
-            <a:p>
-              <a:pPr algn="ctr"/>
-              <a:endParaRPr lang="ko-KR" altLang="en-US"/>
-            </a:p>
-          </p:txBody>
-        </p:sp>
-        <p:sp>
-          <p:nvSpPr>
-            <p:cNvPr id="8" name="직사각형 7"/>
-            <p:cNvSpPr/>
-            <p:nvPr/>
-          </p:nvSpPr>
-          <p:spPr>
-            <a:xfrm>
-              <a:off x="4815008" y="1916832"/>
-              <a:ext cx="216024" cy="216024"/>
-            </a:xfrm>
-            <a:prstGeom prst="rect">
-              <a:avLst/>
-            </a:prstGeom>
-            <a:solidFill>
-              <a:srgbClr val="472179"/>
-            </a:solidFill>
-            <a:ln>
-              <a:noFill/>
-            </a:ln>
-          </p:spPr>
-          <p:style>
-            <a:lnRef idx="2">
-              <a:schemeClr val="accent1">
-                <a:shade val="50000"/>
-              </a:schemeClr>
-            </a:lnRef>
-            <a:fillRef idx="1">
-              <a:schemeClr val="accent1"/>
-            </a:fillRef>
-            <a:effectRef idx="0">
-              <a:schemeClr val="accent1"/>
-            </a:effectRef>
-            <a:fontRef idx="minor">
-              <a:schemeClr val="lt1"/>
-            </a:fontRef>
-          </p:style>
-          <p:txBody>
-            <a:bodyPr rtlCol="0" anchor="ctr"/>
-            <a:lstStyle/>
-            <a:p>
-              <a:pPr algn="ctr"/>
-              <a:endParaRPr lang="ko-KR" altLang="en-US">
-                <a:solidFill>
-                  <a:srgbClr val="6521AF"/>
-                </a:solidFill>
-              </a:endParaRPr>
-            </a:p>
-          </p:txBody>
-        </p:sp>
-      </p:grpSp>
-      <p:graphicFrame>
-        <p:nvGraphicFramePr>
-          <p:cNvPr id="9" name="Google Shape;169;g7c553259d1_0_81"/>
-          <p:cNvGraphicFramePr/>
-          <p:nvPr>
-            <p:extLst>
-              <p:ext uri="{D42A27DB-BD31-4B8C-83A1-F6EECF244321}">
-                <p14:modId xmlns:p14="http://schemas.microsoft.com/office/powerpoint/2010/main" val="316560791"/>
-              </p:ext>
-            </p:extLst>
-          </p:nvPr>
-        </p:nvGraphicFramePr>
-        <p:xfrm>
-          <a:off x="8458885" y="2373467"/>
-          <a:ext cx="3532000" cy="4040809"/>
-        </p:xfrm>
-        <a:graphic>
-          <a:graphicData uri="http://schemas.openxmlformats.org/drawingml/2006/table">
-            <a:tbl>
-              <a:tblPr firstRow="1" bandRow="1">
-                <a:noFill/>
-              </a:tblPr>
-              <a:tblGrid>
-                <a:gridCol w="382900">
-                  <a:extLst>
-                    <a:ext uri="{9D8B030D-6E8A-4147-A177-3AD203B41FA5}">
-                      <a16:colId xmlns:a16="http://schemas.microsoft.com/office/drawing/2014/main" xmlns="" val="20000"/>
-                    </a:ext>
-                  </a:extLst>
-                </a:gridCol>
-                <a:gridCol w="3149100">
-                  <a:extLst>
-                    <a:ext uri="{9D8B030D-6E8A-4147-A177-3AD203B41FA5}">
-                      <a16:colId xmlns:a16="http://schemas.microsoft.com/office/drawing/2014/main" xmlns="" val="20001"/>
-                    </a:ext>
-                  </a:extLst>
-                </a:gridCol>
-              </a:tblGrid>
-              <a:tr h="326207">
-                <a:tc>
-                  <a:txBody>
-                    <a:bodyPr/>
-                    <a:lstStyle/>
-                    <a:p>
-                      <a:pPr marL="0" marR="0" lvl="0" indent="0" algn="ctr" rtl="0">
-                        <a:lnSpc>
-                          <a:spcPct val="100000"/>
-                        </a:lnSpc>
-                        <a:spcBef>
-                          <a:spcPts val="0"/>
-                        </a:spcBef>
-                        <a:spcAft>
-                          <a:spcPts val="0"/>
-                        </a:spcAft>
-                        <a:buClr>
-                          <a:srgbClr val="000000"/>
-                        </a:buClr>
-                        <a:buSzPts val="1500"/>
-                        <a:buFont typeface="Arial"/>
-                        <a:buNone/>
-                      </a:pPr>
-                      <a:r>
-                        <a:rPr lang="ko-KR" sz="1500" u="none" strike="noStrike" cap="none" dirty="0">
-                          <a:solidFill>
-                            <a:schemeClr val="dk1"/>
-                          </a:solidFill>
-                        </a:rPr>
-                        <a:t>#</a:t>
-                      </a:r>
-                      <a:endParaRPr sz="1500" u="none" strike="noStrike" cap="none" dirty="0">
-                        <a:solidFill>
-                          <a:schemeClr val="dk1"/>
-                        </a:solidFill>
-                      </a:endParaRPr>
-                    </a:p>
-                  </a:txBody>
-                  <a:tcPr marL="91450" marR="91450" marT="45725" marB="45725" anchor="ctr">
-                    <a:lnL w="12700" cap="flat" cmpd="sng">
-                      <a:solidFill>
-                        <a:schemeClr val="dk1"/>
-                      </a:solidFill>
-                      <a:prstDash val="solid"/>
-                      <a:round/>
-                      <a:headEnd type="none" w="sm" len="sm"/>
-                      <a:tailEnd type="none" w="sm" len="sm"/>
-                    </a:lnL>
-                    <a:lnR w="12700" cap="flat" cmpd="sng">
-                      <a:solidFill>
-                        <a:schemeClr val="dk1"/>
-                      </a:solidFill>
-                      <a:prstDash val="solid"/>
-                      <a:round/>
-                      <a:headEnd type="none" w="sm" len="sm"/>
-                      <a:tailEnd type="none" w="sm" len="sm"/>
-                    </a:lnR>
-                    <a:lnT w="12700" cap="flat" cmpd="sng">
-                      <a:solidFill>
-                        <a:schemeClr val="dk1"/>
-                      </a:solidFill>
-                      <a:prstDash val="solid"/>
-                      <a:round/>
-                      <a:headEnd type="none" w="sm" len="sm"/>
-                      <a:tailEnd type="none" w="sm" len="sm"/>
-                    </a:lnT>
-                    <a:lnB w="12700" cap="flat" cmpd="sng">
-                      <a:solidFill>
-                        <a:schemeClr val="dk1"/>
-                      </a:solidFill>
-                      <a:prstDash val="solid"/>
-                      <a:round/>
-                      <a:headEnd type="none" w="sm" len="sm"/>
-                      <a:tailEnd type="none" w="sm" len="sm"/>
-                    </a:lnB>
-                    <a:solidFill>
-                      <a:srgbClr val="D8D8D8"/>
-                    </a:solidFill>
-                  </a:tcPr>
-                </a:tc>
-                <a:tc>
-                  <a:txBody>
-                    <a:bodyPr/>
-                    <a:lstStyle/>
-                    <a:p>
-                      <a:pPr marL="0" marR="0" lvl="0" indent="0" algn="ctr" rtl="0">
-                        <a:lnSpc>
-                          <a:spcPct val="100000"/>
-                        </a:lnSpc>
-                        <a:spcBef>
-                          <a:spcPts val="0"/>
-                        </a:spcBef>
-                        <a:spcAft>
-                          <a:spcPts val="0"/>
-                        </a:spcAft>
-                        <a:buClr>
-                          <a:srgbClr val="000000"/>
-                        </a:buClr>
-                        <a:buSzPts val="1500"/>
-                        <a:buFont typeface="Arial"/>
-                        <a:buNone/>
-                      </a:pPr>
-                      <a:endParaRPr sz="1500" u="none" strike="noStrike" cap="none" dirty="0">
-                        <a:solidFill>
-                          <a:schemeClr val="dk1"/>
-                        </a:solidFill>
-                      </a:endParaRPr>
-                    </a:p>
-                  </a:txBody>
-                  <a:tcPr marL="91450" marR="91450" marT="45725" marB="45725" anchor="ctr">
-                    <a:lnL w="12700" cap="flat" cmpd="sng">
-                      <a:solidFill>
-                        <a:schemeClr val="dk1"/>
-                      </a:solidFill>
-                      <a:prstDash val="solid"/>
-                      <a:round/>
-                      <a:headEnd type="none" w="sm" len="sm"/>
-                      <a:tailEnd type="none" w="sm" len="sm"/>
-                    </a:lnL>
-                    <a:lnR w="12700" cap="flat" cmpd="sng">
-                      <a:solidFill>
-                        <a:schemeClr val="dk1"/>
-                      </a:solidFill>
-                      <a:prstDash val="solid"/>
-                      <a:round/>
-                      <a:headEnd type="none" w="sm" len="sm"/>
-                      <a:tailEnd type="none" w="sm" len="sm"/>
-                    </a:lnR>
-                    <a:lnT w="12700" cap="flat" cmpd="sng">
-                      <a:solidFill>
-                        <a:schemeClr val="dk1"/>
-                      </a:solidFill>
-                      <a:prstDash val="solid"/>
-                      <a:round/>
-                      <a:headEnd type="none" w="sm" len="sm"/>
-                      <a:tailEnd type="none" w="sm" len="sm"/>
-                    </a:lnT>
-                    <a:lnB w="12700" cap="flat" cmpd="sng">
-                      <a:solidFill>
-                        <a:schemeClr val="dk1"/>
-                      </a:solidFill>
-                      <a:prstDash val="solid"/>
-                      <a:round/>
-                      <a:headEnd type="none" w="sm" len="sm"/>
-                      <a:tailEnd type="none" w="sm" len="sm"/>
-                    </a:lnB>
-                    <a:solidFill>
-                      <a:srgbClr val="D8D8D8"/>
-                    </a:solidFill>
-                  </a:tcPr>
-                </a:tc>
-                <a:extLst>
-                  <a:ext uri="{0D108BD9-81ED-4DB2-BD59-A6C34878D82A}">
-                    <a16:rowId xmlns:a16="http://schemas.microsoft.com/office/drawing/2014/main" xmlns="" val="10000"/>
-                  </a:ext>
-                </a:extLst>
-              </a:tr>
-              <a:tr h="485007">
-                <a:tc>
-                  <a:txBody>
-                    <a:bodyPr/>
-                    <a:lstStyle/>
-                    <a:p>
-                      <a:pPr marL="0" marR="0" lvl="0" indent="0" algn="ctr" rtl="0">
-                        <a:lnSpc>
-                          <a:spcPct val="100000"/>
-                        </a:lnSpc>
-                        <a:spcBef>
-                          <a:spcPts val="0"/>
-                        </a:spcBef>
-                        <a:spcAft>
-                          <a:spcPts val="0"/>
-                        </a:spcAft>
-                        <a:buClr>
-                          <a:srgbClr val="000000"/>
-                        </a:buClr>
-                        <a:buSzPts val="1500"/>
-                        <a:buFont typeface="Arial"/>
-                        <a:buNone/>
-                      </a:pPr>
-                      <a:r>
-                        <a:rPr lang="en-US" altLang="ko-KR" sz="1500" dirty="0"/>
-                        <a:t>1</a:t>
-                      </a:r>
-                      <a:endParaRPr sz="1500" dirty="0"/>
-                    </a:p>
-                  </a:txBody>
-                  <a:tcPr marL="91450" marR="91450" marT="45725" marB="45725" anchor="ctr">
-                    <a:lnL w="12700" cap="flat" cmpd="sng">
-                      <a:solidFill>
-                        <a:schemeClr val="dk1"/>
-                      </a:solidFill>
-                      <a:prstDash val="solid"/>
-                      <a:round/>
-                      <a:headEnd type="none" w="sm" len="sm"/>
-                      <a:tailEnd type="none" w="sm" len="sm"/>
-                    </a:lnL>
-                    <a:lnR w="12700" cap="flat" cmpd="sng">
-                      <a:solidFill>
-                        <a:schemeClr val="dk1"/>
-                      </a:solidFill>
-                      <a:prstDash val="solid"/>
-                      <a:round/>
-                      <a:headEnd type="none" w="sm" len="sm"/>
-                      <a:tailEnd type="none" w="sm" len="sm"/>
-                    </a:lnR>
-                    <a:lnT w="12700" cap="flat" cmpd="sng">
-                      <a:solidFill>
-                        <a:schemeClr val="dk1"/>
-                      </a:solidFill>
-                      <a:prstDash val="solid"/>
-                      <a:round/>
-                      <a:headEnd type="none" w="sm" len="sm"/>
-                      <a:tailEnd type="none" w="sm" len="sm"/>
-                    </a:lnT>
-                    <a:lnB w="12700" cap="flat" cmpd="sng">
-                      <a:solidFill>
-                        <a:schemeClr val="dk1"/>
-                      </a:solidFill>
-                      <a:prstDash val="solid"/>
-                      <a:round/>
-                      <a:headEnd type="none" w="sm" len="sm"/>
-                      <a:tailEnd type="none" w="sm" len="sm"/>
-                    </a:lnB>
-                    <a:solidFill>
-                      <a:schemeClr val="lt1"/>
-                    </a:solidFill>
-                  </a:tcPr>
-                </a:tc>
-                <a:tc>
-                  <a:txBody>
-                    <a:bodyPr/>
-                    <a:lstStyle/>
-                    <a:p>
-                      <a:pPr marL="0" marR="0" lvl="0" indent="0" algn="l">
-                        <a:lnSpc>
-                          <a:spcPct val="100000"/>
-                        </a:lnSpc>
-                        <a:spcBef>
-                          <a:spcPts val="0"/>
-                        </a:spcBef>
-                        <a:spcAft>
-                          <a:spcPts val="0"/>
-                        </a:spcAft>
-                        <a:buNone/>
-                      </a:pPr>
-                      <a:r>
-                        <a:rPr lang="ko-KR" altLang="en-US" sz="1500" b="0" i="0" u="none" strike="noStrike" cap="none" noProof="0" dirty="0" err="1" smtClean="0">
-                          <a:latin typeface="맑은 고딕"/>
-                        </a:rPr>
-                        <a:t>검색어</a:t>
-                      </a:r>
-                      <a:r>
-                        <a:rPr lang="ko-KR" altLang="en-US" sz="1500" b="0" i="0" u="none" strike="noStrike" cap="none" noProof="0" dirty="0" smtClean="0">
-                          <a:latin typeface="맑은 고딕"/>
-                        </a:rPr>
-                        <a:t> 입력을 통한 공지사항 검색</a:t>
-                      </a:r>
-                      <a:endParaRPr altLang="en-US" sz="1500" b="0" i="0" u="none" strike="noStrike" cap="none" noProof="0" dirty="0">
-                        <a:latin typeface="맑은 고딕"/>
-                      </a:endParaRPr>
-                    </a:p>
-                  </a:txBody>
-                  <a:tcPr marL="91450" marR="91450" marT="45725" marB="45725">
-                    <a:lnL w="12700" cap="flat" cmpd="sng">
-                      <a:solidFill>
-                        <a:schemeClr val="dk1"/>
-                      </a:solidFill>
-                      <a:prstDash val="solid"/>
-                      <a:round/>
-                      <a:headEnd type="none" w="sm" len="sm"/>
-                      <a:tailEnd type="none" w="sm" len="sm"/>
-                    </a:lnL>
-                    <a:lnR w="12700" cap="flat" cmpd="sng">
-                      <a:solidFill>
-                        <a:schemeClr val="dk1"/>
-                      </a:solidFill>
-                      <a:prstDash val="solid"/>
-                      <a:round/>
-                      <a:headEnd type="none" w="sm" len="sm"/>
-                      <a:tailEnd type="none" w="sm" len="sm"/>
-                    </a:lnR>
-                    <a:lnT w="12700" cap="flat" cmpd="sng">
-                      <a:solidFill>
-                        <a:schemeClr val="dk1"/>
-                      </a:solidFill>
-                      <a:prstDash val="solid"/>
-                      <a:round/>
-                      <a:headEnd type="none" w="sm" len="sm"/>
-                      <a:tailEnd type="none" w="sm" len="sm"/>
-                    </a:lnT>
-                    <a:lnB w="12700" cap="flat" cmpd="sng">
-                      <a:solidFill>
-                        <a:schemeClr val="dk1"/>
-                      </a:solidFill>
-                      <a:prstDash val="solid"/>
-                      <a:round/>
-                      <a:headEnd type="none" w="sm" len="sm"/>
-                      <a:tailEnd type="none" w="sm" len="sm"/>
-                    </a:lnB>
-                    <a:solidFill>
-                      <a:schemeClr val="lt1"/>
-                    </a:solidFill>
-                  </a:tcPr>
-                </a:tc>
-                <a:extLst>
-                  <a:ext uri="{0D108BD9-81ED-4DB2-BD59-A6C34878D82A}">
-                    <a16:rowId xmlns:a16="http://schemas.microsoft.com/office/drawing/2014/main" xmlns="" val="10001"/>
-                  </a:ext>
-                </a:extLst>
-              </a:tr>
-              <a:tr h="446498">
-                <a:tc>
-                  <a:txBody>
-                    <a:bodyPr/>
-                    <a:lstStyle/>
-                    <a:p>
-                      <a:pPr marL="0" marR="0" lvl="0" indent="0" algn="ctr" rtl="0">
-                        <a:lnSpc>
-                          <a:spcPct val="100000"/>
-                        </a:lnSpc>
-                        <a:spcBef>
-                          <a:spcPts val="0"/>
-                        </a:spcBef>
-                        <a:spcAft>
-                          <a:spcPts val="0"/>
-                        </a:spcAft>
-                        <a:buClr>
-                          <a:srgbClr val="000000"/>
-                        </a:buClr>
-                        <a:buSzPts val="1500"/>
-                        <a:buFont typeface="Arial"/>
-                        <a:buNone/>
-                      </a:pPr>
-                      <a:r>
-                        <a:rPr lang="en-US" altLang="ko-KR" sz="1500" u="none" strike="noStrike" cap="none" dirty="0">
-                          <a:solidFill>
-                            <a:schemeClr val="dk1"/>
-                          </a:solidFill>
-                        </a:rPr>
-                        <a:t>2</a:t>
-                      </a:r>
-                      <a:endParaRPr sz="1500" u="none" strike="noStrike" cap="none" dirty="0">
-                        <a:solidFill>
-                          <a:schemeClr val="dk1"/>
-                        </a:solidFill>
-                      </a:endParaRPr>
-                    </a:p>
-                  </a:txBody>
-                  <a:tcPr marL="91450" marR="91450" marT="45725" marB="45725" anchor="ctr">
-                    <a:lnL w="12700" cap="flat" cmpd="sng">
-                      <a:solidFill>
-                        <a:schemeClr val="dk1"/>
-                      </a:solidFill>
-                      <a:prstDash val="solid"/>
-                      <a:round/>
-                      <a:headEnd type="none" w="sm" len="sm"/>
-                      <a:tailEnd type="none" w="sm" len="sm"/>
-                    </a:lnL>
-                    <a:lnR w="12700" cap="flat" cmpd="sng">
-                      <a:solidFill>
-                        <a:schemeClr val="dk1"/>
-                      </a:solidFill>
-                      <a:prstDash val="solid"/>
-                      <a:round/>
-                      <a:headEnd type="none" w="sm" len="sm"/>
-                      <a:tailEnd type="none" w="sm" len="sm"/>
-                    </a:lnR>
-                    <a:lnT w="12700" cap="flat" cmpd="sng">
-                      <a:solidFill>
-                        <a:schemeClr val="dk1"/>
-                      </a:solidFill>
-                      <a:prstDash val="solid"/>
-                      <a:round/>
-                      <a:headEnd type="none" w="sm" len="sm"/>
-                      <a:tailEnd type="none" w="sm" len="sm"/>
-                    </a:lnT>
-                    <a:lnB w="12700" cap="flat" cmpd="sng">
-                      <a:solidFill>
-                        <a:schemeClr val="dk1"/>
-                      </a:solidFill>
-                      <a:prstDash val="solid"/>
-                      <a:round/>
-                      <a:headEnd type="none" w="sm" len="sm"/>
-                      <a:tailEnd type="none" w="sm" len="sm"/>
-                    </a:lnB>
-                    <a:solidFill>
-                      <a:schemeClr val="lt1"/>
-                    </a:solidFill>
-                  </a:tcPr>
-                </a:tc>
-                <a:tc>
-                  <a:txBody>
-                    <a:bodyPr/>
-                    <a:lstStyle/>
-                    <a:p>
-                      <a:pPr marL="0" marR="0" lvl="0" indent="0" algn="l">
-                        <a:lnSpc>
-                          <a:spcPct val="100000"/>
-                        </a:lnSpc>
-                        <a:spcBef>
-                          <a:spcPts val="0"/>
-                        </a:spcBef>
-                        <a:spcAft>
-                          <a:spcPts val="0"/>
-                        </a:spcAft>
-                        <a:buNone/>
-                      </a:pPr>
-                      <a:r>
-                        <a:rPr lang="ko-KR" altLang="en-US" sz="1500" b="0" i="0" u="none" strike="noStrike" cap="none" noProof="0" dirty="0" smtClean="0">
-                          <a:latin typeface="Malgun Gothic"/>
-                          <a:ea typeface="Malgun Gothic"/>
-                        </a:rPr>
-                        <a:t>제목을 클릭하면 </a:t>
-                      </a:r>
-                      <a:r>
-                        <a:rPr lang="en-US" altLang="ko-KR" sz="1500" b="0" i="0" u="none" strike="noStrike" cap="none" noProof="0" dirty="0" smtClean="0">
-                          <a:latin typeface="Malgun Gothic"/>
-                          <a:ea typeface="Malgun Gothic"/>
-                        </a:rPr>
-                        <a:t>summary, detail </a:t>
-                      </a:r>
-                      <a:r>
-                        <a:rPr lang="ko-KR" altLang="en-US" sz="1500" b="0" i="0" u="none" strike="noStrike" cap="none" noProof="0" dirty="0" smtClean="0">
-                          <a:latin typeface="Malgun Gothic"/>
-                          <a:ea typeface="Malgun Gothic"/>
-                        </a:rPr>
-                        <a:t>태그의 형식으로 공지사항 내용 표시</a:t>
-                      </a:r>
-                      <a:endParaRPr lang="ko-KR" altLang="en-US" sz="1500" b="0" i="0" u="none" strike="noStrike" cap="none" noProof="0" dirty="0">
-                        <a:latin typeface="Malgun Gothic"/>
-                        <a:ea typeface="Malgun Gothic"/>
-                      </a:endParaRPr>
-                    </a:p>
-                  </a:txBody>
-                  <a:tcPr marL="91450" marR="91450" marT="45725" marB="45725">
-                    <a:lnL w="12700" cap="flat" cmpd="sng">
-                      <a:solidFill>
-                        <a:schemeClr val="dk1"/>
-                      </a:solidFill>
-                      <a:prstDash val="solid"/>
-                      <a:round/>
-                      <a:headEnd type="none" w="sm" len="sm"/>
-                      <a:tailEnd type="none" w="sm" len="sm"/>
-                    </a:lnL>
-                    <a:lnR w="12700" cap="flat" cmpd="sng">
-                      <a:solidFill>
-                        <a:schemeClr val="dk1"/>
-                      </a:solidFill>
-                      <a:prstDash val="solid"/>
-                      <a:round/>
-                      <a:headEnd type="none" w="sm" len="sm"/>
-                      <a:tailEnd type="none" w="sm" len="sm"/>
-                    </a:lnR>
-                    <a:lnT w="12700" cap="flat" cmpd="sng">
-                      <a:solidFill>
-                        <a:schemeClr val="dk1"/>
-                      </a:solidFill>
-                      <a:prstDash val="solid"/>
-                      <a:round/>
-                      <a:headEnd type="none" w="sm" len="sm"/>
-                      <a:tailEnd type="none" w="sm" len="sm"/>
-                    </a:lnT>
-                    <a:lnB w="12700" cap="flat" cmpd="sng">
-                      <a:solidFill>
-                        <a:schemeClr val="dk1"/>
-                      </a:solidFill>
-                      <a:prstDash val="solid"/>
-                      <a:round/>
-                      <a:headEnd type="none" w="sm" len="sm"/>
-                      <a:tailEnd type="none" w="sm" len="sm"/>
-                    </a:lnB>
-                    <a:solidFill>
-                      <a:schemeClr val="lt1"/>
-                    </a:solidFill>
-                  </a:tcPr>
-                </a:tc>
-                <a:extLst>
-                  <a:ext uri="{0D108BD9-81ED-4DB2-BD59-A6C34878D82A}">
-                    <a16:rowId xmlns:a16="http://schemas.microsoft.com/office/drawing/2014/main" xmlns="" val="10002"/>
-                  </a:ext>
-                </a:extLst>
-              </a:tr>
-              <a:tr h="516541">
-                <a:tc>
-                  <a:txBody>
-                    <a:bodyPr/>
-                    <a:lstStyle/>
-                    <a:p>
-                      <a:pPr marL="0" marR="0" lvl="0" indent="0" algn="ctr" rtl="0">
-                        <a:lnSpc>
-                          <a:spcPct val="100000"/>
-                        </a:lnSpc>
-                        <a:spcBef>
-                          <a:spcPts val="0"/>
-                        </a:spcBef>
-                        <a:spcAft>
-                          <a:spcPts val="0"/>
-                        </a:spcAft>
-                        <a:buClr>
-                          <a:srgbClr val="000000"/>
-                        </a:buClr>
-                        <a:buSzPts val="1500"/>
-                        <a:buFont typeface="Arial"/>
-                        <a:buNone/>
-                      </a:pPr>
-                      <a:r>
-                        <a:rPr lang="en-US" altLang="ko-KR" sz="1500" u="none" strike="noStrike" cap="none" dirty="0">
-                          <a:solidFill>
-                            <a:schemeClr val="dk1"/>
-                          </a:solidFill>
-                        </a:rPr>
-                        <a:t>3</a:t>
-                      </a:r>
-                      <a:endParaRPr sz="1500" u="none" strike="noStrike" cap="none" dirty="0">
-                        <a:solidFill>
-                          <a:schemeClr val="dk1"/>
-                        </a:solidFill>
-                      </a:endParaRPr>
-                    </a:p>
-                  </a:txBody>
-                  <a:tcPr marL="91450" marR="91450" marT="45725" marB="45725" anchor="ctr">
-                    <a:lnL w="12700" cap="flat" cmpd="sng">
-                      <a:solidFill>
-                        <a:schemeClr val="dk1"/>
-                      </a:solidFill>
-                      <a:prstDash val="solid"/>
-                      <a:round/>
-                      <a:headEnd type="none" w="sm" len="sm"/>
-                      <a:tailEnd type="none" w="sm" len="sm"/>
-                    </a:lnL>
-                    <a:lnR w="12700" cap="flat" cmpd="sng">
-                      <a:solidFill>
-                        <a:schemeClr val="dk1"/>
-                      </a:solidFill>
-                      <a:prstDash val="solid"/>
-                      <a:round/>
-                      <a:headEnd type="none" w="sm" len="sm"/>
-                      <a:tailEnd type="none" w="sm" len="sm"/>
-                    </a:lnR>
-                    <a:lnT w="12700" cap="flat" cmpd="sng">
-                      <a:solidFill>
-                        <a:schemeClr val="dk1"/>
-                      </a:solidFill>
-                      <a:prstDash val="solid"/>
-                      <a:round/>
-                      <a:headEnd type="none" w="sm" len="sm"/>
-                      <a:tailEnd type="none" w="sm" len="sm"/>
-                    </a:lnT>
-                    <a:lnB w="12700" cap="flat" cmpd="sng">
-                      <a:solidFill>
-                        <a:schemeClr val="dk1"/>
-                      </a:solidFill>
-                      <a:prstDash val="solid"/>
-                      <a:round/>
-                      <a:headEnd type="none" w="sm" len="sm"/>
-                      <a:tailEnd type="none" w="sm" len="sm"/>
-                    </a:lnB>
-                    <a:solidFill>
-                      <a:schemeClr val="lt1"/>
-                    </a:solidFill>
-                  </a:tcPr>
-                </a:tc>
-                <a:tc>
-                  <a:txBody>
-                    <a:bodyPr/>
-                    <a:lstStyle/>
-                    <a:p>
-                      <a:pPr marL="0" marR="0" lvl="0" indent="0" algn="l" rtl="0">
-                        <a:lnSpc>
-                          <a:spcPct val="100000"/>
-                        </a:lnSpc>
-                        <a:spcBef>
-                          <a:spcPts val="0"/>
-                        </a:spcBef>
-                        <a:spcAft>
-                          <a:spcPts val="0"/>
-                        </a:spcAft>
-                        <a:buFont typeface="Arial"/>
-                        <a:buNone/>
-                      </a:pPr>
-                      <a:endParaRPr sz="1500" u="none" strike="noStrike" cap="none" dirty="0">
-                        <a:solidFill>
-                          <a:schemeClr val="dk1"/>
-                        </a:solidFill>
-                      </a:endParaRPr>
-                    </a:p>
-                  </a:txBody>
-                  <a:tcPr marL="91450" marR="91450" marT="45725" marB="45725">
-                    <a:lnL w="12700" cap="flat" cmpd="sng">
-                      <a:solidFill>
-                        <a:schemeClr val="dk1"/>
-                      </a:solidFill>
-                      <a:prstDash val="solid"/>
-                      <a:round/>
-                      <a:headEnd type="none" w="sm" len="sm"/>
-                      <a:tailEnd type="none" w="sm" len="sm"/>
-                    </a:lnL>
-                    <a:lnR w="12700" cap="flat" cmpd="sng">
-                      <a:solidFill>
-                        <a:schemeClr val="dk1"/>
-                      </a:solidFill>
-                      <a:prstDash val="solid"/>
-                      <a:round/>
-                      <a:headEnd type="none" w="sm" len="sm"/>
-                      <a:tailEnd type="none" w="sm" len="sm"/>
-                    </a:lnR>
-                    <a:lnT w="12700" cap="flat" cmpd="sng">
-                      <a:solidFill>
-                        <a:schemeClr val="dk1"/>
-                      </a:solidFill>
-                      <a:prstDash val="solid"/>
-                      <a:round/>
-                      <a:headEnd type="none" w="sm" len="sm"/>
-                      <a:tailEnd type="none" w="sm" len="sm"/>
-                    </a:lnT>
-                    <a:lnB w="12700" cap="flat" cmpd="sng">
-                      <a:solidFill>
-                        <a:schemeClr val="dk1"/>
-                      </a:solidFill>
-                      <a:prstDash val="solid"/>
-                      <a:round/>
-                      <a:headEnd type="none" w="sm" len="sm"/>
-                      <a:tailEnd type="none" w="sm" len="sm"/>
-                    </a:lnB>
-                    <a:solidFill>
-                      <a:schemeClr val="lt1"/>
-                    </a:solidFill>
-                  </a:tcPr>
-                </a:tc>
-                <a:extLst>
-                  <a:ext uri="{0D108BD9-81ED-4DB2-BD59-A6C34878D82A}">
-                    <a16:rowId xmlns:a16="http://schemas.microsoft.com/office/drawing/2014/main" xmlns="" val="10003"/>
-                  </a:ext>
-                </a:extLst>
-              </a:tr>
-              <a:tr h="457200">
-                <a:tc>
-                  <a:txBody>
-                    <a:bodyPr/>
-                    <a:lstStyle/>
-                    <a:p>
-                      <a:pPr marL="0" marR="0" lvl="0" indent="0" algn="ctr" rtl="0">
-                        <a:lnSpc>
-                          <a:spcPct val="100000"/>
-                        </a:lnSpc>
-                        <a:spcBef>
-                          <a:spcPts val="0"/>
-                        </a:spcBef>
-                        <a:spcAft>
-                          <a:spcPts val="0"/>
-                        </a:spcAft>
-                        <a:buClr>
-                          <a:srgbClr val="000000"/>
-                        </a:buClr>
-                        <a:buSzPts val="1500"/>
-                        <a:buFont typeface="Arial"/>
-                        <a:buNone/>
-                      </a:pPr>
-                      <a:r>
-                        <a:rPr lang="en-US" sz="1500" u="none" strike="noStrike" cap="none" dirty="0" smtClean="0">
-                          <a:solidFill>
-                            <a:schemeClr val="dk1"/>
-                          </a:solidFill>
-                        </a:rPr>
-                        <a:t>4</a:t>
-                      </a:r>
-                      <a:endParaRPr sz="1500" u="none" strike="noStrike" cap="none" dirty="0">
-                        <a:solidFill>
-                          <a:schemeClr val="dk1"/>
-                        </a:solidFill>
-                      </a:endParaRPr>
-                    </a:p>
-                  </a:txBody>
-                  <a:tcPr marL="91450" marR="91450" marT="45725" marB="45725" anchor="ctr">
-                    <a:lnL w="12700" cap="flat" cmpd="sng">
-                      <a:solidFill>
-                        <a:schemeClr val="dk1"/>
-                      </a:solidFill>
-                      <a:prstDash val="solid"/>
-                      <a:round/>
-                      <a:headEnd type="none" w="sm" len="sm"/>
-                      <a:tailEnd type="none" w="sm" len="sm"/>
-                    </a:lnL>
-                    <a:lnR w="12700" cap="flat" cmpd="sng">
-                      <a:solidFill>
-                        <a:schemeClr val="dk1"/>
-                      </a:solidFill>
-                      <a:prstDash val="solid"/>
-                      <a:round/>
-                      <a:headEnd type="none" w="sm" len="sm"/>
-                      <a:tailEnd type="none" w="sm" len="sm"/>
-                    </a:lnR>
-                    <a:lnT w="12700" cap="flat" cmpd="sng">
-                      <a:solidFill>
-                        <a:schemeClr val="dk1"/>
-                      </a:solidFill>
-                      <a:prstDash val="solid"/>
-                      <a:round/>
-                      <a:headEnd type="none" w="sm" len="sm"/>
-                      <a:tailEnd type="none" w="sm" len="sm"/>
-                    </a:lnT>
-                    <a:lnB w="12700" cap="flat" cmpd="sng">
-                      <a:solidFill>
-                        <a:schemeClr val="dk1"/>
-                      </a:solidFill>
-                      <a:prstDash val="solid"/>
-                      <a:round/>
-                      <a:headEnd type="none" w="sm" len="sm"/>
-                      <a:tailEnd type="none" w="sm" len="sm"/>
-                    </a:lnB>
-                    <a:solidFill>
-                      <a:schemeClr val="lt1"/>
-                    </a:solidFill>
-                  </a:tcPr>
-                </a:tc>
-                <a:tc>
-                  <a:txBody>
-                    <a:bodyPr/>
-                    <a:lstStyle/>
-                    <a:p>
-                      <a:pPr marL="0" marR="0" lvl="0" indent="0" algn="l" rtl="0">
-                        <a:lnSpc>
-                          <a:spcPct val="100000"/>
-                        </a:lnSpc>
-                        <a:spcBef>
-                          <a:spcPts val="0"/>
-                        </a:spcBef>
-                        <a:spcAft>
-                          <a:spcPts val="0"/>
-                        </a:spcAft>
-                        <a:buNone/>
-                      </a:pPr>
-                      <a:endParaRPr lang="en-US" altLang="ko-KR" sz="1500" u="none" strike="noStrike" cap="none" dirty="0" smtClean="0">
-                        <a:solidFill>
-                          <a:schemeClr val="dk1"/>
-                        </a:solidFill>
-                      </a:endParaRPr>
-                    </a:p>
-                  </a:txBody>
-                  <a:tcPr marL="91450" marR="91450" marT="45725" marB="45725">
-                    <a:lnL w="12700" cap="flat" cmpd="sng">
-                      <a:solidFill>
-                        <a:schemeClr val="dk1"/>
-                      </a:solidFill>
-                      <a:prstDash val="solid"/>
-                      <a:round/>
-                      <a:headEnd type="none" w="sm" len="sm"/>
-                      <a:tailEnd type="none" w="sm" len="sm"/>
-                    </a:lnL>
-                    <a:lnR w="12700" cap="flat" cmpd="sng">
-                      <a:solidFill>
-                        <a:schemeClr val="dk1"/>
-                      </a:solidFill>
-                      <a:prstDash val="solid"/>
-                      <a:round/>
-                      <a:headEnd type="none" w="sm" len="sm"/>
-                      <a:tailEnd type="none" w="sm" len="sm"/>
-                    </a:lnR>
-                    <a:lnT w="12700" cap="flat" cmpd="sng">
-                      <a:solidFill>
-                        <a:schemeClr val="dk1"/>
-                      </a:solidFill>
-                      <a:prstDash val="solid"/>
-                      <a:round/>
-                      <a:headEnd type="none" w="sm" len="sm"/>
-                      <a:tailEnd type="none" w="sm" len="sm"/>
-                    </a:lnT>
-                    <a:lnB w="12700" cap="flat" cmpd="sng">
-                      <a:solidFill>
-                        <a:schemeClr val="dk1"/>
-                      </a:solidFill>
-                      <a:prstDash val="solid"/>
-                      <a:round/>
-                      <a:headEnd type="none" w="sm" len="sm"/>
-                      <a:tailEnd type="none" w="sm" len="sm"/>
-                    </a:lnB>
-                    <a:solidFill>
-                      <a:schemeClr val="lt1"/>
-                    </a:solidFill>
-                  </a:tcPr>
-                </a:tc>
-                <a:extLst>
-                  <a:ext uri="{0D108BD9-81ED-4DB2-BD59-A6C34878D82A}">
-                    <a16:rowId xmlns:a16="http://schemas.microsoft.com/office/drawing/2014/main" xmlns="" val="10004"/>
-                  </a:ext>
-                </a:extLst>
-              </a:tr>
-              <a:tr h="482048">
-                <a:tc>
-                  <a:txBody>
-                    <a:bodyPr/>
-                    <a:lstStyle/>
-                    <a:p>
-                      <a:pPr marL="0" marR="0" lvl="0" indent="0" algn="ctr" rtl="0">
-                        <a:lnSpc>
-                          <a:spcPct val="100000"/>
-                        </a:lnSpc>
-                        <a:spcBef>
-                          <a:spcPts val="0"/>
-                        </a:spcBef>
-                        <a:spcAft>
-                          <a:spcPts val="0"/>
-                        </a:spcAft>
-                        <a:buClr>
-                          <a:srgbClr val="000000"/>
-                        </a:buClr>
-                        <a:buSzPts val="1500"/>
-                        <a:buFont typeface="Arial"/>
-                        <a:buNone/>
-                      </a:pPr>
-                      <a:r>
-                        <a:rPr lang="en-US" sz="1500" u="none" strike="noStrike" cap="none" dirty="0" smtClean="0">
-                          <a:solidFill>
-                            <a:schemeClr val="dk1"/>
-                          </a:solidFill>
-                        </a:rPr>
-                        <a:t>5</a:t>
-                      </a:r>
-                      <a:endParaRPr sz="1500" u="none" strike="noStrike" cap="none" dirty="0">
-                        <a:solidFill>
-                          <a:schemeClr val="dk1"/>
-                        </a:solidFill>
-                      </a:endParaRPr>
-                    </a:p>
-                  </a:txBody>
-                  <a:tcPr marL="91450" marR="91450" marT="45725" marB="45725" anchor="ctr">
-                    <a:lnL w="12700" cap="flat" cmpd="sng">
-                      <a:solidFill>
-                        <a:schemeClr val="dk1"/>
-                      </a:solidFill>
-                      <a:prstDash val="solid"/>
-                      <a:round/>
-                      <a:headEnd type="none" w="sm" len="sm"/>
-                      <a:tailEnd type="none" w="sm" len="sm"/>
-                    </a:lnL>
-                    <a:lnR w="12700" cap="flat" cmpd="sng">
-                      <a:solidFill>
-                        <a:schemeClr val="dk1"/>
-                      </a:solidFill>
-                      <a:prstDash val="solid"/>
-                      <a:round/>
-                      <a:headEnd type="none" w="sm" len="sm"/>
-                      <a:tailEnd type="none" w="sm" len="sm"/>
-                    </a:lnR>
-                    <a:lnT w="12700" cap="flat" cmpd="sng">
-                      <a:solidFill>
-                        <a:schemeClr val="dk1"/>
-                      </a:solidFill>
-                      <a:prstDash val="solid"/>
-                      <a:round/>
-                      <a:headEnd type="none" w="sm" len="sm"/>
-                      <a:tailEnd type="none" w="sm" len="sm"/>
-                    </a:lnT>
-                    <a:lnB w="12700" cap="flat" cmpd="sng">
-                      <a:solidFill>
-                        <a:schemeClr val="dk1"/>
-                      </a:solidFill>
-                      <a:prstDash val="solid"/>
-                      <a:round/>
-                      <a:headEnd type="none" w="sm" len="sm"/>
-                      <a:tailEnd type="none" w="sm" len="sm"/>
-                    </a:lnB>
-                    <a:solidFill>
-                      <a:schemeClr val="lt1"/>
-                    </a:solidFill>
-                  </a:tcPr>
-                </a:tc>
-                <a:tc>
-                  <a:txBody>
-                    <a:bodyPr/>
-                    <a:lstStyle/>
-                    <a:p>
-                      <a:pPr marL="0" marR="0" lvl="0" indent="0" algn="l" defTabSz="914400" rtl="0" eaLnBrk="1" fontAlgn="auto" latinLnBrk="1" hangingPunct="1">
-                        <a:lnSpc>
-                          <a:spcPct val="100000"/>
-                        </a:lnSpc>
-                        <a:spcBef>
-                          <a:spcPts val="0"/>
-                        </a:spcBef>
-                        <a:spcAft>
-                          <a:spcPts val="0"/>
-                        </a:spcAft>
-                        <a:buClr>
-                          <a:srgbClr val="000000"/>
-                        </a:buClr>
-                        <a:buSzPts val="1500"/>
-                        <a:buFont typeface="Arial"/>
-                        <a:buNone/>
-                        <a:tabLst/>
-                        <a:defRPr/>
-                      </a:pPr>
-                      <a:endParaRPr lang="ko-KR" altLang="en-US" sz="1500" u="none" strike="noStrike" cap="none" dirty="0" smtClean="0">
-                        <a:solidFill>
-                          <a:schemeClr val="dk1"/>
-                        </a:solidFill>
-                      </a:endParaRPr>
-                    </a:p>
-                  </a:txBody>
-                  <a:tcPr marL="91450" marR="91450" marT="45725" marB="45725">
-                    <a:lnL w="12700" cap="flat" cmpd="sng">
-                      <a:solidFill>
-                        <a:schemeClr val="dk1"/>
-                      </a:solidFill>
-                      <a:prstDash val="solid"/>
-                      <a:round/>
-                      <a:headEnd type="none" w="sm" len="sm"/>
-                      <a:tailEnd type="none" w="sm" len="sm"/>
-                    </a:lnL>
-                    <a:lnR w="12700" cap="flat" cmpd="sng">
-                      <a:solidFill>
-                        <a:schemeClr val="dk1"/>
-                      </a:solidFill>
-                      <a:prstDash val="solid"/>
-                      <a:round/>
-                      <a:headEnd type="none" w="sm" len="sm"/>
-                      <a:tailEnd type="none" w="sm" len="sm"/>
-                    </a:lnR>
-                    <a:lnT w="12700" cap="flat" cmpd="sng">
-                      <a:solidFill>
-                        <a:schemeClr val="dk1"/>
-                      </a:solidFill>
-                      <a:prstDash val="solid"/>
-                      <a:round/>
-                      <a:headEnd type="none" w="sm" len="sm"/>
-                      <a:tailEnd type="none" w="sm" len="sm"/>
-                    </a:lnT>
-                    <a:lnB w="12700" cap="flat" cmpd="sng">
-                      <a:solidFill>
-                        <a:schemeClr val="dk1"/>
-                      </a:solidFill>
-                      <a:prstDash val="solid"/>
-                      <a:round/>
-                      <a:headEnd type="none" w="sm" len="sm"/>
-                      <a:tailEnd type="none" w="sm" len="sm"/>
-                    </a:lnB>
-                    <a:solidFill>
-                      <a:schemeClr val="lt1"/>
-                    </a:solidFill>
-                  </a:tcPr>
-                </a:tc>
-                <a:extLst>
-                  <a:ext uri="{0D108BD9-81ED-4DB2-BD59-A6C34878D82A}">
-                    <a16:rowId xmlns:a16="http://schemas.microsoft.com/office/drawing/2014/main" xmlns="" val="10005"/>
-                  </a:ext>
-                </a:extLst>
-              </a:tr>
-              <a:tr h="490718">
-                <a:tc>
-                  <a:txBody>
-                    <a:bodyPr/>
-                    <a:lstStyle/>
-                    <a:p>
-                      <a:pPr marL="0" marR="0" lvl="0" indent="0" algn="ctr" rtl="0">
-                        <a:lnSpc>
-                          <a:spcPct val="100000"/>
-                        </a:lnSpc>
-                        <a:spcBef>
-                          <a:spcPts val="0"/>
-                        </a:spcBef>
-                        <a:spcAft>
-                          <a:spcPts val="0"/>
-                        </a:spcAft>
-                        <a:buNone/>
-                      </a:pPr>
-                      <a:endParaRPr sz="1500" dirty="0"/>
-                    </a:p>
-                  </a:txBody>
-                  <a:tcPr marL="91450" marR="91450" marT="45725" marB="45725" anchor="ctr">
-                    <a:lnL w="12700" cap="flat" cmpd="sng">
-                      <a:solidFill>
-                        <a:schemeClr val="dk1"/>
-                      </a:solidFill>
-                      <a:prstDash val="solid"/>
-                      <a:round/>
-                      <a:headEnd type="none" w="sm" len="sm"/>
-                      <a:tailEnd type="none" w="sm" len="sm"/>
-                    </a:lnL>
-                    <a:lnR w="12700" cap="flat" cmpd="sng">
-                      <a:solidFill>
-                        <a:schemeClr val="dk1"/>
-                      </a:solidFill>
-                      <a:prstDash val="solid"/>
-                      <a:round/>
-                      <a:headEnd type="none" w="sm" len="sm"/>
-                      <a:tailEnd type="none" w="sm" len="sm"/>
-                    </a:lnR>
-                    <a:lnT w="12700" cap="flat" cmpd="sng">
-                      <a:solidFill>
-                        <a:schemeClr val="dk1"/>
-                      </a:solidFill>
-                      <a:prstDash val="solid"/>
-                      <a:round/>
-                      <a:headEnd type="none" w="sm" len="sm"/>
-                      <a:tailEnd type="none" w="sm" len="sm"/>
-                    </a:lnT>
-                    <a:lnB w="12700" cap="flat" cmpd="sng" algn="ctr">
-                      <a:solidFill>
-                        <a:schemeClr val="dk1"/>
-                      </a:solidFill>
-                      <a:prstDash val="solid"/>
-                      <a:round/>
-                      <a:headEnd type="none" w="sm" len="sm"/>
-                      <a:tailEnd type="none" w="sm" len="sm"/>
-                    </a:lnB>
-                    <a:solidFill>
-                      <a:schemeClr val="lt1"/>
-                    </a:solidFill>
-                  </a:tcPr>
-                </a:tc>
-                <a:tc>
-                  <a:txBody>
-                    <a:bodyPr/>
-                    <a:lstStyle/>
-                    <a:p>
-                      <a:pPr marL="0" marR="0" lvl="0" indent="0" algn="l" rtl="0">
-                        <a:lnSpc>
-                          <a:spcPct val="100000"/>
-                        </a:lnSpc>
-                        <a:spcBef>
-                          <a:spcPts val="0"/>
-                        </a:spcBef>
-                        <a:spcAft>
-                          <a:spcPts val="0"/>
-                        </a:spcAft>
-                        <a:buNone/>
-                      </a:pPr>
-                      <a:endParaRPr sz="1500" dirty="0"/>
-                    </a:p>
-                  </a:txBody>
-                  <a:tcPr marL="91450" marR="91450" marT="45725" marB="45725">
-                    <a:lnL w="12700" cap="flat" cmpd="sng">
-                      <a:solidFill>
-                        <a:schemeClr val="dk1"/>
-                      </a:solidFill>
-                      <a:prstDash val="solid"/>
-                      <a:round/>
-                      <a:headEnd type="none" w="sm" len="sm"/>
-                      <a:tailEnd type="none" w="sm" len="sm"/>
-                    </a:lnL>
-                    <a:lnR w="12700" cap="flat" cmpd="sng">
-                      <a:solidFill>
-                        <a:schemeClr val="dk1"/>
-                      </a:solidFill>
-                      <a:prstDash val="solid"/>
-                      <a:round/>
-                      <a:headEnd type="none" w="sm" len="sm"/>
-                      <a:tailEnd type="none" w="sm" len="sm"/>
-                    </a:lnR>
-                    <a:lnT w="12700" cap="flat" cmpd="sng">
-                      <a:solidFill>
-                        <a:schemeClr val="dk1"/>
-                      </a:solidFill>
-                      <a:prstDash val="solid"/>
-                      <a:round/>
-                      <a:headEnd type="none" w="sm" len="sm"/>
-                      <a:tailEnd type="none" w="sm" len="sm"/>
-                    </a:lnT>
-                    <a:lnB w="12700" cap="flat" cmpd="sng" algn="ctr">
-                      <a:solidFill>
-                        <a:schemeClr val="dk1"/>
-                      </a:solidFill>
-                      <a:prstDash val="solid"/>
-                      <a:round/>
-                      <a:headEnd type="none" w="sm" len="sm"/>
-                      <a:tailEnd type="none" w="sm" len="sm"/>
-                    </a:lnB>
-                    <a:solidFill>
-                      <a:schemeClr val="lt1"/>
-                    </a:solidFill>
-                  </a:tcPr>
-                </a:tc>
-                <a:extLst>
-                  <a:ext uri="{0D108BD9-81ED-4DB2-BD59-A6C34878D82A}">
-                    <a16:rowId xmlns:a16="http://schemas.microsoft.com/office/drawing/2014/main" xmlns="" val="10006"/>
-                  </a:ext>
-                </a:extLst>
-              </a:tr>
-              <a:tr h="505838">
-                <a:tc>
-                  <a:txBody>
-                    <a:bodyPr/>
-                    <a:lstStyle/>
-                    <a:p>
-                      <a:pPr marL="0" marR="0" lvl="0" indent="0" algn="ctr" defTabSz="914400" rtl="0" eaLnBrk="1" fontAlgn="auto" latinLnBrk="1" hangingPunct="1">
-                        <a:lnSpc>
-                          <a:spcPct val="100000"/>
-                        </a:lnSpc>
-                        <a:spcBef>
-                          <a:spcPts val="0"/>
-                        </a:spcBef>
-                        <a:spcAft>
-                          <a:spcPts val="0"/>
-                        </a:spcAft>
-                        <a:buClrTx/>
-                        <a:buSzTx/>
-                        <a:buFontTx/>
-                        <a:buNone/>
-                        <a:tabLst/>
-                        <a:defRPr/>
-                      </a:pPr>
-                      <a:endParaRPr lang="en-US" altLang="ko-KR" sz="1500" dirty="0" smtClean="0"/>
-                    </a:p>
-                  </a:txBody>
-                  <a:tcPr marL="91450" marR="91450" marT="45725" marB="45725" anchor="ctr">
-                    <a:lnL w="12700" cap="flat" cmpd="sng" algn="ctr">
-                      <a:solidFill>
-                        <a:schemeClr val="dk1"/>
-                      </a:solidFill>
-                      <a:prstDash val="solid"/>
-                      <a:round/>
-                      <a:headEnd type="none" w="sm" len="sm"/>
-                      <a:tailEnd type="none" w="sm" len="sm"/>
-                    </a:lnL>
-                    <a:lnR w="12700" cap="flat" cmpd="sng" algn="ctr">
-                      <a:solidFill>
-                        <a:schemeClr val="dk1"/>
-                      </a:solidFill>
-                      <a:prstDash val="solid"/>
-                      <a:round/>
-                      <a:headEnd type="none" w="sm" len="sm"/>
-                      <a:tailEnd type="none" w="sm" len="sm"/>
-                    </a:lnR>
-                    <a:lnT w="12700" cap="flat" cmpd="sng" algn="ctr">
-                      <a:solidFill>
-                        <a:schemeClr val="dk1"/>
-                      </a:solidFill>
-                      <a:prstDash val="solid"/>
-                      <a:round/>
-                      <a:headEnd type="none" w="sm" len="sm"/>
-                      <a:tailEnd type="none" w="sm" len="sm"/>
-                    </a:lnT>
-                    <a:lnB w="12700" cap="flat" cmpd="sng">
-                      <a:solidFill>
-                        <a:schemeClr val="dk1"/>
-                      </a:solidFill>
-                      <a:prstDash val="solid"/>
-                      <a:round/>
-                      <a:headEnd type="none" w="sm" len="sm"/>
-                      <a:tailEnd type="none" w="sm" len="sm"/>
-                    </a:lnB>
-                    <a:solidFill>
-                      <a:schemeClr val="lt1"/>
-                    </a:solidFill>
-                  </a:tcPr>
-                </a:tc>
-                <a:tc>
-                  <a:txBody>
-                    <a:bodyPr/>
-                    <a:lstStyle/>
-                    <a:p>
-                      <a:pPr marL="0" marR="0" lvl="0" indent="0" algn="l" defTabSz="914400" rtl="0" eaLnBrk="1" fontAlgn="auto" latinLnBrk="1" hangingPunct="1">
-                        <a:lnSpc>
-                          <a:spcPct val="100000"/>
-                        </a:lnSpc>
-                        <a:spcBef>
-                          <a:spcPts val="0"/>
-                        </a:spcBef>
-                        <a:spcAft>
-                          <a:spcPts val="0"/>
-                        </a:spcAft>
-                        <a:buClrTx/>
-                        <a:buSzTx/>
-                        <a:buFontTx/>
-                        <a:buNone/>
-                        <a:tabLst/>
-                        <a:defRPr/>
-                      </a:pPr>
-                      <a:r>
-                        <a:rPr lang="en-US" altLang="ko-KR" sz="1500" dirty="0" err="1" smtClean="0"/>
-                        <a:t>jQuery</a:t>
-                      </a:r>
-                      <a:r>
-                        <a:rPr lang="en-US" altLang="ko-KR" sz="1500" baseline="0" dirty="0" smtClean="0"/>
-                        <a:t> – </a:t>
-                      </a:r>
-                      <a:r>
-                        <a:rPr lang="ko-KR" altLang="en-US" sz="1500" baseline="0" dirty="0" smtClean="0"/>
-                        <a:t>아코디언 </a:t>
-                      </a:r>
-                      <a:r>
-                        <a:rPr lang="ko-KR" altLang="en-US" sz="1500" baseline="0" dirty="0" err="1" smtClean="0"/>
-                        <a:t>메서드</a:t>
-                      </a:r>
-                      <a:r>
-                        <a:rPr lang="ko-KR" altLang="en-US" sz="1500" baseline="0" dirty="0" smtClean="0"/>
-                        <a:t> 사용</a:t>
-                      </a:r>
-                      <a:endParaRPr lang="en-US" altLang="ko-KR" sz="1500" baseline="0" dirty="0" smtClean="0"/>
-                    </a:p>
-                  </a:txBody>
-                  <a:tcPr marL="91450" marR="91450" marT="45725" marB="45725">
-                    <a:lnL w="12700" cap="flat" cmpd="sng" algn="ctr">
-                      <a:solidFill>
-                        <a:schemeClr val="dk1"/>
-                      </a:solidFill>
-                      <a:prstDash val="solid"/>
-                      <a:round/>
-                      <a:headEnd type="none" w="sm" len="sm"/>
-                      <a:tailEnd type="none" w="sm" len="sm"/>
-                    </a:lnL>
-                    <a:lnR w="12700" cap="flat" cmpd="sng" algn="ctr">
-                      <a:solidFill>
-                        <a:schemeClr val="dk1"/>
-                      </a:solidFill>
-                      <a:prstDash val="solid"/>
-                      <a:round/>
-                      <a:headEnd type="none" w="sm" len="sm"/>
-                      <a:tailEnd type="none" w="sm" len="sm"/>
-                    </a:lnR>
-                    <a:lnT w="12700" cap="flat" cmpd="sng" algn="ctr">
-                      <a:solidFill>
-                        <a:schemeClr val="dk1"/>
-                      </a:solidFill>
-                      <a:prstDash val="solid"/>
-                      <a:round/>
-                      <a:headEnd type="none" w="sm" len="sm"/>
-                      <a:tailEnd type="none" w="sm" len="sm"/>
-                    </a:lnT>
-                    <a:lnB w="12700" cap="flat" cmpd="sng">
-                      <a:solidFill>
-                        <a:schemeClr val="dk1"/>
-                      </a:solidFill>
-                      <a:prstDash val="solid"/>
-                      <a:round/>
-                      <a:headEnd type="none" w="sm" len="sm"/>
-                      <a:tailEnd type="none" w="sm" len="sm"/>
-                    </a:lnB>
-                    <a:solidFill>
-                      <a:schemeClr val="lt1"/>
-                    </a:solidFill>
-                  </a:tcPr>
-                </a:tc>
-                <a:extLst>
-                  <a:ext uri="{0D108BD9-81ED-4DB2-BD59-A6C34878D82A}">
-                    <a16:rowId xmlns:a16="http://schemas.microsoft.com/office/drawing/2014/main" xmlns="" val="10007"/>
-                  </a:ext>
-                </a:extLst>
-              </a:tr>
-            </a:tbl>
-          </a:graphicData>
-        </a:graphic>
-      </p:graphicFrame>
-      <p:pic>
-        <p:nvPicPr>
-          <p:cNvPr id="10" name="Picture 3"/>
-          <p:cNvPicPr>
-            <a:picLocks noChangeAspect="1" noChangeArrowheads="1"/>
-          </p:cNvPicPr>
-          <p:nvPr/>
-        </p:nvPicPr>
-        <p:blipFill>
-          <a:blip r:embed="rId2">
-            <a:extLst>
-              <a:ext uri="{28A0092B-C50C-407E-A947-70E740481C1C}">
-                <a14:useLocalDpi xmlns:a14="http://schemas.microsoft.com/office/drawing/2010/main" val="0"/>
-              </a:ext>
-            </a:extLst>
-          </a:blip>
-          <a:srcRect/>
-          <a:stretch>
-            <a:fillRect/>
-          </a:stretch>
-        </p:blipFill>
-        <p:spPr bwMode="auto">
-          <a:xfrm>
-            <a:off x="126103" y="1882570"/>
-            <a:ext cx="8128897" cy="4690182"/>
-          </a:xfrm>
-          <a:prstGeom prst="rect">
-            <a:avLst/>
-          </a:prstGeom>
-          <a:noFill/>
-          <a:ln>
-            <a:noFill/>
-          </a:ln>
-          <a:effectLst/>
-          <a:extLst>
-            <a:ext uri="{909E8E84-426E-40DD-AFC4-6F175D3DCCD1}">
-              <a14:hiddenFill xmlns:a14="http://schemas.microsoft.com/office/drawing/2010/main">
-                <a:solidFill>
-                  <a:schemeClr val="accent1"/>
-                </a:solidFill>
-              </a14:hiddenFill>
-            </a:ext>
-            <a:ext uri="{91240B29-F687-4F45-9708-019B960494DF}">
-              <a14:hiddenLine xmlns:a14="http://schemas.microsoft.com/office/drawing/2010/main" w="9525">
-                <a:solidFill>
-                  <a:schemeClr val="tx1"/>
-                </a:solidFill>
-                <a:miter lim="800000"/>
-                <a:headEnd/>
-                <a:tailEnd/>
-              </a14:hiddenLine>
-            </a:ext>
-            <a:ext uri="{AF507438-7753-43E0-B8FC-AC1667EBCBE1}">
-              <a14:hiddenEffects xmlns:a14="http://schemas.microsoft.com/office/drawing/2010/main">
-                <a:effectLst>
-                  <a:outerShdw dist="35921" dir="2700000" algn="ctr" rotWithShape="0">
-                    <a:schemeClr val="bg2"/>
-                  </a:outerShdw>
-                </a:effectLst>
-              </a14:hiddenEffects>
-            </a:ext>
-          </a:extLst>
-        </p:spPr>
-      </p:pic>
-      <p:sp>
-        <p:nvSpPr>
-          <p:cNvPr id="11" name="직사각형 10"/>
-          <p:cNvSpPr/>
-          <p:nvPr/>
-        </p:nvSpPr>
-        <p:spPr>
-          <a:xfrm>
-            <a:off x="414866" y="2257660"/>
-            <a:ext cx="7721600" cy="1422400"/>
-          </a:xfrm>
-          <a:prstGeom prst="rect">
-            <a:avLst/>
-          </a:prstGeom>
-          <a:noFill/>
-          <a:ln w="38100">
-            <a:solidFill>
-              <a:srgbClr val="FF0000"/>
-            </a:solidFill>
-          </a:ln>
-        </p:spPr>
-        <p:style>
-          <a:lnRef idx="2">
-            <a:schemeClr val="accent1">
-              <a:shade val="50000"/>
-            </a:schemeClr>
-          </a:lnRef>
-          <a:fillRef idx="1">
-            <a:schemeClr val="accent1"/>
-          </a:fillRef>
-          <a:effectRef idx="0">
-            <a:schemeClr val="accent1"/>
-          </a:effectRef>
-          <a:fontRef idx="minor">
-            <a:schemeClr val="lt1"/>
-          </a:fontRef>
-        </p:style>
-        <p:txBody>
-          <a:bodyPr rtlCol="0" anchor="ctr"/>
-          <a:lstStyle/>
-          <a:p>
-            <a:pPr algn="ctr"/>
-            <a:endParaRPr lang="ko-KR" altLang="en-US"/>
-          </a:p>
-        </p:txBody>
-      </p:sp>
-      <p:sp>
-        <p:nvSpPr>
-          <p:cNvPr id="12" name="Google Shape;173;g7c553259d1_0_81"/>
-          <p:cNvSpPr/>
-          <p:nvPr/>
-        </p:nvSpPr>
-        <p:spPr>
-          <a:xfrm>
-            <a:off x="70237" y="2806560"/>
-            <a:ext cx="302700" cy="324600"/>
-          </a:xfrm>
-          <a:prstGeom prst="rect">
-            <a:avLst/>
-          </a:prstGeom>
-          <a:solidFill>
-            <a:srgbClr val="FF0000"/>
-          </a:solidFill>
-          <a:ln>
-            <a:noFill/>
-          </a:ln>
-        </p:spPr>
-        <p:txBody>
-          <a:bodyPr spcFirstLastPara="1" wrap="square" lIns="91425" tIns="45700" rIns="91425" bIns="45700" anchor="ctr" anchorCtr="0">
-            <a:noAutofit/>
-          </a:bodyPr>
-          <a:lstStyle/>
-          <a:p>
-            <a:pPr marL="0" marR="0" lvl="0" indent="0" algn="ctr" rtl="0">
-              <a:lnSpc>
-                <a:spcPct val="100000"/>
-              </a:lnSpc>
-              <a:spcBef>
-                <a:spcPts val="0"/>
-              </a:spcBef>
-              <a:spcAft>
-                <a:spcPts val="0"/>
-              </a:spcAft>
-              <a:buClr>
-                <a:srgbClr val="000000"/>
-              </a:buClr>
-              <a:buSzPts val="1800"/>
-              <a:buFont typeface="Arial"/>
-              <a:buNone/>
-            </a:pPr>
-            <a:r>
-              <a:rPr lang="ko-KR" sz="1800" b="1" i="0" u="none" strike="noStrike" cap="none" dirty="0">
-                <a:latin typeface="Malgun Gothic"/>
-                <a:ea typeface="Malgun Gothic"/>
-                <a:cs typeface="Malgun Gothic"/>
-                <a:sym typeface="Malgun Gothic"/>
-              </a:rPr>
-              <a:t>1</a:t>
-            </a:r>
-            <a:endParaRPr sz="1800" b="1" i="0" u="none" strike="noStrike" cap="none" dirty="0">
-              <a:latin typeface="Malgun Gothic"/>
-              <a:ea typeface="Malgun Gothic"/>
-              <a:cs typeface="Malgun Gothic"/>
-              <a:sym typeface="Malgun Gothic"/>
-            </a:endParaRPr>
-          </a:p>
-        </p:txBody>
-      </p:sp>
-      <p:sp>
-        <p:nvSpPr>
-          <p:cNvPr id="13" name="직사각형 12"/>
-          <p:cNvSpPr/>
-          <p:nvPr/>
-        </p:nvSpPr>
-        <p:spPr>
-          <a:xfrm>
-            <a:off x="415272" y="3756257"/>
-            <a:ext cx="7721600" cy="2548470"/>
-          </a:xfrm>
-          <a:prstGeom prst="rect">
-            <a:avLst/>
-          </a:prstGeom>
-          <a:noFill/>
-          <a:ln w="38100">
-            <a:solidFill>
-              <a:srgbClr val="FF0000"/>
-            </a:solidFill>
-          </a:ln>
-        </p:spPr>
-        <p:style>
-          <a:lnRef idx="2">
-            <a:schemeClr val="accent1">
-              <a:shade val="50000"/>
-            </a:schemeClr>
-          </a:lnRef>
-          <a:fillRef idx="1">
-            <a:schemeClr val="accent1"/>
-          </a:fillRef>
-          <a:effectRef idx="0">
-            <a:schemeClr val="accent1"/>
-          </a:effectRef>
-          <a:fontRef idx="minor">
-            <a:schemeClr val="lt1"/>
-          </a:fontRef>
-        </p:style>
-        <p:txBody>
-          <a:bodyPr rtlCol="0" anchor="ctr"/>
-          <a:lstStyle/>
-          <a:p>
-            <a:pPr algn="ctr"/>
-            <a:endParaRPr lang="ko-KR" altLang="en-US"/>
-          </a:p>
-        </p:txBody>
-      </p:sp>
-      <p:sp>
-        <p:nvSpPr>
-          <p:cNvPr id="14" name="Google Shape;173;g7c553259d1_0_81"/>
-          <p:cNvSpPr/>
-          <p:nvPr/>
-        </p:nvSpPr>
-        <p:spPr>
-          <a:xfrm>
-            <a:off x="70237" y="4868192"/>
-            <a:ext cx="302700" cy="324600"/>
-          </a:xfrm>
-          <a:prstGeom prst="rect">
-            <a:avLst/>
-          </a:prstGeom>
-          <a:solidFill>
-            <a:srgbClr val="FF0000"/>
-          </a:solidFill>
-          <a:ln>
-            <a:noFill/>
-          </a:ln>
-        </p:spPr>
-        <p:txBody>
-          <a:bodyPr spcFirstLastPara="1" wrap="square" lIns="91425" tIns="45700" rIns="91425" bIns="45700" anchor="ctr" anchorCtr="0">
-            <a:noAutofit/>
-          </a:bodyPr>
-          <a:lstStyle/>
-          <a:p>
-            <a:pPr marL="0" marR="0" lvl="0" indent="0" algn="ctr" rtl="0">
-              <a:lnSpc>
-                <a:spcPct val="100000"/>
-              </a:lnSpc>
-              <a:spcBef>
-                <a:spcPts val="0"/>
-              </a:spcBef>
-              <a:spcAft>
-                <a:spcPts val="0"/>
-              </a:spcAft>
-              <a:buClr>
-                <a:srgbClr val="000000"/>
-              </a:buClr>
-              <a:buSzPts val="1800"/>
-              <a:buFont typeface="Arial"/>
-              <a:buNone/>
-            </a:pPr>
-            <a:r>
-              <a:rPr lang="en-US" b="1" dirty="0">
-                <a:latin typeface="Malgun Gothic"/>
-                <a:ea typeface="Malgun Gothic"/>
-                <a:cs typeface="Malgun Gothic"/>
-                <a:sym typeface="Malgun Gothic"/>
-              </a:rPr>
-              <a:t>2</a:t>
-            </a:r>
-            <a:endParaRPr sz="1800" b="1" i="0" u="none" strike="noStrike" cap="none" dirty="0">
-              <a:latin typeface="Malgun Gothic"/>
-              <a:ea typeface="Malgun Gothic"/>
-              <a:cs typeface="Malgun Gothic"/>
-              <a:sym typeface="Malgun Gothic"/>
-            </a:endParaRPr>
-          </a:p>
-        </p:txBody>
-      </p:sp>
-      <p:graphicFrame>
-        <p:nvGraphicFramePr>
-          <p:cNvPr id="16" name="표 15"/>
-          <p:cNvGraphicFramePr>
-            <a:graphicFrameLocks noGrp="1"/>
-          </p:cNvGraphicFramePr>
-          <p:nvPr>
-            <p:extLst>
-              <p:ext uri="{D42A27DB-BD31-4B8C-83A1-F6EECF244321}">
-                <p14:modId xmlns:p14="http://schemas.microsoft.com/office/powerpoint/2010/main" val="333692148"/>
-              </p:ext>
-            </p:extLst>
-          </p:nvPr>
-        </p:nvGraphicFramePr>
-        <p:xfrm>
-          <a:off x="8446864" y="1502391"/>
-          <a:ext cx="1944216" cy="640100"/>
-        </p:xfrm>
-        <a:graphic>
-          <a:graphicData uri="http://schemas.openxmlformats.org/drawingml/2006/table">
-            <a:tbl>
-              <a:tblPr firstRow="1" bandRow="1">
-                <a:noFill/>
-              </a:tblPr>
-              <a:tblGrid>
-                <a:gridCol w="1944216"/>
-              </a:tblGrid>
-              <a:tr h="168164">
-                <a:tc>
-                  <a:txBody>
-                    <a:bodyPr/>
-                    <a:lstStyle/>
-                    <a:p>
-                      <a:pPr marL="0" marR="0" lvl="0" indent="0" algn="ctr" rtl="0">
-                        <a:lnSpc>
-                          <a:spcPct val="100000"/>
-                        </a:lnSpc>
-                        <a:spcBef>
-                          <a:spcPts val="0"/>
-                        </a:spcBef>
-                        <a:spcAft>
-                          <a:spcPts val="0"/>
-                        </a:spcAft>
-                        <a:buClr>
-                          <a:srgbClr val="000000"/>
-                        </a:buClr>
-                        <a:buSzPts val="1500"/>
-                        <a:buFont typeface="Arial"/>
-                        <a:buNone/>
-                      </a:pPr>
-                      <a:r>
-                        <a:rPr lang="ko-KR" altLang="en-US" sz="1500" b="0" u="none" strike="noStrike" cap="none" dirty="0" smtClean="0">
-                          <a:solidFill>
-                            <a:schemeClr val="dk1"/>
-                          </a:solidFill>
-                        </a:rPr>
-                        <a:t>화면코드</a:t>
-                      </a:r>
-                      <a:endParaRPr sz="1500" b="0" u="none" strike="noStrike" cap="none" dirty="0">
-                        <a:solidFill>
-                          <a:schemeClr val="dk1"/>
-                        </a:solidFill>
-                      </a:endParaRPr>
-                    </a:p>
-                  </a:txBody>
-                  <a:tcPr marL="74304" marR="74304" marT="45725" marB="45725" anchor="ctr">
-                    <a:lnL w="12700" cap="flat" cmpd="sng">
-                      <a:solidFill>
-                        <a:schemeClr val="dk1"/>
-                      </a:solidFill>
-                      <a:prstDash val="solid"/>
-                      <a:round/>
-                      <a:headEnd type="none" w="sm" len="sm"/>
-                      <a:tailEnd type="none" w="sm" len="sm"/>
-                    </a:lnL>
-                    <a:lnR w="12700" cap="flat" cmpd="sng">
-                      <a:solidFill>
-                        <a:schemeClr val="dk1"/>
-                      </a:solidFill>
-                      <a:prstDash val="solid"/>
-                      <a:round/>
-                      <a:headEnd type="none" w="sm" len="sm"/>
-                      <a:tailEnd type="none" w="sm" len="sm"/>
-                    </a:lnR>
-                    <a:lnT w="12700" cap="flat" cmpd="sng">
-                      <a:solidFill>
-                        <a:schemeClr val="dk1"/>
-                      </a:solidFill>
-                      <a:prstDash val="solid"/>
-                      <a:round/>
-                      <a:headEnd type="none" w="sm" len="sm"/>
-                      <a:tailEnd type="none" w="sm" len="sm"/>
-                    </a:lnT>
-                    <a:lnB w="12700" cap="flat" cmpd="sng" algn="ctr">
-                      <a:solidFill>
-                        <a:schemeClr val="dk1"/>
-                      </a:solidFill>
-                      <a:prstDash val="solid"/>
-                      <a:round/>
-                      <a:headEnd type="none" w="sm" len="sm"/>
-                      <a:tailEnd type="none" w="sm" len="sm"/>
-                    </a:lnB>
-                    <a:solidFill>
-                      <a:srgbClr val="D8D8D8"/>
-                    </a:solidFill>
-                  </a:tcPr>
-                </a:tc>
-              </a:tr>
-              <a:tr h="168164">
-                <a:tc>
-                  <a:txBody>
-                    <a:bodyPr/>
-                    <a:lstStyle/>
-                    <a:p>
-                      <a:pPr marL="0" marR="0" lvl="0" indent="0" algn="ctr" defTabSz="914400" rtl="0" eaLnBrk="1" fontAlgn="auto" latinLnBrk="1" hangingPunct="1">
-                        <a:lnSpc>
-                          <a:spcPct val="100000"/>
-                        </a:lnSpc>
-                        <a:spcBef>
-                          <a:spcPts val="0"/>
-                        </a:spcBef>
-                        <a:spcAft>
-                          <a:spcPts val="0"/>
-                        </a:spcAft>
-                        <a:buClr>
-                          <a:srgbClr val="000000"/>
-                        </a:buClr>
-                        <a:buSzPts val="1500"/>
-                        <a:buFont typeface="Arial"/>
-                        <a:buNone/>
-                        <a:tabLst/>
-                        <a:defRPr/>
-                      </a:pPr>
-                      <a:r>
-                        <a:rPr lang="en-US" altLang="ko-KR" sz="1500" b="0" u="none" strike="noStrike" cap="none" dirty="0" err="1" smtClean="0">
-                          <a:solidFill>
-                            <a:schemeClr val="dk1"/>
-                          </a:solidFill>
-                        </a:rPr>
-                        <a:t>ht_user_w_notice</a:t>
-                      </a:r>
-                      <a:endParaRPr lang="en-US" altLang="ko-KR" sz="1500" b="0" u="none" strike="noStrike" cap="none" dirty="0" smtClean="0">
-                        <a:solidFill>
-                          <a:schemeClr val="dk1"/>
-                        </a:solidFill>
-                      </a:endParaRPr>
-                    </a:p>
-                  </a:txBody>
-                  <a:tcPr marL="74304" marR="74304" marT="45725" marB="45725" anchor="ctr">
-                    <a:lnL w="12700" cap="flat" cmpd="sng" algn="ctr">
-                      <a:solidFill>
-                        <a:schemeClr val="dk1"/>
-                      </a:solidFill>
-                      <a:prstDash val="solid"/>
-                      <a:round/>
-                      <a:headEnd type="none" w="sm" len="sm"/>
-                      <a:tailEnd type="none" w="sm" len="sm"/>
-                    </a:lnL>
-                    <a:lnR w="12700" cap="flat" cmpd="sng" algn="ctr">
-                      <a:solidFill>
-                        <a:schemeClr val="dk1"/>
-                      </a:solidFill>
-                      <a:prstDash val="solid"/>
-                      <a:round/>
-                      <a:headEnd type="none" w="sm" len="sm"/>
-                      <a:tailEnd type="none" w="sm" len="sm"/>
-                    </a:lnR>
-                    <a:lnT w="12700" cap="flat" cmpd="sng" algn="ctr">
-                      <a:solidFill>
-                        <a:schemeClr val="dk1"/>
-                      </a:solidFill>
-                      <a:prstDash val="solid"/>
-                      <a:round/>
-                      <a:headEnd type="none" w="sm" len="sm"/>
-                      <a:tailEnd type="none" w="sm" len="sm"/>
-                    </a:lnT>
-                    <a:lnB w="12700" cap="flat" cmpd="sng">
-                      <a:solidFill>
-                        <a:schemeClr val="dk1"/>
-                      </a:solidFill>
-                      <a:prstDash val="solid"/>
-                      <a:round/>
-                      <a:headEnd type="none" w="sm" len="sm"/>
-                      <a:tailEnd type="none" w="sm" len="sm"/>
-                    </a:lnB>
-                    <a:solidFill>
-                      <a:schemeClr val="bg1"/>
-                    </a:solidFill>
-                  </a:tcPr>
-                </a:tc>
-              </a:tr>
-            </a:tbl>
-          </a:graphicData>
-        </a:graphic>
-      </p:graphicFrame>
-    </p:spTree>
-    <p:extLst>
-      <p:ext uri="{BB962C8B-B14F-4D97-AF65-F5344CB8AC3E}">
-        <p14:creationId xmlns:p14="http://schemas.microsoft.com/office/powerpoint/2010/main" val="3665571203"/>
-      </p:ext>
-    </p:extLst>
-  </p:cSld>
-  <p:clrMapOvr>
-    <a:masterClrMapping/>
-  </p:clrMapOvr>
-  <p:timing>
-    <p:tnLst>
-      <p:par>
-        <p:cTn id="1" dur="indefinite" restart="never" nodeType="tmRoot"/>
-      </p:par>
-    </p:tnLst>
-  </p:timing>
-</p:sld>
-</file>
-
-<file path=ppt/slides/slide5.xml><?xml version="1.0" encoding="utf-8"?>
-<p:sld xmlns:a="http://schemas.openxmlformats.org/drawingml/2006/main" xmlns:r="http://schemas.openxmlformats.org/officeDocument/2006/relationships" xmlns:p="http://schemas.openxmlformats.org/presentationml/2006/main">
-  <p:cSld>
-    <p:spTree>
-      <p:nvGrpSpPr>
-        <p:cNvPr id="1" name=""/>
-        <p:cNvGrpSpPr/>
-        <p:nvPr/>
-      </p:nvGrpSpPr>
-      <p:grpSpPr>
-        <a:xfrm>
-          <a:off x="0" y="0"/>
-          <a:ext cx="0" cy="0"/>
-          <a:chOff x="0" y="0"/>
-          <a:chExt cx="0" cy="0"/>
-        </a:xfrm>
-      </p:grpSpPr>
-      <p:sp>
-        <p:nvSpPr>
-          <p:cNvPr id="5" name="제목 1"/>
-          <p:cNvSpPr>
-            <a:spLocks noGrp="1"/>
-          </p:cNvSpPr>
-          <p:nvPr>
-            <p:ph type="title"/>
-          </p:nvPr>
-        </p:nvSpPr>
-        <p:spPr>
-          <a:xfrm>
-            <a:off x="1925506" y="116634"/>
-            <a:ext cx="7837090" cy="796925"/>
-          </a:xfrm>
-        </p:spPr>
-        <p:txBody>
-          <a:bodyPr/>
-          <a:lstStyle/>
-          <a:p>
-            <a:r>
-              <a:rPr lang="en-US" altLang="ko-KR" dirty="0"/>
-              <a:t>[</a:t>
-            </a:r>
-            <a:r>
-              <a:rPr lang="ko-KR" altLang="en-US" dirty="0"/>
-              <a:t>화면 설계</a:t>
-            </a:r>
-            <a:r>
-              <a:rPr lang="en-US" altLang="ko-KR" dirty="0"/>
-              <a:t>] </a:t>
-            </a:r>
-            <a:r>
-              <a:rPr lang="ko-KR" altLang="en-US" dirty="0"/>
-              <a:t>사용자 </a:t>
-            </a:r>
-            <a:r>
-              <a:rPr lang="en-US" altLang="ko-KR" dirty="0"/>
-              <a:t>- </a:t>
-            </a:r>
-            <a:r>
-              <a:rPr lang="ko-KR" altLang="en-US" dirty="0"/>
-              <a:t>웹 </a:t>
-            </a:r>
-            <a:r>
-              <a:rPr lang="en-US" altLang="ko-KR" dirty="0" smtClean="0"/>
-              <a:t>- </a:t>
-            </a:r>
-            <a:r>
-              <a:rPr lang="ko-KR" altLang="en-US" dirty="0" smtClean="0"/>
-              <a:t>게시판 </a:t>
-            </a:r>
-            <a:r>
-              <a:rPr lang="en-US" altLang="ko-KR" dirty="0" smtClean="0"/>
-              <a:t>- </a:t>
-            </a:r>
-            <a:r>
-              <a:rPr lang="ko-KR" altLang="en-US" dirty="0" smtClean="0"/>
-              <a:t>공지사항</a:t>
-            </a:r>
-            <a:endParaRPr lang="ko-KR" altLang="en-US" dirty="0"/>
-          </a:p>
-        </p:txBody>
-      </p:sp>
-      <p:grpSp>
-        <p:nvGrpSpPr>
-          <p:cNvPr id="4" name="그룹 3"/>
-          <p:cNvGrpSpPr/>
-          <p:nvPr/>
-        </p:nvGrpSpPr>
-        <p:grpSpPr>
-          <a:xfrm>
-            <a:off x="10516241" y="5877272"/>
-            <a:ext cx="193918" cy="537004"/>
-            <a:chOff x="4815008" y="1484784"/>
-            <a:chExt cx="216024" cy="648072"/>
-          </a:xfrm>
-        </p:grpSpPr>
-        <p:sp>
-          <p:nvSpPr>
-            <p:cNvPr id="6" name="직사각형 5"/>
-            <p:cNvSpPr/>
-            <p:nvPr/>
-          </p:nvSpPr>
-          <p:spPr>
-            <a:xfrm>
-              <a:off x="4815008" y="1484784"/>
-              <a:ext cx="216024" cy="216024"/>
-            </a:xfrm>
-            <a:prstGeom prst="rect">
-              <a:avLst/>
-            </a:prstGeom>
-            <a:solidFill>
-              <a:srgbClr val="48C0DC"/>
-            </a:solidFill>
-            <a:ln>
-              <a:noFill/>
-            </a:ln>
-          </p:spPr>
-          <p:style>
-            <a:lnRef idx="2">
-              <a:schemeClr val="accent1">
-                <a:shade val="50000"/>
-              </a:schemeClr>
-            </a:lnRef>
-            <a:fillRef idx="1">
-              <a:schemeClr val="accent1"/>
-            </a:fillRef>
-            <a:effectRef idx="0">
-              <a:schemeClr val="accent1"/>
-            </a:effectRef>
-            <a:fontRef idx="minor">
-              <a:schemeClr val="lt1"/>
-            </a:fontRef>
-          </p:style>
-          <p:txBody>
-            <a:bodyPr rtlCol="0" anchor="ctr"/>
-            <a:lstStyle/>
-            <a:p>
-              <a:pPr algn="ctr"/>
-              <a:endParaRPr lang="ko-KR" altLang="en-US"/>
-            </a:p>
-          </p:txBody>
-        </p:sp>
-        <p:sp>
-          <p:nvSpPr>
-            <p:cNvPr id="7" name="직사각형 6"/>
-            <p:cNvSpPr/>
-            <p:nvPr/>
-          </p:nvSpPr>
-          <p:spPr>
-            <a:xfrm>
-              <a:off x="4815008" y="1700808"/>
-              <a:ext cx="216024" cy="216024"/>
-            </a:xfrm>
-            <a:prstGeom prst="rect">
-              <a:avLst/>
-            </a:prstGeom>
-            <a:solidFill>
-              <a:srgbClr val="194B57"/>
-            </a:solidFill>
-            <a:ln>
-              <a:noFill/>
-            </a:ln>
-          </p:spPr>
-          <p:style>
-            <a:lnRef idx="2">
-              <a:schemeClr val="accent1">
-                <a:shade val="50000"/>
-              </a:schemeClr>
-            </a:lnRef>
-            <a:fillRef idx="1">
-              <a:schemeClr val="accent1"/>
-            </a:fillRef>
-            <a:effectRef idx="0">
-              <a:schemeClr val="accent1"/>
-            </a:effectRef>
-            <a:fontRef idx="minor">
-              <a:schemeClr val="lt1"/>
-            </a:fontRef>
-          </p:style>
-          <p:txBody>
-            <a:bodyPr rtlCol="0" anchor="ctr"/>
-            <a:lstStyle/>
-            <a:p>
-              <a:pPr algn="ctr"/>
-              <a:endParaRPr lang="ko-KR" altLang="en-US"/>
-            </a:p>
-          </p:txBody>
-        </p:sp>
-        <p:sp>
-          <p:nvSpPr>
-            <p:cNvPr id="8" name="직사각형 7"/>
-            <p:cNvSpPr/>
-            <p:nvPr/>
-          </p:nvSpPr>
-          <p:spPr>
-            <a:xfrm>
-              <a:off x="4815008" y="1916832"/>
-              <a:ext cx="216024" cy="216024"/>
-            </a:xfrm>
-            <a:prstGeom prst="rect">
-              <a:avLst/>
-            </a:prstGeom>
-            <a:solidFill>
-              <a:srgbClr val="472179"/>
-            </a:solidFill>
-            <a:ln>
-              <a:noFill/>
-            </a:ln>
-          </p:spPr>
-          <p:style>
-            <a:lnRef idx="2">
-              <a:schemeClr val="accent1">
-                <a:shade val="50000"/>
-              </a:schemeClr>
-            </a:lnRef>
-            <a:fillRef idx="1">
-              <a:schemeClr val="accent1"/>
-            </a:fillRef>
-            <a:effectRef idx="0">
-              <a:schemeClr val="accent1"/>
-            </a:effectRef>
-            <a:fontRef idx="minor">
-              <a:schemeClr val="lt1"/>
-            </a:fontRef>
-          </p:style>
-          <p:txBody>
-            <a:bodyPr rtlCol="0" anchor="ctr"/>
-            <a:lstStyle/>
-            <a:p>
-              <a:pPr algn="ctr"/>
-              <a:endParaRPr lang="ko-KR" altLang="en-US">
-                <a:solidFill>
-                  <a:srgbClr val="6521AF"/>
-                </a:solidFill>
-              </a:endParaRPr>
-            </a:p>
-          </p:txBody>
-        </p:sp>
-      </p:grpSp>
-      <p:sp>
-        <p:nvSpPr>
-          <p:cNvPr id="2" name="내용 개체 틀 1"/>
-          <p:cNvSpPr>
-            <a:spLocks noGrp="1"/>
-          </p:cNvSpPr>
-          <p:nvPr>
-            <p:ph idx="1"/>
-          </p:nvPr>
-        </p:nvSpPr>
-        <p:spPr/>
-        <p:txBody>
-          <a:bodyPr/>
-          <a:lstStyle/>
-          <a:p>
-            <a:endParaRPr lang="ko-KR" altLang="en-US" dirty="0"/>
-          </a:p>
-        </p:txBody>
-      </p:sp>
-      <p:graphicFrame>
-        <p:nvGraphicFramePr>
-          <p:cNvPr id="9" name="Google Shape;169;g7c553259d1_0_81"/>
-          <p:cNvGraphicFramePr/>
-          <p:nvPr>
-            <p:extLst>
-              <p:ext uri="{D42A27DB-BD31-4B8C-83A1-F6EECF244321}">
-                <p14:modId xmlns:p14="http://schemas.microsoft.com/office/powerpoint/2010/main" val="111306260"/>
-              </p:ext>
-            </p:extLst>
-          </p:nvPr>
-        </p:nvGraphicFramePr>
-        <p:xfrm>
-          <a:off x="8484285" y="2239761"/>
-          <a:ext cx="3532000" cy="3816512"/>
-        </p:xfrm>
-        <a:graphic>
-          <a:graphicData uri="http://schemas.openxmlformats.org/drawingml/2006/table">
-            <a:tbl>
-              <a:tblPr firstRow="1" bandRow="1">
-                <a:noFill/>
-              </a:tblPr>
-              <a:tblGrid>
-                <a:gridCol w="382900">
-                  <a:extLst>
-                    <a:ext uri="{9D8B030D-6E8A-4147-A177-3AD203B41FA5}">
-                      <a16:colId xmlns:a16="http://schemas.microsoft.com/office/drawing/2014/main" xmlns="" val="20000"/>
-                    </a:ext>
-                  </a:extLst>
-                </a:gridCol>
-                <a:gridCol w="3149100">
-                  <a:extLst>
-                    <a:ext uri="{9D8B030D-6E8A-4147-A177-3AD203B41FA5}">
-                      <a16:colId xmlns:a16="http://schemas.microsoft.com/office/drawing/2014/main" xmlns="" val="20001"/>
-                    </a:ext>
-                  </a:extLst>
-                </a:gridCol>
-              </a:tblGrid>
-              <a:tr h="326207">
-                <a:tc>
-                  <a:txBody>
-                    <a:bodyPr/>
-                    <a:lstStyle/>
-                    <a:p>
-                      <a:pPr marL="0" marR="0" lvl="0" indent="0" algn="ctr" rtl="0">
-                        <a:lnSpc>
-                          <a:spcPct val="100000"/>
-                        </a:lnSpc>
-                        <a:spcBef>
-                          <a:spcPts val="0"/>
-                        </a:spcBef>
-                        <a:spcAft>
-                          <a:spcPts val="0"/>
-                        </a:spcAft>
-                        <a:buClr>
-                          <a:srgbClr val="000000"/>
-                        </a:buClr>
-                        <a:buSzPts val="1500"/>
-                        <a:buFont typeface="Arial"/>
-                        <a:buNone/>
-                      </a:pPr>
-                      <a:r>
-                        <a:rPr lang="ko-KR" sz="1500" u="none" strike="noStrike" cap="none" dirty="0">
-                          <a:solidFill>
-                            <a:schemeClr val="dk1"/>
-                          </a:solidFill>
-                        </a:rPr>
-                        <a:t>#</a:t>
-                      </a:r>
-                      <a:endParaRPr sz="1500" u="none" strike="noStrike" cap="none" dirty="0">
-                        <a:solidFill>
-                          <a:schemeClr val="dk1"/>
-                        </a:solidFill>
-                      </a:endParaRPr>
-                    </a:p>
-                  </a:txBody>
-                  <a:tcPr marL="91450" marR="91450" marT="45725" marB="45725" anchor="ctr">
-                    <a:lnL w="12700" cap="flat" cmpd="sng">
-                      <a:solidFill>
-                        <a:schemeClr val="dk1"/>
-                      </a:solidFill>
-                      <a:prstDash val="solid"/>
-                      <a:round/>
-                      <a:headEnd type="none" w="sm" len="sm"/>
-                      <a:tailEnd type="none" w="sm" len="sm"/>
-                    </a:lnL>
-                    <a:lnR w="12700" cap="flat" cmpd="sng">
-                      <a:solidFill>
-                        <a:schemeClr val="dk1"/>
-                      </a:solidFill>
-                      <a:prstDash val="solid"/>
-                      <a:round/>
-                      <a:headEnd type="none" w="sm" len="sm"/>
-                      <a:tailEnd type="none" w="sm" len="sm"/>
-                    </a:lnR>
-                    <a:lnT w="12700" cap="flat" cmpd="sng">
-                      <a:solidFill>
-                        <a:schemeClr val="dk1"/>
-                      </a:solidFill>
-                      <a:prstDash val="solid"/>
-                      <a:round/>
-                      <a:headEnd type="none" w="sm" len="sm"/>
-                      <a:tailEnd type="none" w="sm" len="sm"/>
-                    </a:lnT>
-                    <a:lnB w="12700" cap="flat" cmpd="sng">
-                      <a:solidFill>
-                        <a:schemeClr val="dk1"/>
-                      </a:solidFill>
-                      <a:prstDash val="solid"/>
-                      <a:round/>
-                      <a:headEnd type="none" w="sm" len="sm"/>
-                      <a:tailEnd type="none" w="sm" len="sm"/>
-                    </a:lnB>
-                    <a:solidFill>
-                      <a:srgbClr val="D8D8D8"/>
-                    </a:solidFill>
-                  </a:tcPr>
-                </a:tc>
-                <a:tc>
-                  <a:txBody>
-                    <a:bodyPr/>
-                    <a:lstStyle/>
-                    <a:p>
-                      <a:pPr marL="0" marR="0" lvl="0" indent="0" algn="ctr" rtl="0">
-                        <a:lnSpc>
-                          <a:spcPct val="100000"/>
-                        </a:lnSpc>
-                        <a:spcBef>
-                          <a:spcPts val="0"/>
-                        </a:spcBef>
-                        <a:spcAft>
-                          <a:spcPts val="0"/>
-                        </a:spcAft>
-                        <a:buClr>
-                          <a:srgbClr val="000000"/>
-                        </a:buClr>
-                        <a:buSzPts val="1500"/>
-                        <a:buFont typeface="Arial"/>
-                        <a:buNone/>
-                      </a:pPr>
-                      <a:endParaRPr sz="1500" u="none" strike="noStrike" cap="none" dirty="0">
-                        <a:solidFill>
-                          <a:schemeClr val="dk1"/>
-                        </a:solidFill>
-                      </a:endParaRPr>
-                    </a:p>
-                  </a:txBody>
-                  <a:tcPr marL="91450" marR="91450" marT="45725" marB="45725" anchor="ctr">
-                    <a:lnL w="12700" cap="flat" cmpd="sng">
-                      <a:solidFill>
-                        <a:schemeClr val="dk1"/>
-                      </a:solidFill>
-                      <a:prstDash val="solid"/>
-                      <a:round/>
-                      <a:headEnd type="none" w="sm" len="sm"/>
-                      <a:tailEnd type="none" w="sm" len="sm"/>
-                    </a:lnL>
-                    <a:lnR w="12700" cap="flat" cmpd="sng">
-                      <a:solidFill>
-                        <a:schemeClr val="dk1"/>
-                      </a:solidFill>
-                      <a:prstDash val="solid"/>
-                      <a:round/>
-                      <a:headEnd type="none" w="sm" len="sm"/>
-                      <a:tailEnd type="none" w="sm" len="sm"/>
-                    </a:lnR>
-                    <a:lnT w="12700" cap="flat" cmpd="sng">
-                      <a:solidFill>
-                        <a:schemeClr val="dk1"/>
-                      </a:solidFill>
-                      <a:prstDash val="solid"/>
-                      <a:round/>
-                      <a:headEnd type="none" w="sm" len="sm"/>
-                      <a:tailEnd type="none" w="sm" len="sm"/>
-                    </a:lnT>
-                    <a:lnB w="12700" cap="flat" cmpd="sng">
-                      <a:solidFill>
-                        <a:schemeClr val="dk1"/>
-                      </a:solidFill>
-                      <a:prstDash val="solid"/>
-                      <a:round/>
-                      <a:headEnd type="none" w="sm" len="sm"/>
-                      <a:tailEnd type="none" w="sm" len="sm"/>
-                    </a:lnB>
-                    <a:solidFill>
-                      <a:srgbClr val="D8D8D8"/>
-                    </a:solidFill>
-                  </a:tcPr>
-                </a:tc>
-                <a:extLst>
-                  <a:ext uri="{0D108BD9-81ED-4DB2-BD59-A6C34878D82A}">
-                    <a16:rowId xmlns:a16="http://schemas.microsoft.com/office/drawing/2014/main" xmlns="" val="10000"/>
-                  </a:ext>
-                </a:extLst>
-              </a:tr>
-              <a:tr h="485007">
-                <a:tc>
-                  <a:txBody>
-                    <a:bodyPr/>
-                    <a:lstStyle/>
-                    <a:p>
-                      <a:pPr marL="0" marR="0" lvl="0" indent="0" algn="ctr" rtl="0">
-                        <a:lnSpc>
-                          <a:spcPct val="100000"/>
-                        </a:lnSpc>
-                        <a:spcBef>
-                          <a:spcPts val="0"/>
-                        </a:spcBef>
-                        <a:spcAft>
-                          <a:spcPts val="0"/>
-                        </a:spcAft>
-                        <a:buClr>
-                          <a:srgbClr val="000000"/>
-                        </a:buClr>
-                        <a:buSzPts val="1500"/>
-                        <a:buFont typeface="Arial"/>
-                        <a:buNone/>
-                      </a:pPr>
-                      <a:r>
-                        <a:rPr lang="en-US" sz="1500" dirty="0" smtClean="0"/>
-                        <a:t>3</a:t>
-                      </a:r>
-                      <a:endParaRPr sz="1500" dirty="0"/>
-                    </a:p>
-                  </a:txBody>
-                  <a:tcPr marL="91450" marR="91450" marT="45725" marB="45725" anchor="ctr">
-                    <a:lnL w="12700" cap="flat" cmpd="sng">
-                      <a:solidFill>
-                        <a:schemeClr val="dk1"/>
-                      </a:solidFill>
-                      <a:prstDash val="solid"/>
-                      <a:round/>
-                      <a:headEnd type="none" w="sm" len="sm"/>
-                      <a:tailEnd type="none" w="sm" len="sm"/>
-                    </a:lnL>
-                    <a:lnR w="12700" cap="flat" cmpd="sng">
-                      <a:solidFill>
-                        <a:schemeClr val="dk1"/>
-                      </a:solidFill>
-                      <a:prstDash val="solid"/>
-                      <a:round/>
-                      <a:headEnd type="none" w="sm" len="sm"/>
-                      <a:tailEnd type="none" w="sm" len="sm"/>
-                    </a:lnR>
-                    <a:lnT w="12700" cap="flat" cmpd="sng">
-                      <a:solidFill>
-                        <a:schemeClr val="dk1"/>
-                      </a:solidFill>
-                      <a:prstDash val="solid"/>
-                      <a:round/>
-                      <a:headEnd type="none" w="sm" len="sm"/>
-                      <a:tailEnd type="none" w="sm" len="sm"/>
-                    </a:lnT>
-                    <a:lnB w="12700" cap="flat" cmpd="sng">
-                      <a:solidFill>
-                        <a:schemeClr val="dk1"/>
-                      </a:solidFill>
-                      <a:prstDash val="solid"/>
-                      <a:round/>
-                      <a:headEnd type="none" w="sm" len="sm"/>
-                      <a:tailEnd type="none" w="sm" len="sm"/>
-                    </a:lnB>
-                    <a:solidFill>
-                      <a:schemeClr val="lt1"/>
-                    </a:solidFill>
-                  </a:tcPr>
-                </a:tc>
-                <a:tc>
-                  <a:txBody>
-                    <a:bodyPr/>
-                    <a:lstStyle/>
-                    <a:p>
-                      <a:pPr marL="0" marR="0" lvl="0" indent="0" algn="l">
-                        <a:lnSpc>
-                          <a:spcPct val="100000"/>
-                        </a:lnSpc>
-                        <a:spcBef>
-                          <a:spcPts val="0"/>
-                        </a:spcBef>
-                        <a:spcAft>
-                          <a:spcPts val="0"/>
-                        </a:spcAft>
-                        <a:buNone/>
-                      </a:pPr>
-                      <a:r>
-                        <a:rPr lang="ko-KR" altLang="en-US" sz="1500" b="0" i="0" u="none" strike="noStrike" cap="none" noProof="0" dirty="0" smtClean="0">
-                          <a:latin typeface="맑은 고딕"/>
-                        </a:rPr>
-                        <a:t>글 </a:t>
-                      </a:r>
-                      <a:r>
-                        <a:rPr lang="en-US" altLang="ko-KR" sz="1500" b="0" i="0" u="none" strike="noStrike" cap="none" noProof="0" dirty="0" smtClean="0">
-                          <a:latin typeface="맑은 고딕"/>
-                        </a:rPr>
-                        <a:t>10</a:t>
-                      </a:r>
-                      <a:r>
-                        <a:rPr lang="ko-KR" altLang="en-US" sz="1500" b="0" i="0" u="none" strike="noStrike" cap="none" noProof="0" dirty="0" smtClean="0">
-                          <a:latin typeface="맑은 고딕"/>
-                        </a:rPr>
-                        <a:t>개 단위로 페이지 </a:t>
-                      </a:r>
-                      <a:r>
-                        <a:rPr lang="ko-KR" altLang="en-US" sz="1500" b="0" i="0" u="none" strike="noStrike" cap="none" noProof="0" dirty="0" err="1" smtClean="0">
-                          <a:latin typeface="맑은 고딕"/>
-                        </a:rPr>
-                        <a:t>네이션</a:t>
-                      </a:r>
-                      <a:r>
-                        <a:rPr lang="ko-KR" altLang="en-US" sz="1500" b="0" i="0" u="none" strike="noStrike" cap="none" noProof="0" dirty="0" smtClean="0">
-                          <a:latin typeface="맑은 고딕"/>
-                        </a:rPr>
-                        <a:t> 구현</a:t>
-                      </a:r>
-                      <a:endParaRPr altLang="en-US" sz="1500" b="0" i="0" u="none" strike="noStrike" cap="none" noProof="0" dirty="0">
-                        <a:latin typeface="맑은 고딕"/>
-                      </a:endParaRPr>
-                    </a:p>
-                  </a:txBody>
-                  <a:tcPr marL="91450" marR="91450" marT="45725" marB="45725">
-                    <a:lnL w="12700" cap="flat" cmpd="sng">
-                      <a:solidFill>
-                        <a:schemeClr val="dk1"/>
-                      </a:solidFill>
-                      <a:prstDash val="solid"/>
-                      <a:round/>
-                      <a:headEnd type="none" w="sm" len="sm"/>
-                      <a:tailEnd type="none" w="sm" len="sm"/>
-                    </a:lnL>
-                    <a:lnR w="12700" cap="flat" cmpd="sng">
-                      <a:solidFill>
-                        <a:schemeClr val="dk1"/>
-                      </a:solidFill>
-                      <a:prstDash val="solid"/>
-                      <a:round/>
-                      <a:headEnd type="none" w="sm" len="sm"/>
-                      <a:tailEnd type="none" w="sm" len="sm"/>
-                    </a:lnR>
-                    <a:lnT w="12700" cap="flat" cmpd="sng">
-                      <a:solidFill>
-                        <a:schemeClr val="dk1"/>
-                      </a:solidFill>
-                      <a:prstDash val="solid"/>
-                      <a:round/>
-                      <a:headEnd type="none" w="sm" len="sm"/>
-                      <a:tailEnd type="none" w="sm" len="sm"/>
-                    </a:lnT>
-                    <a:lnB w="12700" cap="flat" cmpd="sng">
-                      <a:solidFill>
-                        <a:schemeClr val="dk1"/>
-                      </a:solidFill>
-                      <a:prstDash val="solid"/>
-                      <a:round/>
-                      <a:headEnd type="none" w="sm" len="sm"/>
-                      <a:tailEnd type="none" w="sm" len="sm"/>
-                    </a:lnB>
-                    <a:solidFill>
-                      <a:schemeClr val="lt1"/>
-                    </a:solidFill>
-                  </a:tcPr>
-                </a:tc>
-                <a:extLst>
-                  <a:ext uri="{0D108BD9-81ED-4DB2-BD59-A6C34878D82A}">
-                    <a16:rowId xmlns:a16="http://schemas.microsoft.com/office/drawing/2014/main" xmlns="" val="10001"/>
-                  </a:ext>
-                </a:extLst>
-              </a:tr>
-              <a:tr h="446498">
-                <a:tc>
-                  <a:txBody>
-                    <a:bodyPr/>
-                    <a:lstStyle/>
-                    <a:p>
-                      <a:pPr marL="0" marR="0" lvl="0" indent="0" algn="ctr" rtl="0">
-                        <a:lnSpc>
-                          <a:spcPct val="100000"/>
-                        </a:lnSpc>
-                        <a:spcBef>
-                          <a:spcPts val="0"/>
-                        </a:spcBef>
-                        <a:spcAft>
-                          <a:spcPts val="0"/>
-                        </a:spcAft>
-                        <a:buClr>
-                          <a:srgbClr val="000000"/>
-                        </a:buClr>
-                        <a:buSzPts val="1500"/>
-                        <a:buFont typeface="Arial"/>
-                        <a:buNone/>
-                      </a:pPr>
-                      <a:endParaRPr sz="1500" u="none" strike="noStrike" cap="none" dirty="0">
-                        <a:solidFill>
-                          <a:schemeClr val="dk1"/>
-                        </a:solidFill>
-                      </a:endParaRPr>
-                    </a:p>
-                  </a:txBody>
-                  <a:tcPr marL="91450" marR="91450" marT="45725" marB="45725" anchor="ctr">
-                    <a:lnL w="12700" cap="flat" cmpd="sng">
-                      <a:solidFill>
-                        <a:schemeClr val="dk1"/>
-                      </a:solidFill>
-                      <a:prstDash val="solid"/>
-                      <a:round/>
-                      <a:headEnd type="none" w="sm" len="sm"/>
-                      <a:tailEnd type="none" w="sm" len="sm"/>
-                    </a:lnL>
-                    <a:lnR w="12700" cap="flat" cmpd="sng">
-                      <a:solidFill>
-                        <a:schemeClr val="dk1"/>
-                      </a:solidFill>
-                      <a:prstDash val="solid"/>
-                      <a:round/>
-                      <a:headEnd type="none" w="sm" len="sm"/>
-                      <a:tailEnd type="none" w="sm" len="sm"/>
-                    </a:lnR>
-                    <a:lnT w="12700" cap="flat" cmpd="sng">
-                      <a:solidFill>
-                        <a:schemeClr val="dk1"/>
-                      </a:solidFill>
-                      <a:prstDash val="solid"/>
-                      <a:round/>
-                      <a:headEnd type="none" w="sm" len="sm"/>
-                      <a:tailEnd type="none" w="sm" len="sm"/>
-                    </a:lnT>
-                    <a:lnB w="12700" cap="flat" cmpd="sng">
-                      <a:solidFill>
-                        <a:schemeClr val="dk1"/>
-                      </a:solidFill>
-                      <a:prstDash val="solid"/>
-                      <a:round/>
-                      <a:headEnd type="none" w="sm" len="sm"/>
-                      <a:tailEnd type="none" w="sm" len="sm"/>
-                    </a:lnB>
-                    <a:solidFill>
-                      <a:schemeClr val="lt1"/>
-                    </a:solidFill>
-                  </a:tcPr>
-                </a:tc>
-                <a:tc>
-                  <a:txBody>
-                    <a:bodyPr/>
-                    <a:lstStyle/>
-                    <a:p>
-                      <a:pPr marL="0" marR="0" lvl="0" indent="0" algn="l">
-                        <a:lnSpc>
-                          <a:spcPct val="100000"/>
-                        </a:lnSpc>
-                        <a:spcBef>
-                          <a:spcPts val="0"/>
-                        </a:spcBef>
-                        <a:spcAft>
-                          <a:spcPts val="0"/>
-                        </a:spcAft>
-                        <a:buNone/>
-                      </a:pPr>
-                      <a:endParaRPr lang="ko-KR" altLang="en-US" sz="1500" b="0" i="0" u="none" strike="noStrike" cap="none" noProof="0" dirty="0">
-                        <a:latin typeface="Malgun Gothic"/>
-                        <a:ea typeface="Malgun Gothic"/>
-                      </a:endParaRPr>
-                    </a:p>
-                  </a:txBody>
-                  <a:tcPr marL="91450" marR="91450" marT="45725" marB="45725">
-                    <a:lnL w="12700" cap="flat" cmpd="sng">
-                      <a:solidFill>
-                        <a:schemeClr val="dk1"/>
-                      </a:solidFill>
-                      <a:prstDash val="solid"/>
-                      <a:round/>
-                      <a:headEnd type="none" w="sm" len="sm"/>
-                      <a:tailEnd type="none" w="sm" len="sm"/>
-                    </a:lnL>
-                    <a:lnR w="12700" cap="flat" cmpd="sng">
-                      <a:solidFill>
-                        <a:schemeClr val="dk1"/>
-                      </a:solidFill>
-                      <a:prstDash val="solid"/>
-                      <a:round/>
-                      <a:headEnd type="none" w="sm" len="sm"/>
-                      <a:tailEnd type="none" w="sm" len="sm"/>
-                    </a:lnR>
-                    <a:lnT w="12700" cap="flat" cmpd="sng">
-                      <a:solidFill>
-                        <a:schemeClr val="dk1"/>
-                      </a:solidFill>
-                      <a:prstDash val="solid"/>
-                      <a:round/>
-                      <a:headEnd type="none" w="sm" len="sm"/>
-                      <a:tailEnd type="none" w="sm" len="sm"/>
-                    </a:lnT>
-                    <a:lnB w="12700" cap="flat" cmpd="sng">
-                      <a:solidFill>
-                        <a:schemeClr val="dk1"/>
-                      </a:solidFill>
-                      <a:prstDash val="solid"/>
-                      <a:round/>
-                      <a:headEnd type="none" w="sm" len="sm"/>
-                      <a:tailEnd type="none" w="sm" len="sm"/>
-                    </a:lnB>
-                    <a:solidFill>
-                      <a:schemeClr val="lt1"/>
-                    </a:solidFill>
-                  </a:tcPr>
-                </a:tc>
-                <a:extLst>
-                  <a:ext uri="{0D108BD9-81ED-4DB2-BD59-A6C34878D82A}">
-                    <a16:rowId xmlns:a16="http://schemas.microsoft.com/office/drawing/2014/main" xmlns="" val="10002"/>
-                  </a:ext>
-                </a:extLst>
-              </a:tr>
-              <a:tr h="516541">
-                <a:tc>
-                  <a:txBody>
-                    <a:bodyPr/>
-                    <a:lstStyle/>
-                    <a:p>
-                      <a:pPr marL="0" marR="0" lvl="0" indent="0" algn="ctr" rtl="0">
-                        <a:lnSpc>
-                          <a:spcPct val="100000"/>
-                        </a:lnSpc>
-                        <a:spcBef>
-                          <a:spcPts val="0"/>
-                        </a:spcBef>
-                        <a:spcAft>
-                          <a:spcPts val="0"/>
-                        </a:spcAft>
-                        <a:buClr>
-                          <a:srgbClr val="000000"/>
-                        </a:buClr>
-                        <a:buSzPts val="1500"/>
-                        <a:buFont typeface="Arial"/>
-                        <a:buNone/>
-                      </a:pPr>
-                      <a:endParaRPr sz="1500" u="none" strike="noStrike" cap="none" dirty="0">
-                        <a:solidFill>
-                          <a:schemeClr val="dk1"/>
-                        </a:solidFill>
-                      </a:endParaRPr>
-                    </a:p>
-                  </a:txBody>
-                  <a:tcPr marL="91450" marR="91450" marT="45725" marB="45725" anchor="ctr">
-                    <a:lnL w="12700" cap="flat" cmpd="sng">
-                      <a:solidFill>
-                        <a:schemeClr val="dk1"/>
-                      </a:solidFill>
-                      <a:prstDash val="solid"/>
-                      <a:round/>
-                      <a:headEnd type="none" w="sm" len="sm"/>
-                      <a:tailEnd type="none" w="sm" len="sm"/>
-                    </a:lnL>
-                    <a:lnR w="12700" cap="flat" cmpd="sng">
-                      <a:solidFill>
-                        <a:schemeClr val="dk1"/>
-                      </a:solidFill>
-                      <a:prstDash val="solid"/>
-                      <a:round/>
-                      <a:headEnd type="none" w="sm" len="sm"/>
-                      <a:tailEnd type="none" w="sm" len="sm"/>
-                    </a:lnR>
-                    <a:lnT w="12700" cap="flat" cmpd="sng">
-                      <a:solidFill>
-                        <a:schemeClr val="dk1"/>
-                      </a:solidFill>
-                      <a:prstDash val="solid"/>
-                      <a:round/>
-                      <a:headEnd type="none" w="sm" len="sm"/>
-                      <a:tailEnd type="none" w="sm" len="sm"/>
-                    </a:lnT>
-                    <a:lnB w="12700" cap="flat" cmpd="sng">
-                      <a:solidFill>
-                        <a:schemeClr val="dk1"/>
-                      </a:solidFill>
-                      <a:prstDash val="solid"/>
-                      <a:round/>
-                      <a:headEnd type="none" w="sm" len="sm"/>
-                      <a:tailEnd type="none" w="sm" len="sm"/>
-                    </a:lnB>
-                    <a:solidFill>
-                      <a:schemeClr val="lt1"/>
-                    </a:solidFill>
-                  </a:tcPr>
-                </a:tc>
-                <a:tc>
-                  <a:txBody>
-                    <a:bodyPr/>
-                    <a:lstStyle/>
-                    <a:p>
-                      <a:pPr marL="0" marR="0" lvl="0" indent="0" algn="l" rtl="0">
-                        <a:lnSpc>
-                          <a:spcPct val="100000"/>
-                        </a:lnSpc>
-                        <a:spcBef>
-                          <a:spcPts val="0"/>
-                        </a:spcBef>
-                        <a:spcAft>
-                          <a:spcPts val="0"/>
-                        </a:spcAft>
-                        <a:buFont typeface="Arial"/>
-                        <a:buNone/>
-                      </a:pPr>
-                      <a:endParaRPr sz="1500" u="none" strike="noStrike" cap="none" dirty="0">
-                        <a:solidFill>
-                          <a:schemeClr val="dk1"/>
-                        </a:solidFill>
-                      </a:endParaRPr>
-                    </a:p>
-                  </a:txBody>
-                  <a:tcPr marL="91450" marR="91450" marT="45725" marB="45725">
-                    <a:lnL w="12700" cap="flat" cmpd="sng">
-                      <a:solidFill>
-                        <a:schemeClr val="dk1"/>
-                      </a:solidFill>
-                      <a:prstDash val="solid"/>
-                      <a:round/>
-                      <a:headEnd type="none" w="sm" len="sm"/>
-                      <a:tailEnd type="none" w="sm" len="sm"/>
-                    </a:lnL>
-                    <a:lnR w="12700" cap="flat" cmpd="sng">
-                      <a:solidFill>
-                        <a:schemeClr val="dk1"/>
-                      </a:solidFill>
-                      <a:prstDash val="solid"/>
-                      <a:round/>
-                      <a:headEnd type="none" w="sm" len="sm"/>
-                      <a:tailEnd type="none" w="sm" len="sm"/>
-                    </a:lnR>
-                    <a:lnT w="12700" cap="flat" cmpd="sng">
-                      <a:solidFill>
-                        <a:schemeClr val="dk1"/>
-                      </a:solidFill>
-                      <a:prstDash val="solid"/>
-                      <a:round/>
-                      <a:headEnd type="none" w="sm" len="sm"/>
-                      <a:tailEnd type="none" w="sm" len="sm"/>
-                    </a:lnT>
-                    <a:lnB w="12700" cap="flat" cmpd="sng">
-                      <a:solidFill>
-                        <a:schemeClr val="dk1"/>
-                      </a:solidFill>
-                      <a:prstDash val="solid"/>
-                      <a:round/>
-                      <a:headEnd type="none" w="sm" len="sm"/>
-                      <a:tailEnd type="none" w="sm" len="sm"/>
-                    </a:lnB>
-                    <a:solidFill>
-                      <a:schemeClr val="lt1"/>
-                    </a:solidFill>
-                  </a:tcPr>
-                </a:tc>
-                <a:extLst>
-                  <a:ext uri="{0D108BD9-81ED-4DB2-BD59-A6C34878D82A}">
-                    <a16:rowId xmlns:a16="http://schemas.microsoft.com/office/drawing/2014/main" xmlns="" val="10003"/>
-                  </a:ext>
-                </a:extLst>
-              </a:tr>
-              <a:tr h="457200">
-                <a:tc>
-                  <a:txBody>
-                    <a:bodyPr/>
-                    <a:lstStyle/>
-                    <a:p>
-                      <a:pPr marL="0" marR="0" lvl="0" indent="0" algn="ctr" rtl="0">
-                        <a:lnSpc>
-                          <a:spcPct val="100000"/>
-                        </a:lnSpc>
-                        <a:spcBef>
-                          <a:spcPts val="0"/>
-                        </a:spcBef>
-                        <a:spcAft>
-                          <a:spcPts val="0"/>
-                        </a:spcAft>
-                        <a:buClr>
-                          <a:srgbClr val="000000"/>
-                        </a:buClr>
-                        <a:buSzPts val="1500"/>
-                        <a:buFont typeface="Arial"/>
-                        <a:buNone/>
-                      </a:pPr>
-                      <a:endParaRPr sz="1500" u="none" strike="noStrike" cap="none" dirty="0">
-                        <a:solidFill>
-                          <a:schemeClr val="dk1"/>
-                        </a:solidFill>
-                      </a:endParaRPr>
-                    </a:p>
-                  </a:txBody>
-                  <a:tcPr marL="91450" marR="91450" marT="45725" marB="45725" anchor="ctr">
-                    <a:lnL w="12700" cap="flat" cmpd="sng">
-                      <a:solidFill>
-                        <a:schemeClr val="dk1"/>
-                      </a:solidFill>
-                      <a:prstDash val="solid"/>
-                      <a:round/>
-                      <a:headEnd type="none" w="sm" len="sm"/>
-                      <a:tailEnd type="none" w="sm" len="sm"/>
-                    </a:lnL>
-                    <a:lnR w="12700" cap="flat" cmpd="sng">
-                      <a:solidFill>
-                        <a:schemeClr val="dk1"/>
-                      </a:solidFill>
-                      <a:prstDash val="solid"/>
-                      <a:round/>
-                      <a:headEnd type="none" w="sm" len="sm"/>
-                      <a:tailEnd type="none" w="sm" len="sm"/>
-                    </a:lnR>
-                    <a:lnT w="12700" cap="flat" cmpd="sng">
-                      <a:solidFill>
-                        <a:schemeClr val="dk1"/>
-                      </a:solidFill>
-                      <a:prstDash val="solid"/>
-                      <a:round/>
-                      <a:headEnd type="none" w="sm" len="sm"/>
-                      <a:tailEnd type="none" w="sm" len="sm"/>
-                    </a:lnT>
-                    <a:lnB w="12700" cap="flat" cmpd="sng">
-                      <a:solidFill>
-                        <a:schemeClr val="dk1"/>
-                      </a:solidFill>
-                      <a:prstDash val="solid"/>
-                      <a:round/>
-                      <a:headEnd type="none" w="sm" len="sm"/>
-                      <a:tailEnd type="none" w="sm" len="sm"/>
-                    </a:lnB>
-                    <a:solidFill>
-                      <a:schemeClr val="lt1"/>
-                    </a:solidFill>
-                  </a:tcPr>
-                </a:tc>
-                <a:tc>
-                  <a:txBody>
-                    <a:bodyPr/>
-                    <a:lstStyle/>
-                    <a:p>
-                      <a:pPr marL="0" marR="0" lvl="0" indent="0" algn="l" rtl="0">
-                        <a:lnSpc>
-                          <a:spcPct val="100000"/>
-                        </a:lnSpc>
-                        <a:spcBef>
-                          <a:spcPts val="0"/>
-                        </a:spcBef>
-                        <a:spcAft>
-                          <a:spcPts val="0"/>
-                        </a:spcAft>
-                        <a:buNone/>
-                      </a:pPr>
-                      <a:endParaRPr lang="en-US" altLang="ko-KR" sz="1500" u="none" strike="noStrike" cap="none" dirty="0" smtClean="0">
-                        <a:solidFill>
-                          <a:schemeClr val="dk1"/>
-                        </a:solidFill>
-                      </a:endParaRPr>
-                    </a:p>
-                  </a:txBody>
-                  <a:tcPr marL="91450" marR="91450" marT="45725" marB="45725">
-                    <a:lnL w="12700" cap="flat" cmpd="sng">
-                      <a:solidFill>
-                        <a:schemeClr val="dk1"/>
-                      </a:solidFill>
-                      <a:prstDash val="solid"/>
-                      <a:round/>
-                      <a:headEnd type="none" w="sm" len="sm"/>
-                      <a:tailEnd type="none" w="sm" len="sm"/>
-                    </a:lnL>
-                    <a:lnR w="12700" cap="flat" cmpd="sng">
-                      <a:solidFill>
-                        <a:schemeClr val="dk1"/>
-                      </a:solidFill>
-                      <a:prstDash val="solid"/>
-                      <a:round/>
-                      <a:headEnd type="none" w="sm" len="sm"/>
-                      <a:tailEnd type="none" w="sm" len="sm"/>
-                    </a:lnR>
-                    <a:lnT w="12700" cap="flat" cmpd="sng">
-                      <a:solidFill>
-                        <a:schemeClr val="dk1"/>
-                      </a:solidFill>
-                      <a:prstDash val="solid"/>
-                      <a:round/>
-                      <a:headEnd type="none" w="sm" len="sm"/>
-                      <a:tailEnd type="none" w="sm" len="sm"/>
-                    </a:lnT>
-                    <a:lnB w="12700" cap="flat" cmpd="sng">
-                      <a:solidFill>
-                        <a:schemeClr val="dk1"/>
-                      </a:solidFill>
-                      <a:prstDash val="solid"/>
-                      <a:round/>
-                      <a:headEnd type="none" w="sm" len="sm"/>
-                      <a:tailEnd type="none" w="sm" len="sm"/>
-                    </a:lnB>
-                    <a:solidFill>
-                      <a:schemeClr val="lt1"/>
-                    </a:solidFill>
-                  </a:tcPr>
-                </a:tc>
-                <a:extLst>
-                  <a:ext uri="{0D108BD9-81ED-4DB2-BD59-A6C34878D82A}">
-                    <a16:rowId xmlns:a16="http://schemas.microsoft.com/office/drawing/2014/main" xmlns="" val="10004"/>
-                  </a:ext>
-                </a:extLst>
-              </a:tr>
-              <a:tr h="482048">
-                <a:tc>
-                  <a:txBody>
-                    <a:bodyPr/>
-                    <a:lstStyle/>
-                    <a:p>
-                      <a:pPr marL="0" marR="0" lvl="0" indent="0" algn="ctr" rtl="0">
-                        <a:lnSpc>
-                          <a:spcPct val="100000"/>
-                        </a:lnSpc>
-                        <a:spcBef>
-                          <a:spcPts val="0"/>
-                        </a:spcBef>
-                        <a:spcAft>
-                          <a:spcPts val="0"/>
-                        </a:spcAft>
-                        <a:buClr>
-                          <a:srgbClr val="000000"/>
-                        </a:buClr>
-                        <a:buSzPts val="1500"/>
-                        <a:buFont typeface="Arial"/>
-                        <a:buNone/>
-                      </a:pPr>
-                      <a:endParaRPr sz="1500" u="none" strike="noStrike" cap="none" dirty="0">
-                        <a:solidFill>
-                          <a:schemeClr val="dk1"/>
-                        </a:solidFill>
-                      </a:endParaRPr>
-                    </a:p>
-                  </a:txBody>
-                  <a:tcPr marL="91450" marR="91450" marT="45725" marB="45725" anchor="ctr">
-                    <a:lnL w="12700" cap="flat" cmpd="sng">
-                      <a:solidFill>
-                        <a:schemeClr val="dk1"/>
-                      </a:solidFill>
-                      <a:prstDash val="solid"/>
-                      <a:round/>
-                      <a:headEnd type="none" w="sm" len="sm"/>
-                      <a:tailEnd type="none" w="sm" len="sm"/>
-                    </a:lnL>
-                    <a:lnR w="12700" cap="flat" cmpd="sng">
-                      <a:solidFill>
-                        <a:schemeClr val="dk1"/>
-                      </a:solidFill>
-                      <a:prstDash val="solid"/>
-                      <a:round/>
-                      <a:headEnd type="none" w="sm" len="sm"/>
-                      <a:tailEnd type="none" w="sm" len="sm"/>
-                    </a:lnR>
-                    <a:lnT w="12700" cap="flat" cmpd="sng">
-                      <a:solidFill>
-                        <a:schemeClr val="dk1"/>
-                      </a:solidFill>
-                      <a:prstDash val="solid"/>
-                      <a:round/>
-                      <a:headEnd type="none" w="sm" len="sm"/>
-                      <a:tailEnd type="none" w="sm" len="sm"/>
-                    </a:lnT>
-                    <a:lnB w="12700" cap="flat" cmpd="sng">
-                      <a:solidFill>
-                        <a:schemeClr val="dk1"/>
-                      </a:solidFill>
-                      <a:prstDash val="solid"/>
-                      <a:round/>
-                      <a:headEnd type="none" w="sm" len="sm"/>
-                      <a:tailEnd type="none" w="sm" len="sm"/>
-                    </a:lnB>
-                    <a:solidFill>
-                      <a:schemeClr val="lt1"/>
-                    </a:solidFill>
-                  </a:tcPr>
-                </a:tc>
-                <a:tc>
-                  <a:txBody>
-                    <a:bodyPr/>
-                    <a:lstStyle/>
-                    <a:p>
-                      <a:pPr marL="0" marR="0" lvl="0" indent="0" algn="l" defTabSz="914400" rtl="0" eaLnBrk="1" fontAlgn="auto" latinLnBrk="1" hangingPunct="1">
-                        <a:lnSpc>
-                          <a:spcPct val="100000"/>
-                        </a:lnSpc>
-                        <a:spcBef>
-                          <a:spcPts val="0"/>
-                        </a:spcBef>
-                        <a:spcAft>
-                          <a:spcPts val="0"/>
-                        </a:spcAft>
-                        <a:buClr>
-                          <a:srgbClr val="000000"/>
-                        </a:buClr>
-                        <a:buSzPts val="1500"/>
-                        <a:buFont typeface="Arial"/>
-                        <a:buNone/>
-                        <a:tabLst/>
-                        <a:defRPr/>
-                      </a:pPr>
-                      <a:endParaRPr lang="ko-KR" altLang="en-US" sz="1500" u="none" strike="noStrike" cap="none" dirty="0" smtClean="0">
-                        <a:solidFill>
-                          <a:schemeClr val="dk1"/>
-                        </a:solidFill>
-                      </a:endParaRPr>
-                    </a:p>
-                  </a:txBody>
-                  <a:tcPr marL="91450" marR="91450" marT="45725" marB="45725">
-                    <a:lnL w="12700" cap="flat" cmpd="sng">
-                      <a:solidFill>
-                        <a:schemeClr val="dk1"/>
-                      </a:solidFill>
-                      <a:prstDash val="solid"/>
-                      <a:round/>
-                      <a:headEnd type="none" w="sm" len="sm"/>
-                      <a:tailEnd type="none" w="sm" len="sm"/>
-                    </a:lnL>
-                    <a:lnR w="12700" cap="flat" cmpd="sng">
-                      <a:solidFill>
-                        <a:schemeClr val="dk1"/>
-                      </a:solidFill>
-                      <a:prstDash val="solid"/>
-                      <a:round/>
-                      <a:headEnd type="none" w="sm" len="sm"/>
-                      <a:tailEnd type="none" w="sm" len="sm"/>
-                    </a:lnR>
-                    <a:lnT w="12700" cap="flat" cmpd="sng">
-                      <a:solidFill>
-                        <a:schemeClr val="dk1"/>
-                      </a:solidFill>
-                      <a:prstDash val="solid"/>
-                      <a:round/>
-                      <a:headEnd type="none" w="sm" len="sm"/>
-                      <a:tailEnd type="none" w="sm" len="sm"/>
-                    </a:lnT>
-                    <a:lnB w="12700" cap="flat" cmpd="sng">
-                      <a:solidFill>
-                        <a:schemeClr val="dk1"/>
-                      </a:solidFill>
-                      <a:prstDash val="solid"/>
-                      <a:round/>
-                      <a:headEnd type="none" w="sm" len="sm"/>
-                      <a:tailEnd type="none" w="sm" len="sm"/>
-                    </a:lnB>
-                    <a:solidFill>
-                      <a:schemeClr val="lt1"/>
-                    </a:solidFill>
-                  </a:tcPr>
-                </a:tc>
-                <a:extLst>
-                  <a:ext uri="{0D108BD9-81ED-4DB2-BD59-A6C34878D82A}">
-                    <a16:rowId xmlns:a16="http://schemas.microsoft.com/office/drawing/2014/main" xmlns="" val="10005"/>
-                  </a:ext>
-                </a:extLst>
-              </a:tr>
-              <a:tr h="490718">
-                <a:tc>
-                  <a:txBody>
-                    <a:bodyPr/>
-                    <a:lstStyle/>
-                    <a:p>
-                      <a:pPr marL="0" marR="0" lvl="0" indent="0" algn="ctr" rtl="0">
-                        <a:lnSpc>
-                          <a:spcPct val="100000"/>
-                        </a:lnSpc>
-                        <a:spcBef>
-                          <a:spcPts val="0"/>
-                        </a:spcBef>
-                        <a:spcAft>
-                          <a:spcPts val="0"/>
-                        </a:spcAft>
-                        <a:buNone/>
-                      </a:pPr>
-                      <a:endParaRPr sz="1500" dirty="0"/>
-                    </a:p>
-                  </a:txBody>
-                  <a:tcPr marL="91450" marR="91450" marT="45725" marB="45725" anchor="ctr">
-                    <a:lnL w="12700" cap="flat" cmpd="sng">
-                      <a:solidFill>
-                        <a:schemeClr val="dk1"/>
-                      </a:solidFill>
-                      <a:prstDash val="solid"/>
-                      <a:round/>
-                      <a:headEnd type="none" w="sm" len="sm"/>
-                      <a:tailEnd type="none" w="sm" len="sm"/>
-                    </a:lnL>
-                    <a:lnR w="12700" cap="flat" cmpd="sng">
-                      <a:solidFill>
-                        <a:schemeClr val="dk1"/>
-                      </a:solidFill>
-                      <a:prstDash val="solid"/>
-                      <a:round/>
-                      <a:headEnd type="none" w="sm" len="sm"/>
-                      <a:tailEnd type="none" w="sm" len="sm"/>
-                    </a:lnR>
-                    <a:lnT w="12700" cap="flat" cmpd="sng">
-                      <a:solidFill>
-                        <a:schemeClr val="dk1"/>
-                      </a:solidFill>
-                      <a:prstDash val="solid"/>
-                      <a:round/>
-                      <a:headEnd type="none" w="sm" len="sm"/>
-                      <a:tailEnd type="none" w="sm" len="sm"/>
-                    </a:lnT>
-                    <a:lnB w="12700" cap="flat" cmpd="sng" algn="ctr">
-                      <a:solidFill>
-                        <a:schemeClr val="dk1"/>
-                      </a:solidFill>
-                      <a:prstDash val="solid"/>
-                      <a:round/>
-                      <a:headEnd type="none" w="sm" len="sm"/>
-                      <a:tailEnd type="none" w="sm" len="sm"/>
-                    </a:lnB>
-                    <a:solidFill>
-                      <a:schemeClr val="lt1"/>
-                    </a:solidFill>
-                  </a:tcPr>
-                </a:tc>
-                <a:tc>
-                  <a:txBody>
-                    <a:bodyPr/>
-                    <a:lstStyle/>
-                    <a:p>
-                      <a:pPr marL="0" marR="0" lvl="0" indent="0" algn="l" rtl="0">
-                        <a:lnSpc>
-                          <a:spcPct val="100000"/>
-                        </a:lnSpc>
-                        <a:spcBef>
-                          <a:spcPts val="0"/>
-                        </a:spcBef>
-                        <a:spcAft>
-                          <a:spcPts val="0"/>
-                        </a:spcAft>
-                        <a:buNone/>
-                      </a:pPr>
-                      <a:endParaRPr sz="1500" dirty="0"/>
-                    </a:p>
-                  </a:txBody>
-                  <a:tcPr marL="91450" marR="91450" marT="45725" marB="45725">
-                    <a:lnL w="12700" cap="flat" cmpd="sng">
-                      <a:solidFill>
-                        <a:schemeClr val="dk1"/>
-                      </a:solidFill>
-                      <a:prstDash val="solid"/>
-                      <a:round/>
-                      <a:headEnd type="none" w="sm" len="sm"/>
-                      <a:tailEnd type="none" w="sm" len="sm"/>
-                    </a:lnL>
-                    <a:lnR w="12700" cap="flat" cmpd="sng">
-                      <a:solidFill>
-                        <a:schemeClr val="dk1"/>
-                      </a:solidFill>
-                      <a:prstDash val="solid"/>
-                      <a:round/>
-                      <a:headEnd type="none" w="sm" len="sm"/>
-                      <a:tailEnd type="none" w="sm" len="sm"/>
-                    </a:lnR>
-                    <a:lnT w="12700" cap="flat" cmpd="sng">
-                      <a:solidFill>
-                        <a:schemeClr val="dk1"/>
-                      </a:solidFill>
-                      <a:prstDash val="solid"/>
-                      <a:round/>
-                      <a:headEnd type="none" w="sm" len="sm"/>
-                      <a:tailEnd type="none" w="sm" len="sm"/>
-                    </a:lnT>
-                    <a:lnB w="12700" cap="flat" cmpd="sng" algn="ctr">
-                      <a:solidFill>
-                        <a:schemeClr val="dk1"/>
-                      </a:solidFill>
-                      <a:prstDash val="solid"/>
-                      <a:round/>
-                      <a:headEnd type="none" w="sm" len="sm"/>
-                      <a:tailEnd type="none" w="sm" len="sm"/>
-                    </a:lnB>
-                    <a:solidFill>
-                      <a:schemeClr val="lt1"/>
-                    </a:solidFill>
-                  </a:tcPr>
-                </a:tc>
-                <a:extLst>
-                  <a:ext uri="{0D108BD9-81ED-4DB2-BD59-A6C34878D82A}">
-                    <a16:rowId xmlns:a16="http://schemas.microsoft.com/office/drawing/2014/main" xmlns="" val="10006"/>
-                  </a:ext>
-                </a:extLst>
-              </a:tr>
-              <a:tr h="505838">
-                <a:tc>
-                  <a:txBody>
-                    <a:bodyPr/>
-                    <a:lstStyle/>
-                    <a:p>
-                      <a:pPr marL="0" marR="0" lvl="0" indent="0" algn="ctr" defTabSz="914400" rtl="0" eaLnBrk="1" fontAlgn="auto" latinLnBrk="1" hangingPunct="1">
-                        <a:lnSpc>
-                          <a:spcPct val="100000"/>
-                        </a:lnSpc>
-                        <a:spcBef>
-                          <a:spcPts val="0"/>
-                        </a:spcBef>
-                        <a:spcAft>
-                          <a:spcPts val="0"/>
-                        </a:spcAft>
-                        <a:buClrTx/>
-                        <a:buSzTx/>
-                        <a:buFontTx/>
-                        <a:buNone/>
-                        <a:tabLst/>
-                        <a:defRPr/>
-                      </a:pPr>
-                      <a:endParaRPr lang="en-US" altLang="ko-KR" sz="1500" dirty="0" smtClean="0"/>
-                    </a:p>
-                  </a:txBody>
-                  <a:tcPr marL="91450" marR="91450" marT="45725" marB="45725" anchor="ctr">
-                    <a:lnL w="12700" cap="flat" cmpd="sng" algn="ctr">
-                      <a:solidFill>
-                        <a:schemeClr val="dk1"/>
-                      </a:solidFill>
-                      <a:prstDash val="solid"/>
-                      <a:round/>
-                      <a:headEnd type="none" w="sm" len="sm"/>
-                      <a:tailEnd type="none" w="sm" len="sm"/>
-                    </a:lnL>
-                    <a:lnR w="12700" cap="flat" cmpd="sng" algn="ctr">
-                      <a:solidFill>
-                        <a:schemeClr val="dk1"/>
-                      </a:solidFill>
-                      <a:prstDash val="solid"/>
-                      <a:round/>
-                      <a:headEnd type="none" w="sm" len="sm"/>
-                      <a:tailEnd type="none" w="sm" len="sm"/>
-                    </a:lnR>
-                    <a:lnT w="12700" cap="flat" cmpd="sng" algn="ctr">
-                      <a:solidFill>
-                        <a:schemeClr val="dk1"/>
-                      </a:solidFill>
-                      <a:prstDash val="solid"/>
-                      <a:round/>
-                      <a:headEnd type="none" w="sm" len="sm"/>
-                      <a:tailEnd type="none" w="sm" len="sm"/>
-                    </a:lnT>
-                    <a:lnB w="12700" cap="flat" cmpd="sng">
-                      <a:solidFill>
-                        <a:schemeClr val="dk1"/>
-                      </a:solidFill>
-                      <a:prstDash val="solid"/>
-                      <a:round/>
-                      <a:headEnd type="none" w="sm" len="sm"/>
-                      <a:tailEnd type="none" w="sm" len="sm"/>
-                    </a:lnB>
-                    <a:solidFill>
-                      <a:schemeClr val="lt1"/>
-                    </a:solidFill>
-                  </a:tcPr>
-                </a:tc>
-                <a:tc>
-                  <a:txBody>
-                    <a:bodyPr/>
-                    <a:lstStyle/>
-                    <a:p>
-                      <a:pPr marL="0" marR="0" lvl="0" indent="0" algn="l" defTabSz="914400" rtl="0" eaLnBrk="1" fontAlgn="auto" latinLnBrk="1" hangingPunct="1">
-                        <a:lnSpc>
-                          <a:spcPct val="100000"/>
-                        </a:lnSpc>
-                        <a:spcBef>
-                          <a:spcPts val="0"/>
-                        </a:spcBef>
-                        <a:spcAft>
-                          <a:spcPts val="0"/>
-                        </a:spcAft>
-                        <a:buClrTx/>
-                        <a:buSzTx/>
-                        <a:buFontTx/>
-                        <a:buNone/>
-                        <a:tabLst/>
-                        <a:defRPr/>
-                      </a:pPr>
-                      <a:r>
-                        <a:rPr lang="ko-KR" altLang="en-US" sz="1500" baseline="0" dirty="0" smtClean="0"/>
-                        <a:t>날짜는 </a:t>
-                      </a:r>
-                      <a:r>
-                        <a:rPr lang="en-US" altLang="ko-KR" sz="1500" baseline="0" dirty="0" smtClean="0"/>
-                        <a:t>– </a:t>
-                      </a:r>
-                      <a:r>
-                        <a:rPr lang="en-US" altLang="ko-KR" sz="1500" baseline="0" dirty="0" err="1" smtClean="0"/>
-                        <a:t>datepicker</a:t>
-                      </a:r>
-                      <a:endParaRPr lang="en-US" altLang="ko-KR" sz="1500" baseline="0" dirty="0" smtClean="0"/>
-                    </a:p>
-                    <a:p>
-                      <a:pPr marL="0" marR="0" lvl="0" indent="0" algn="l" defTabSz="914400" rtl="0" eaLnBrk="1" fontAlgn="auto" latinLnBrk="1" hangingPunct="1">
-                        <a:lnSpc>
-                          <a:spcPct val="100000"/>
-                        </a:lnSpc>
-                        <a:spcBef>
-                          <a:spcPts val="0"/>
-                        </a:spcBef>
-                        <a:spcAft>
-                          <a:spcPts val="0"/>
-                        </a:spcAft>
-                        <a:buClrTx/>
-                        <a:buSzTx/>
-                        <a:buFontTx/>
-                        <a:buNone/>
-                        <a:tabLst/>
-                        <a:defRPr/>
-                      </a:pPr>
-                      <a:r>
-                        <a:rPr lang="en-US" altLang="ko-KR" sz="1500" baseline="0" dirty="0" smtClean="0"/>
-                        <a:t>Dialog – </a:t>
-                      </a:r>
-                      <a:r>
-                        <a:rPr lang="ko-KR" altLang="en-US" sz="1500" baseline="0" dirty="0" smtClean="0"/>
-                        <a:t>등록 하는 창 불러올 때</a:t>
-                      </a:r>
-                      <a:endParaRPr lang="ko-KR" altLang="en-US" sz="1500" dirty="0" smtClean="0"/>
-                    </a:p>
-                  </a:txBody>
-                  <a:tcPr marL="91450" marR="91450" marT="45725" marB="45725">
-                    <a:lnL w="12700" cap="flat" cmpd="sng" algn="ctr">
-                      <a:solidFill>
-                        <a:schemeClr val="dk1"/>
-                      </a:solidFill>
-                      <a:prstDash val="solid"/>
-                      <a:round/>
-                      <a:headEnd type="none" w="sm" len="sm"/>
-                      <a:tailEnd type="none" w="sm" len="sm"/>
-                    </a:lnL>
-                    <a:lnR w="12700" cap="flat" cmpd="sng" algn="ctr">
-                      <a:solidFill>
-                        <a:schemeClr val="dk1"/>
-                      </a:solidFill>
-                      <a:prstDash val="solid"/>
-                      <a:round/>
-                      <a:headEnd type="none" w="sm" len="sm"/>
-                      <a:tailEnd type="none" w="sm" len="sm"/>
-                    </a:lnR>
-                    <a:lnT w="12700" cap="flat" cmpd="sng" algn="ctr">
-                      <a:solidFill>
-                        <a:schemeClr val="dk1"/>
-                      </a:solidFill>
-                      <a:prstDash val="solid"/>
-                      <a:round/>
-                      <a:headEnd type="none" w="sm" len="sm"/>
-                      <a:tailEnd type="none" w="sm" len="sm"/>
-                    </a:lnT>
-                    <a:lnB w="12700" cap="flat" cmpd="sng">
-                      <a:solidFill>
-                        <a:schemeClr val="dk1"/>
-                      </a:solidFill>
-                      <a:prstDash val="solid"/>
-                      <a:round/>
-                      <a:headEnd type="none" w="sm" len="sm"/>
-                      <a:tailEnd type="none" w="sm" len="sm"/>
-                    </a:lnB>
-                    <a:solidFill>
-                      <a:schemeClr val="lt1"/>
-                    </a:solidFill>
-                  </a:tcPr>
-                </a:tc>
-                <a:extLst>
-                  <a:ext uri="{0D108BD9-81ED-4DB2-BD59-A6C34878D82A}">
-                    <a16:rowId xmlns:a16="http://schemas.microsoft.com/office/drawing/2014/main" xmlns="" val="10007"/>
-                  </a:ext>
-                </a:extLst>
-              </a:tr>
-            </a:tbl>
-          </a:graphicData>
-        </a:graphic>
-      </p:graphicFrame>
-      <p:pic>
-        <p:nvPicPr>
-          <p:cNvPr id="10" name="Picture 2"/>
-          <p:cNvPicPr>
-            <a:picLocks noChangeAspect="1" noChangeArrowheads="1"/>
-          </p:cNvPicPr>
-          <p:nvPr/>
-        </p:nvPicPr>
-        <p:blipFill>
-          <a:blip r:embed="rId2">
-            <a:extLst>
-              <a:ext uri="{28A0092B-C50C-407E-A947-70E740481C1C}">
-                <a14:useLocalDpi xmlns:a14="http://schemas.microsoft.com/office/drawing/2010/main" val="0"/>
-              </a:ext>
-            </a:extLst>
-          </a:blip>
-          <a:srcRect/>
-          <a:stretch>
-            <a:fillRect/>
-          </a:stretch>
-        </p:blipFill>
-        <p:spPr bwMode="auto">
-          <a:xfrm>
-            <a:off x="181792" y="1940145"/>
-            <a:ext cx="8099248" cy="3851054"/>
-          </a:xfrm>
-          <a:prstGeom prst="rect">
-            <a:avLst/>
-          </a:prstGeom>
-          <a:noFill/>
-          <a:ln>
-            <a:noFill/>
-          </a:ln>
-          <a:effectLst/>
-          <a:extLst>
-            <a:ext uri="{909E8E84-426E-40DD-AFC4-6F175D3DCCD1}">
-              <a14:hiddenFill xmlns:a14="http://schemas.microsoft.com/office/drawing/2010/main">
-                <a:solidFill>
-                  <a:schemeClr val="accent1"/>
-                </a:solidFill>
-              </a14:hiddenFill>
-            </a:ext>
-            <a:ext uri="{91240B29-F687-4F45-9708-019B960494DF}">
-              <a14:hiddenLine xmlns:a14="http://schemas.microsoft.com/office/drawing/2010/main" w="9525">
-                <a:solidFill>
-                  <a:schemeClr val="tx1"/>
-                </a:solidFill>
-                <a:miter lim="800000"/>
-                <a:headEnd/>
-                <a:tailEnd/>
-              </a14:hiddenLine>
-            </a:ext>
-            <a:ext uri="{AF507438-7753-43E0-B8FC-AC1667EBCBE1}">
-              <a14:hiddenEffects xmlns:a14="http://schemas.microsoft.com/office/drawing/2010/main">
-                <a:effectLst>
-                  <a:outerShdw dist="35921" dir="2700000" algn="ctr" rotWithShape="0">
-                    <a:schemeClr val="bg2"/>
-                  </a:outerShdw>
-                </a:effectLst>
-              </a14:hiddenEffects>
-            </a:ext>
-          </a:extLst>
-        </p:spPr>
-      </p:pic>
-      <p:sp>
-        <p:nvSpPr>
-          <p:cNvPr id="11" name="직사각형 10"/>
-          <p:cNvSpPr/>
-          <p:nvPr/>
-        </p:nvSpPr>
-        <p:spPr>
-          <a:xfrm>
-            <a:off x="389872" y="5198532"/>
-            <a:ext cx="7721600" cy="660400"/>
-          </a:xfrm>
-          <a:prstGeom prst="rect">
-            <a:avLst/>
-          </a:prstGeom>
-          <a:noFill/>
-          <a:ln w="38100">
-            <a:solidFill>
-              <a:srgbClr val="FF0000"/>
-            </a:solidFill>
-          </a:ln>
-        </p:spPr>
-        <p:style>
-          <a:lnRef idx="2">
-            <a:schemeClr val="accent1">
-              <a:shade val="50000"/>
-            </a:schemeClr>
-          </a:lnRef>
-          <a:fillRef idx="1">
-            <a:schemeClr val="accent1"/>
-          </a:fillRef>
-          <a:effectRef idx="0">
-            <a:schemeClr val="accent1"/>
-          </a:effectRef>
-          <a:fontRef idx="minor">
-            <a:schemeClr val="lt1"/>
-          </a:fontRef>
-        </p:style>
-        <p:txBody>
-          <a:bodyPr rtlCol="0" anchor="ctr"/>
-          <a:lstStyle/>
-          <a:p>
-            <a:pPr algn="ctr"/>
-            <a:endParaRPr lang="ko-KR" altLang="en-US"/>
-          </a:p>
-        </p:txBody>
-      </p:sp>
-      <p:graphicFrame>
-        <p:nvGraphicFramePr>
-          <p:cNvPr id="13" name="표 12"/>
-          <p:cNvGraphicFramePr>
-            <a:graphicFrameLocks noGrp="1"/>
-          </p:cNvGraphicFramePr>
-          <p:nvPr>
-            <p:extLst>
-              <p:ext uri="{D42A27DB-BD31-4B8C-83A1-F6EECF244321}">
-                <p14:modId xmlns:p14="http://schemas.microsoft.com/office/powerpoint/2010/main" val="2945419641"/>
-              </p:ext>
-            </p:extLst>
-          </p:nvPr>
-        </p:nvGraphicFramePr>
-        <p:xfrm>
-          <a:off x="8489197" y="1412194"/>
-          <a:ext cx="1944216" cy="640100"/>
-        </p:xfrm>
-        <a:graphic>
-          <a:graphicData uri="http://schemas.openxmlformats.org/drawingml/2006/table">
-            <a:tbl>
-              <a:tblPr firstRow="1" bandRow="1">
-                <a:noFill/>
-              </a:tblPr>
-              <a:tblGrid>
-                <a:gridCol w="1944216"/>
-              </a:tblGrid>
-              <a:tr h="168164">
-                <a:tc>
-                  <a:txBody>
-                    <a:bodyPr/>
-                    <a:lstStyle/>
-                    <a:p>
-                      <a:pPr marL="0" marR="0" lvl="0" indent="0" algn="ctr" rtl="0">
-                        <a:lnSpc>
-                          <a:spcPct val="100000"/>
-                        </a:lnSpc>
-                        <a:spcBef>
-                          <a:spcPts val="0"/>
-                        </a:spcBef>
-                        <a:spcAft>
-                          <a:spcPts val="0"/>
-                        </a:spcAft>
-                        <a:buClr>
-                          <a:srgbClr val="000000"/>
-                        </a:buClr>
-                        <a:buSzPts val="1500"/>
-                        <a:buFont typeface="Arial"/>
-                        <a:buNone/>
-                      </a:pPr>
-                      <a:r>
-                        <a:rPr lang="ko-KR" altLang="en-US" sz="1500" b="0" u="none" strike="noStrike" cap="none" dirty="0" smtClean="0">
-                          <a:solidFill>
-                            <a:schemeClr val="dk1"/>
-                          </a:solidFill>
-                        </a:rPr>
-                        <a:t>화면코드</a:t>
-                      </a:r>
-                      <a:endParaRPr sz="1500" b="0" u="none" strike="noStrike" cap="none" dirty="0">
-                        <a:solidFill>
-                          <a:schemeClr val="dk1"/>
-                        </a:solidFill>
-                      </a:endParaRPr>
-                    </a:p>
-                  </a:txBody>
-                  <a:tcPr marL="74304" marR="74304" marT="45725" marB="45725" anchor="ctr">
-                    <a:lnL w="12700" cap="flat" cmpd="sng">
-                      <a:solidFill>
-                        <a:schemeClr val="dk1"/>
-                      </a:solidFill>
-                      <a:prstDash val="solid"/>
-                      <a:round/>
-                      <a:headEnd type="none" w="sm" len="sm"/>
-                      <a:tailEnd type="none" w="sm" len="sm"/>
-                    </a:lnL>
-                    <a:lnR w="12700" cap="flat" cmpd="sng">
-                      <a:solidFill>
-                        <a:schemeClr val="dk1"/>
-                      </a:solidFill>
-                      <a:prstDash val="solid"/>
-                      <a:round/>
-                      <a:headEnd type="none" w="sm" len="sm"/>
-                      <a:tailEnd type="none" w="sm" len="sm"/>
-                    </a:lnR>
-                    <a:lnT w="12700" cap="flat" cmpd="sng">
-                      <a:solidFill>
-                        <a:schemeClr val="dk1"/>
-                      </a:solidFill>
-                      <a:prstDash val="solid"/>
-                      <a:round/>
-                      <a:headEnd type="none" w="sm" len="sm"/>
-                      <a:tailEnd type="none" w="sm" len="sm"/>
-                    </a:lnT>
-                    <a:lnB w="12700" cap="flat" cmpd="sng" algn="ctr">
-                      <a:solidFill>
-                        <a:schemeClr val="dk1"/>
-                      </a:solidFill>
-                      <a:prstDash val="solid"/>
-                      <a:round/>
-                      <a:headEnd type="none" w="sm" len="sm"/>
-                      <a:tailEnd type="none" w="sm" len="sm"/>
-                    </a:lnB>
-                    <a:solidFill>
-                      <a:srgbClr val="D8D8D8"/>
-                    </a:solidFill>
-                  </a:tcPr>
-                </a:tc>
-              </a:tr>
-              <a:tr h="168164">
-                <a:tc>
-                  <a:txBody>
-                    <a:bodyPr/>
-                    <a:lstStyle/>
-                    <a:p>
-                      <a:pPr marL="0" marR="0" lvl="0" indent="0" algn="ctr" defTabSz="914400" rtl="0" eaLnBrk="1" fontAlgn="auto" latinLnBrk="1" hangingPunct="1">
-                        <a:lnSpc>
-                          <a:spcPct val="100000"/>
-                        </a:lnSpc>
-                        <a:spcBef>
-                          <a:spcPts val="0"/>
-                        </a:spcBef>
-                        <a:spcAft>
-                          <a:spcPts val="0"/>
-                        </a:spcAft>
-                        <a:buClr>
-                          <a:srgbClr val="000000"/>
-                        </a:buClr>
-                        <a:buSzPts val="1500"/>
-                        <a:buFont typeface="Arial"/>
-                        <a:buNone/>
-                        <a:tabLst/>
-                        <a:defRPr/>
-                      </a:pPr>
-                      <a:r>
-                        <a:rPr lang="en-US" altLang="ko-KR" sz="1500" b="0" u="none" strike="noStrike" cap="none" dirty="0" err="1" smtClean="0">
-                          <a:solidFill>
-                            <a:schemeClr val="dk1"/>
-                          </a:solidFill>
-                        </a:rPr>
-                        <a:t>ht_user_w_notice</a:t>
-                      </a:r>
-                      <a:endParaRPr lang="en-US" altLang="ko-KR" sz="1500" b="0" u="none" strike="noStrike" cap="none" dirty="0" smtClean="0">
-                        <a:solidFill>
-                          <a:schemeClr val="dk1"/>
-                        </a:solidFill>
-                      </a:endParaRPr>
-                    </a:p>
-                  </a:txBody>
-                  <a:tcPr marL="74304" marR="74304" marT="45725" marB="45725" anchor="ctr">
-                    <a:lnL w="12700" cap="flat" cmpd="sng" algn="ctr">
-                      <a:solidFill>
-                        <a:schemeClr val="dk1"/>
-                      </a:solidFill>
-                      <a:prstDash val="solid"/>
-                      <a:round/>
-                      <a:headEnd type="none" w="sm" len="sm"/>
-                      <a:tailEnd type="none" w="sm" len="sm"/>
-                    </a:lnL>
-                    <a:lnR w="12700" cap="flat" cmpd="sng" algn="ctr">
-                      <a:solidFill>
-                        <a:schemeClr val="dk1"/>
-                      </a:solidFill>
-                      <a:prstDash val="solid"/>
-                      <a:round/>
-                      <a:headEnd type="none" w="sm" len="sm"/>
-                      <a:tailEnd type="none" w="sm" len="sm"/>
-                    </a:lnR>
-                    <a:lnT w="12700" cap="flat" cmpd="sng" algn="ctr">
-                      <a:solidFill>
-                        <a:schemeClr val="dk1"/>
-                      </a:solidFill>
-                      <a:prstDash val="solid"/>
-                      <a:round/>
-                      <a:headEnd type="none" w="sm" len="sm"/>
-                      <a:tailEnd type="none" w="sm" len="sm"/>
-                    </a:lnT>
-                    <a:lnB w="12700" cap="flat" cmpd="sng">
-                      <a:solidFill>
-                        <a:schemeClr val="dk1"/>
-                      </a:solidFill>
-                      <a:prstDash val="solid"/>
-                      <a:round/>
-                      <a:headEnd type="none" w="sm" len="sm"/>
-                      <a:tailEnd type="none" w="sm" len="sm"/>
-                    </a:lnB>
-                    <a:solidFill>
-                      <a:schemeClr val="bg1"/>
-                    </a:solidFill>
-                  </a:tcPr>
-                </a:tc>
-              </a:tr>
-            </a:tbl>
-          </a:graphicData>
-        </a:graphic>
-      </p:graphicFrame>
-    </p:spTree>
-    <p:extLst>
-      <p:ext uri="{BB962C8B-B14F-4D97-AF65-F5344CB8AC3E}">
-        <p14:creationId xmlns:p14="http://schemas.microsoft.com/office/powerpoint/2010/main" val="3946611772"/>
-      </p:ext>
-    </p:extLst>
-  </p:cSld>
-  <p:clrMapOvr>
-    <a:masterClrMapping/>
-  </p:clrMapOvr>
-  <p:timing>
-    <p:tnLst>
-      <p:par>
-        <p:cTn id="1" dur="indefinite" restart="never" nodeType="tmRoot"/>
-      </p:par>
-    </p:tnLst>
-  </p:timing>
-</p:sld>
-</file>
-
-<file path=ppt/slides/slide6.xml><?xml version="1.0" encoding="utf-8"?>
-<p:sld xmlns:a="http://schemas.openxmlformats.org/drawingml/2006/main" xmlns:r="http://schemas.openxmlformats.org/officeDocument/2006/relationships" xmlns:p="http://schemas.openxmlformats.org/presentationml/2006/main">
-  <p:cSld>
-    <p:spTree>
-      <p:nvGrpSpPr>
-        <p:cNvPr id="1" name=""/>
-        <p:cNvGrpSpPr/>
-        <p:nvPr/>
-      </p:nvGrpSpPr>
-      <p:grpSpPr>
-        <a:xfrm>
-          <a:off x="0" y="0"/>
-          <a:ext cx="0" cy="0"/>
-          <a:chOff x="0" y="0"/>
-          <a:chExt cx="0" cy="0"/>
-        </a:xfrm>
-      </p:grpSpPr>
       <p:grpSp>
         <p:nvGrpSpPr>
           <p:cNvPr id="4" name="그룹 3"/>
@@ -17623,14 +12319,14 @@
                 <a:gridCol w="382900">
                   <a:extLst>
                     <a:ext uri="{9D8B030D-6E8A-4147-A177-3AD203B41FA5}">
-                      <a16:colId xmlns:a16="http://schemas.microsoft.com/office/drawing/2014/main" xmlns="" val="20000"/>
+                      <a16:colId xmlns="" xmlns:a16="http://schemas.microsoft.com/office/drawing/2014/main" val="20000"/>
                     </a:ext>
                   </a:extLst>
                 </a:gridCol>
                 <a:gridCol w="3149100">
                   <a:extLst>
                     <a:ext uri="{9D8B030D-6E8A-4147-A177-3AD203B41FA5}">
-                      <a16:colId xmlns:a16="http://schemas.microsoft.com/office/drawing/2014/main" xmlns="" val="20001"/>
+                      <a16:colId xmlns="" xmlns:a16="http://schemas.microsoft.com/office/drawing/2014/main" val="20001"/>
                     </a:ext>
                   </a:extLst>
                 </a:gridCol>
@@ -17788,7 +12484,7 @@
                 </a:tc>
                 <a:extLst>
                   <a:ext uri="{0D108BD9-81ED-4DB2-BD59-A6C34878D82A}">
-                    <a16:rowId xmlns:a16="http://schemas.microsoft.com/office/drawing/2014/main" xmlns="" val="10000"/>
+                    <a16:rowId xmlns="" xmlns:a16="http://schemas.microsoft.com/office/drawing/2014/main" val="10000"/>
                   </a:ext>
                 </a:extLst>
               </a:tr>
@@ -17954,7 +12650,7 @@
                 </a:tc>
                 <a:extLst>
                   <a:ext uri="{0D108BD9-81ED-4DB2-BD59-A6C34878D82A}">
-                    <a16:rowId xmlns:a16="http://schemas.microsoft.com/office/drawing/2014/main" xmlns="" val="10001"/>
+                    <a16:rowId xmlns="" xmlns:a16="http://schemas.microsoft.com/office/drawing/2014/main" val="10001"/>
                   </a:ext>
                 </a:extLst>
               </a:tr>
@@ -18119,7 +12815,7 @@
                 </a:tc>
                 <a:extLst>
                   <a:ext uri="{0D108BD9-81ED-4DB2-BD59-A6C34878D82A}">
-                    <a16:rowId xmlns:a16="http://schemas.microsoft.com/office/drawing/2014/main" xmlns="" val="10002"/>
+                    <a16:rowId xmlns="" xmlns:a16="http://schemas.microsoft.com/office/drawing/2014/main" val="10002"/>
                   </a:ext>
                 </a:extLst>
               </a:tr>
@@ -18272,7 +12968,7 @@
                 </a:tc>
                 <a:extLst>
                   <a:ext uri="{0D108BD9-81ED-4DB2-BD59-A6C34878D82A}">
-                    <a16:rowId xmlns:a16="http://schemas.microsoft.com/office/drawing/2014/main" xmlns="" val="10003"/>
+                    <a16:rowId xmlns="" xmlns:a16="http://schemas.microsoft.com/office/drawing/2014/main" val="10003"/>
                   </a:ext>
                 </a:extLst>
               </a:tr>
@@ -18424,7 +13120,7 @@
                 </a:tc>
                 <a:extLst>
                   <a:ext uri="{0D108BD9-81ED-4DB2-BD59-A6C34878D82A}">
-                    <a16:rowId xmlns:a16="http://schemas.microsoft.com/office/drawing/2014/main" xmlns="" val="10004"/>
+                    <a16:rowId xmlns="" xmlns:a16="http://schemas.microsoft.com/office/drawing/2014/main" val="10004"/>
                   </a:ext>
                 </a:extLst>
               </a:tr>
@@ -18583,7 +13279,7 @@
                 </a:tc>
                 <a:extLst>
                   <a:ext uri="{0D108BD9-81ED-4DB2-BD59-A6C34878D82A}">
-                    <a16:rowId xmlns:a16="http://schemas.microsoft.com/office/drawing/2014/main" xmlns="" val="10005"/>
+                    <a16:rowId xmlns="" xmlns:a16="http://schemas.microsoft.com/office/drawing/2014/main" val="10005"/>
                   </a:ext>
                 </a:extLst>
               </a:tr>
@@ -18714,7 +13410,7 @@
                 </a:tc>
                 <a:extLst>
                   <a:ext uri="{0D108BD9-81ED-4DB2-BD59-A6C34878D82A}">
-                    <a16:rowId xmlns:a16="http://schemas.microsoft.com/office/drawing/2014/main" xmlns="" val="10006"/>
+                    <a16:rowId xmlns="" xmlns:a16="http://schemas.microsoft.com/office/drawing/2014/main" val="10006"/>
                   </a:ext>
                 </a:extLst>
               </a:tr>
@@ -18855,7 +13551,7 @@
                 </a:tc>
                 <a:extLst>
                   <a:ext uri="{0D108BD9-81ED-4DB2-BD59-A6C34878D82A}">
-                    <a16:rowId xmlns:a16="http://schemas.microsoft.com/office/drawing/2014/main" xmlns="" val="10007"/>
+                    <a16:rowId xmlns="" xmlns:a16="http://schemas.microsoft.com/office/drawing/2014/main" val="10007"/>
                   </a:ext>
                 </a:extLst>
               </a:tr>
@@ -19448,7 +14144,7 @@
 </p:sld>
 </file>
 
-<file path=ppt/slides/slide7.xml><?xml version="1.0" encoding="utf-8"?>
+<file path=ppt/slides/slide5.xml><?xml version="1.0" encoding="utf-8"?>
 <p:sld xmlns:a="http://schemas.openxmlformats.org/drawingml/2006/main" xmlns:r="http://schemas.openxmlformats.org/officeDocument/2006/relationships" xmlns:p="http://schemas.openxmlformats.org/presentationml/2006/main">
   <p:cSld>
     <p:spTree>
@@ -19731,14 +14427,14 @@
                 <a:gridCol w="382900">
                   <a:extLst>
                     <a:ext uri="{9D8B030D-6E8A-4147-A177-3AD203B41FA5}">
-                      <a16:colId xmlns:a16="http://schemas.microsoft.com/office/drawing/2014/main" xmlns="" val="20000"/>
+                      <a16:colId xmlns="" xmlns:a16="http://schemas.microsoft.com/office/drawing/2014/main" val="20000"/>
                     </a:ext>
                   </a:extLst>
                 </a:gridCol>
                 <a:gridCol w="3149100">
                   <a:extLst>
                     <a:ext uri="{9D8B030D-6E8A-4147-A177-3AD203B41FA5}">
-                      <a16:colId xmlns:a16="http://schemas.microsoft.com/office/drawing/2014/main" xmlns="" val="20001"/>
+                      <a16:colId xmlns="" xmlns:a16="http://schemas.microsoft.com/office/drawing/2014/main" val="20001"/>
                     </a:ext>
                   </a:extLst>
                 </a:gridCol>
@@ -19896,7 +14592,7 @@
                 </a:tc>
                 <a:extLst>
                   <a:ext uri="{0D108BD9-81ED-4DB2-BD59-A6C34878D82A}">
-                    <a16:rowId xmlns:a16="http://schemas.microsoft.com/office/drawing/2014/main" xmlns="" val="10000"/>
+                    <a16:rowId xmlns="" xmlns:a16="http://schemas.microsoft.com/office/drawing/2014/main" val="10000"/>
                   </a:ext>
                 </a:extLst>
               </a:tr>
@@ -20062,7 +14758,7 @@
                 </a:tc>
                 <a:extLst>
                   <a:ext uri="{0D108BD9-81ED-4DB2-BD59-A6C34878D82A}">
-                    <a16:rowId xmlns:a16="http://schemas.microsoft.com/office/drawing/2014/main" xmlns="" val="10001"/>
+                    <a16:rowId xmlns="" xmlns:a16="http://schemas.microsoft.com/office/drawing/2014/main" val="10001"/>
                   </a:ext>
                 </a:extLst>
               </a:tr>
@@ -20227,7 +14923,7 @@
                 </a:tc>
                 <a:extLst>
                   <a:ext uri="{0D108BD9-81ED-4DB2-BD59-A6C34878D82A}">
-                    <a16:rowId xmlns:a16="http://schemas.microsoft.com/office/drawing/2014/main" xmlns="" val="10002"/>
+                    <a16:rowId xmlns="" xmlns:a16="http://schemas.microsoft.com/office/drawing/2014/main" val="10002"/>
                   </a:ext>
                 </a:extLst>
               </a:tr>
@@ -20380,7 +15076,7 @@
                 </a:tc>
                 <a:extLst>
                   <a:ext uri="{0D108BD9-81ED-4DB2-BD59-A6C34878D82A}">
-                    <a16:rowId xmlns:a16="http://schemas.microsoft.com/office/drawing/2014/main" xmlns="" val="10003"/>
+                    <a16:rowId xmlns="" xmlns:a16="http://schemas.microsoft.com/office/drawing/2014/main" val="10003"/>
                   </a:ext>
                 </a:extLst>
               </a:tr>
@@ -20532,7 +15228,7 @@
                 </a:tc>
                 <a:extLst>
                   <a:ext uri="{0D108BD9-81ED-4DB2-BD59-A6C34878D82A}">
-                    <a16:rowId xmlns:a16="http://schemas.microsoft.com/office/drawing/2014/main" xmlns="" val="10004"/>
+                    <a16:rowId xmlns="" xmlns:a16="http://schemas.microsoft.com/office/drawing/2014/main" val="10004"/>
                   </a:ext>
                 </a:extLst>
               </a:tr>
@@ -20691,7 +15387,7 @@
                 </a:tc>
                 <a:extLst>
                   <a:ext uri="{0D108BD9-81ED-4DB2-BD59-A6C34878D82A}">
-                    <a16:rowId xmlns:a16="http://schemas.microsoft.com/office/drawing/2014/main" xmlns="" val="10005"/>
+                    <a16:rowId xmlns="" xmlns:a16="http://schemas.microsoft.com/office/drawing/2014/main" val="10005"/>
                   </a:ext>
                 </a:extLst>
               </a:tr>
@@ -20822,7 +15518,7 @@
                 </a:tc>
                 <a:extLst>
                   <a:ext uri="{0D108BD9-81ED-4DB2-BD59-A6C34878D82A}">
-                    <a16:rowId xmlns:a16="http://schemas.microsoft.com/office/drawing/2014/main" xmlns="" val="10006"/>
+                    <a16:rowId xmlns="" xmlns:a16="http://schemas.microsoft.com/office/drawing/2014/main" val="10006"/>
                   </a:ext>
                 </a:extLst>
               </a:tr>
@@ -20963,7 +15659,7 @@
                 </a:tc>
                 <a:extLst>
                   <a:ext uri="{0D108BD9-81ED-4DB2-BD59-A6C34878D82A}">
-                    <a16:rowId xmlns:a16="http://schemas.microsoft.com/office/drawing/2014/main" xmlns="" val="10007"/>
+                    <a16:rowId xmlns="" xmlns:a16="http://schemas.microsoft.com/office/drawing/2014/main" val="10007"/>
                   </a:ext>
                 </a:extLst>
               </a:tr>
@@ -21430,7 +16126,11 @@
             </a:r>
             <a:r>
               <a:rPr lang="ko-KR" altLang="en-US" dirty="0" smtClean="0"/>
-              <a:t>화면 설계</a:t>
+              <a:t>화면 </a:t>
+            </a:r>
+            <a:r>
+              <a:rPr lang="ko-KR" altLang="en-US" dirty="0" smtClean="0"/>
+              <a:t>구현</a:t>
             </a:r>
             <a:r>
               <a:rPr lang="en-US" altLang="ko-KR" dirty="0" smtClean="0"/>
@@ -21492,7 +16192,7 @@
 </p:sld>
 </file>
 
-<file path=ppt/slides/slide8.xml><?xml version="1.0" encoding="utf-8"?>
+<file path=ppt/slides/slide6.xml><?xml version="1.0" encoding="utf-8"?>
 <p:sld xmlns:a="http://schemas.openxmlformats.org/drawingml/2006/main" xmlns:r="http://schemas.openxmlformats.org/officeDocument/2006/relationships" xmlns:p="http://schemas.openxmlformats.org/presentationml/2006/main">
   <p:cSld>
     <p:spTree>
@@ -21771,14 +16471,14 @@
                 <a:gridCol w="382900">
                   <a:extLst>
                     <a:ext uri="{9D8B030D-6E8A-4147-A177-3AD203B41FA5}">
-                      <a16:colId xmlns:a16="http://schemas.microsoft.com/office/drawing/2014/main" xmlns="" val="20000"/>
+                      <a16:colId xmlns="" xmlns:a16="http://schemas.microsoft.com/office/drawing/2014/main" val="20000"/>
                     </a:ext>
                   </a:extLst>
                 </a:gridCol>
                 <a:gridCol w="3149100">
                   <a:extLst>
                     <a:ext uri="{9D8B030D-6E8A-4147-A177-3AD203B41FA5}">
-                      <a16:colId xmlns:a16="http://schemas.microsoft.com/office/drawing/2014/main" xmlns="" val="20001"/>
+                      <a16:colId xmlns="" xmlns:a16="http://schemas.microsoft.com/office/drawing/2014/main" val="20001"/>
                     </a:ext>
                   </a:extLst>
                 </a:gridCol>
@@ -21936,7 +16636,7 @@
                 </a:tc>
                 <a:extLst>
                   <a:ext uri="{0D108BD9-81ED-4DB2-BD59-A6C34878D82A}">
-                    <a16:rowId xmlns:a16="http://schemas.microsoft.com/office/drawing/2014/main" xmlns="" val="10000"/>
+                    <a16:rowId xmlns="" xmlns:a16="http://schemas.microsoft.com/office/drawing/2014/main" val="10000"/>
                   </a:ext>
                 </a:extLst>
               </a:tr>
@@ -22174,7 +16874,7 @@
                 </a:tc>
                 <a:extLst>
                   <a:ext uri="{0D108BD9-81ED-4DB2-BD59-A6C34878D82A}">
-                    <a16:rowId xmlns:a16="http://schemas.microsoft.com/office/drawing/2014/main" xmlns="" val="10001"/>
+                    <a16:rowId xmlns="" xmlns:a16="http://schemas.microsoft.com/office/drawing/2014/main" val="10001"/>
                   </a:ext>
                 </a:extLst>
               </a:tr>
@@ -22420,7 +17120,7 @@
                 </a:tc>
                 <a:extLst>
                   <a:ext uri="{0D108BD9-81ED-4DB2-BD59-A6C34878D82A}">
-                    <a16:rowId xmlns:a16="http://schemas.microsoft.com/office/drawing/2014/main" xmlns="" val="10002"/>
+                    <a16:rowId xmlns="" xmlns:a16="http://schemas.microsoft.com/office/drawing/2014/main" val="10002"/>
                   </a:ext>
                 </a:extLst>
               </a:tr>
@@ -22573,7 +17273,7 @@
                 </a:tc>
                 <a:extLst>
                   <a:ext uri="{0D108BD9-81ED-4DB2-BD59-A6C34878D82A}">
-                    <a16:rowId xmlns:a16="http://schemas.microsoft.com/office/drawing/2014/main" xmlns="" val="10003"/>
+                    <a16:rowId xmlns="" xmlns:a16="http://schemas.microsoft.com/office/drawing/2014/main" val="10003"/>
                   </a:ext>
                 </a:extLst>
               </a:tr>
@@ -22725,7 +17425,7 @@
                 </a:tc>
                 <a:extLst>
                   <a:ext uri="{0D108BD9-81ED-4DB2-BD59-A6C34878D82A}">
-                    <a16:rowId xmlns:a16="http://schemas.microsoft.com/office/drawing/2014/main" xmlns="" val="10004"/>
+                    <a16:rowId xmlns="" xmlns:a16="http://schemas.microsoft.com/office/drawing/2014/main" val="10004"/>
                   </a:ext>
                 </a:extLst>
               </a:tr>
@@ -22884,7 +17584,7 @@
                 </a:tc>
                 <a:extLst>
                   <a:ext uri="{0D108BD9-81ED-4DB2-BD59-A6C34878D82A}">
-                    <a16:rowId xmlns:a16="http://schemas.microsoft.com/office/drawing/2014/main" xmlns="" val="10005"/>
+                    <a16:rowId xmlns="" xmlns:a16="http://schemas.microsoft.com/office/drawing/2014/main" val="10005"/>
                   </a:ext>
                 </a:extLst>
               </a:tr>
@@ -23015,7 +17715,7 @@
                 </a:tc>
                 <a:extLst>
                   <a:ext uri="{0D108BD9-81ED-4DB2-BD59-A6C34878D82A}">
-                    <a16:rowId xmlns:a16="http://schemas.microsoft.com/office/drawing/2014/main" xmlns="" val="10006"/>
+                    <a16:rowId xmlns="" xmlns:a16="http://schemas.microsoft.com/office/drawing/2014/main" val="10006"/>
                   </a:ext>
                 </a:extLst>
               </a:tr>
@@ -23156,7 +17856,7 @@
                 </a:tc>
                 <a:extLst>
                   <a:ext uri="{0D108BD9-81ED-4DB2-BD59-A6C34878D82A}">
-                    <a16:rowId xmlns:a16="http://schemas.microsoft.com/office/drawing/2014/main" xmlns="" val="10007"/>
+                    <a16:rowId xmlns="" xmlns:a16="http://schemas.microsoft.com/office/drawing/2014/main" val="10007"/>
                   </a:ext>
                 </a:extLst>
               </a:tr>
@@ -24152,7 +18852,7 @@
 </p:sld>
 </file>
 
-<file path=ppt/slides/slide9.xml><?xml version="1.0" encoding="utf-8"?>
+<file path=ppt/slides/slide7.xml><?xml version="1.0" encoding="utf-8"?>
 <p:sld xmlns:a="http://schemas.openxmlformats.org/drawingml/2006/main" xmlns:r="http://schemas.openxmlformats.org/officeDocument/2006/relationships" xmlns:p="http://schemas.openxmlformats.org/presentationml/2006/main">
   <p:cSld>
     <p:spTree>
@@ -24259,10 +18959,14 @@
             </a:r>
             <a:r>
               <a:rPr lang="ko-KR" altLang="en-US" dirty="0" smtClean="0"/>
-              <a:t>화면 설계</a:t>
-            </a:r>
-            <a:r>
-              <a:rPr lang="en-US" altLang="ko-KR" dirty="0"/>
+              <a:t>화면 </a:t>
+            </a:r>
+            <a:r>
+              <a:rPr lang="ko-KR" altLang="en-US" dirty="0" smtClean="0"/>
+              <a:t>구현</a:t>
+            </a:r>
+            <a:r>
+              <a:rPr lang="en-US" altLang="ko-KR" dirty="0" smtClean="0"/>
               <a:t>] </a:t>
             </a:r>
             <a:r>
@@ -24837,6 +19541,1462 @@
     <p:extLst>
       <p:ext uri="{BB962C8B-B14F-4D97-AF65-F5344CB8AC3E}">
         <p14:creationId xmlns:p14="http://schemas.microsoft.com/office/powerpoint/2010/main" val="2983679282"/>
+      </p:ext>
+    </p:extLst>
+  </p:cSld>
+  <p:clrMapOvr>
+    <a:masterClrMapping/>
+  </p:clrMapOvr>
+  <p:timing>
+    <p:tnLst>
+      <p:par>
+        <p:cTn id="1" dur="indefinite" restart="never" nodeType="tmRoot"/>
+      </p:par>
+    </p:tnLst>
+  </p:timing>
+</p:sld>
+</file>
+
+<file path=ppt/slides/slide8.xml><?xml version="1.0" encoding="utf-8"?>
+<p:sld xmlns:a="http://schemas.openxmlformats.org/drawingml/2006/main" xmlns:r="http://schemas.openxmlformats.org/officeDocument/2006/relationships" xmlns:p="http://schemas.openxmlformats.org/presentationml/2006/main">
+  <p:cSld>
+    <p:spTree>
+      <p:nvGrpSpPr>
+        <p:cNvPr id="1" name=""/>
+        <p:cNvGrpSpPr/>
+        <p:nvPr/>
+      </p:nvGrpSpPr>
+      <p:grpSpPr>
+        <a:xfrm>
+          <a:off x="0" y="0"/>
+          <a:ext cx="0" cy="0"/>
+          <a:chOff x="0" y="0"/>
+          <a:chExt cx="0" cy="0"/>
+        </a:xfrm>
+      </p:grpSpPr>
+      <p:pic>
+        <p:nvPicPr>
+          <p:cNvPr id="4098" name="Picture 2"/>
+          <p:cNvPicPr>
+            <a:picLocks noChangeAspect="1" noChangeArrowheads="1"/>
+          </p:cNvPicPr>
+          <p:nvPr/>
+        </p:nvPicPr>
+        <p:blipFill>
+          <a:blip r:embed="rId2">
+            <a:extLst>
+              <a:ext uri="{28A0092B-C50C-407E-A947-70E740481C1C}">
+                <a14:useLocalDpi xmlns:a14="http://schemas.microsoft.com/office/drawing/2010/main" val="0"/>
+              </a:ext>
+            </a:extLst>
+          </a:blip>
+          <a:srcRect/>
+          <a:stretch>
+            <a:fillRect/>
+          </a:stretch>
+        </p:blipFill>
+        <p:spPr bwMode="auto">
+          <a:xfrm>
+            <a:off x="366128" y="1176867"/>
+            <a:ext cx="8036053" cy="5147908"/>
+          </a:xfrm>
+          <a:prstGeom prst="rect">
+            <a:avLst/>
+          </a:prstGeom>
+          <a:noFill/>
+          <a:ln>
+            <a:noFill/>
+          </a:ln>
+          <a:effectLst/>
+          <a:extLst>
+            <a:ext uri="{909E8E84-426E-40DD-AFC4-6F175D3DCCD1}">
+              <a14:hiddenFill xmlns:a14="http://schemas.microsoft.com/office/drawing/2010/main">
+                <a:solidFill>
+                  <a:schemeClr val="accent1"/>
+                </a:solidFill>
+              </a14:hiddenFill>
+            </a:ext>
+            <a:ext uri="{91240B29-F687-4F45-9708-019B960494DF}">
+              <a14:hiddenLine xmlns:a14="http://schemas.microsoft.com/office/drawing/2010/main" w="9525">
+                <a:solidFill>
+                  <a:schemeClr val="tx1"/>
+                </a:solidFill>
+                <a:miter lim="800000"/>
+                <a:headEnd/>
+                <a:tailEnd/>
+              </a14:hiddenLine>
+            </a:ext>
+            <a:ext uri="{AF507438-7753-43E0-B8FC-AC1667EBCBE1}">
+              <a14:hiddenEffects xmlns:a14="http://schemas.microsoft.com/office/drawing/2010/main">
+                <a:effectLst>
+                  <a:outerShdw dist="35921" dir="2700000" algn="ctr" rotWithShape="0">
+                    <a:schemeClr val="bg2"/>
+                  </a:outerShdw>
+                </a:effectLst>
+              </a14:hiddenEffects>
+            </a:ext>
+          </a:extLst>
+        </p:spPr>
+      </p:pic>
+      <p:sp>
+        <p:nvSpPr>
+          <p:cNvPr id="5" name="제목 1"/>
+          <p:cNvSpPr>
+            <a:spLocks noGrp="1"/>
+          </p:cNvSpPr>
+          <p:nvPr>
+            <p:ph type="title"/>
+          </p:nvPr>
+        </p:nvSpPr>
+        <p:spPr>
+          <a:xfrm>
+            <a:off x="1925506" y="116634"/>
+            <a:ext cx="7837090" cy="796925"/>
+          </a:xfrm>
+        </p:spPr>
+        <p:txBody>
+          <a:bodyPr/>
+          <a:lstStyle/>
+          <a:p>
+            <a:r>
+              <a:rPr lang="en-US" altLang="ko-KR" dirty="0" smtClean="0"/>
+              <a:t>[</a:t>
+            </a:r>
+            <a:r>
+              <a:rPr lang="ko-KR" altLang="en-US" dirty="0" smtClean="0"/>
+              <a:t>화면 </a:t>
+            </a:r>
+            <a:r>
+              <a:rPr lang="ko-KR" altLang="en-US" dirty="0"/>
+              <a:t>구현</a:t>
+            </a:r>
+            <a:r>
+              <a:rPr lang="en-US" altLang="ko-KR" dirty="0" smtClean="0"/>
+              <a:t>] </a:t>
+            </a:r>
+            <a:r>
+              <a:rPr lang="ko-KR" altLang="en-US" dirty="0"/>
+              <a:t>사용자 </a:t>
+            </a:r>
+            <a:r>
+              <a:rPr lang="en-US" altLang="ko-KR" dirty="0"/>
+              <a:t>- </a:t>
+            </a:r>
+            <a:r>
+              <a:rPr lang="ko-KR" altLang="en-US" dirty="0"/>
+              <a:t>웹 </a:t>
+            </a:r>
+            <a:r>
+              <a:rPr lang="en-US" altLang="ko-KR" dirty="0"/>
+              <a:t>- </a:t>
+            </a:r>
+            <a:r>
+              <a:rPr lang="ko-KR" altLang="en-US" dirty="0" smtClean="0"/>
+              <a:t>게시판 </a:t>
+            </a:r>
+            <a:r>
+              <a:rPr lang="en-US" altLang="ko-KR" dirty="0" smtClean="0"/>
+              <a:t>– Q&amp;A</a:t>
+            </a:r>
+            <a:endParaRPr lang="ko-KR" altLang="en-US" dirty="0"/>
+          </a:p>
+        </p:txBody>
+      </p:sp>
+      <p:grpSp>
+        <p:nvGrpSpPr>
+          <p:cNvPr id="4" name="그룹 3"/>
+          <p:cNvGrpSpPr/>
+          <p:nvPr/>
+        </p:nvGrpSpPr>
+        <p:grpSpPr>
+          <a:xfrm>
+            <a:off x="10516241" y="5877272"/>
+            <a:ext cx="193918" cy="537004"/>
+            <a:chOff x="4815008" y="1484784"/>
+            <a:chExt cx="216024" cy="648072"/>
+          </a:xfrm>
+        </p:grpSpPr>
+        <p:sp>
+          <p:nvSpPr>
+            <p:cNvPr id="6" name="직사각형 5"/>
+            <p:cNvSpPr/>
+            <p:nvPr/>
+          </p:nvSpPr>
+          <p:spPr>
+            <a:xfrm>
+              <a:off x="4815008" y="1484784"/>
+              <a:ext cx="216024" cy="216024"/>
+            </a:xfrm>
+            <a:prstGeom prst="rect">
+              <a:avLst/>
+            </a:prstGeom>
+            <a:solidFill>
+              <a:srgbClr val="48C0DC"/>
+            </a:solidFill>
+            <a:ln>
+              <a:noFill/>
+            </a:ln>
+          </p:spPr>
+          <p:style>
+            <a:lnRef idx="2">
+              <a:schemeClr val="accent1">
+                <a:shade val="50000"/>
+              </a:schemeClr>
+            </a:lnRef>
+            <a:fillRef idx="1">
+              <a:schemeClr val="accent1"/>
+            </a:fillRef>
+            <a:effectRef idx="0">
+              <a:schemeClr val="accent1"/>
+            </a:effectRef>
+            <a:fontRef idx="minor">
+              <a:schemeClr val="lt1"/>
+            </a:fontRef>
+          </p:style>
+          <p:txBody>
+            <a:bodyPr rtlCol="0" anchor="ctr"/>
+            <a:lstStyle/>
+            <a:p>
+              <a:pPr algn="ctr"/>
+              <a:endParaRPr lang="ko-KR" altLang="en-US"/>
+            </a:p>
+          </p:txBody>
+        </p:sp>
+        <p:sp>
+          <p:nvSpPr>
+            <p:cNvPr id="7" name="직사각형 6"/>
+            <p:cNvSpPr/>
+            <p:nvPr/>
+          </p:nvSpPr>
+          <p:spPr>
+            <a:xfrm>
+              <a:off x="4815008" y="1700808"/>
+              <a:ext cx="216024" cy="216024"/>
+            </a:xfrm>
+            <a:prstGeom prst="rect">
+              <a:avLst/>
+            </a:prstGeom>
+            <a:solidFill>
+              <a:srgbClr val="194B57"/>
+            </a:solidFill>
+            <a:ln>
+              <a:noFill/>
+            </a:ln>
+          </p:spPr>
+          <p:style>
+            <a:lnRef idx="2">
+              <a:schemeClr val="accent1">
+                <a:shade val="50000"/>
+              </a:schemeClr>
+            </a:lnRef>
+            <a:fillRef idx="1">
+              <a:schemeClr val="accent1"/>
+            </a:fillRef>
+            <a:effectRef idx="0">
+              <a:schemeClr val="accent1"/>
+            </a:effectRef>
+            <a:fontRef idx="minor">
+              <a:schemeClr val="lt1"/>
+            </a:fontRef>
+          </p:style>
+          <p:txBody>
+            <a:bodyPr rtlCol="0" anchor="ctr"/>
+            <a:lstStyle/>
+            <a:p>
+              <a:pPr algn="ctr"/>
+              <a:endParaRPr lang="ko-KR" altLang="en-US"/>
+            </a:p>
+          </p:txBody>
+        </p:sp>
+        <p:sp>
+          <p:nvSpPr>
+            <p:cNvPr id="8" name="직사각형 7"/>
+            <p:cNvSpPr/>
+            <p:nvPr/>
+          </p:nvSpPr>
+          <p:spPr>
+            <a:xfrm>
+              <a:off x="4815008" y="1916832"/>
+              <a:ext cx="216024" cy="216024"/>
+            </a:xfrm>
+            <a:prstGeom prst="rect">
+              <a:avLst/>
+            </a:prstGeom>
+            <a:solidFill>
+              <a:srgbClr val="472179"/>
+            </a:solidFill>
+            <a:ln>
+              <a:noFill/>
+            </a:ln>
+          </p:spPr>
+          <p:style>
+            <a:lnRef idx="2">
+              <a:schemeClr val="accent1">
+                <a:shade val="50000"/>
+              </a:schemeClr>
+            </a:lnRef>
+            <a:fillRef idx="1">
+              <a:schemeClr val="accent1"/>
+            </a:fillRef>
+            <a:effectRef idx="0">
+              <a:schemeClr val="accent1"/>
+            </a:effectRef>
+            <a:fontRef idx="minor">
+              <a:schemeClr val="lt1"/>
+            </a:fontRef>
+          </p:style>
+          <p:txBody>
+            <a:bodyPr rtlCol="0" anchor="ctr"/>
+            <a:lstStyle/>
+            <a:p>
+              <a:pPr algn="ctr"/>
+              <a:endParaRPr lang="ko-KR" altLang="en-US">
+                <a:solidFill>
+                  <a:srgbClr val="6521AF"/>
+                </a:solidFill>
+              </a:endParaRPr>
+            </a:p>
+          </p:txBody>
+        </p:sp>
+      </p:grpSp>
+      <p:sp>
+        <p:nvSpPr>
+          <p:cNvPr id="2" name="내용 개체 틀 1"/>
+          <p:cNvSpPr>
+            <a:spLocks noGrp="1"/>
+          </p:cNvSpPr>
+          <p:nvPr>
+            <p:ph idx="1"/>
+          </p:nvPr>
+        </p:nvSpPr>
+        <p:spPr/>
+        <p:txBody>
+          <a:bodyPr/>
+          <a:lstStyle/>
+          <a:p>
+            <a:endParaRPr lang="ko-KR" altLang="en-US" dirty="0"/>
+          </a:p>
+        </p:txBody>
+      </p:sp>
+      <p:sp>
+        <p:nvSpPr>
+          <p:cNvPr id="19" name="Google Shape;173;g7c553259d1_0_81"/>
+          <p:cNvSpPr/>
+          <p:nvPr/>
+        </p:nvSpPr>
+        <p:spPr>
+          <a:xfrm>
+            <a:off x="245823" y="5010287"/>
+            <a:ext cx="302700" cy="324600"/>
+          </a:xfrm>
+          <a:prstGeom prst="rect">
+            <a:avLst/>
+          </a:prstGeom>
+          <a:solidFill>
+            <a:srgbClr val="FF0000"/>
+          </a:solidFill>
+          <a:ln>
+            <a:noFill/>
+          </a:ln>
+        </p:spPr>
+        <p:txBody>
+          <a:bodyPr spcFirstLastPara="1" wrap="square" lIns="91425" tIns="45700" rIns="91425" bIns="45700" anchor="ctr" anchorCtr="0">
+            <a:noAutofit/>
+          </a:bodyPr>
+          <a:lstStyle/>
+          <a:p>
+            <a:pPr marL="0" marR="0" lvl="0" indent="0" algn="ctr" rtl="0">
+              <a:lnSpc>
+                <a:spcPct val="100000"/>
+              </a:lnSpc>
+              <a:spcBef>
+                <a:spcPts val="0"/>
+              </a:spcBef>
+              <a:spcAft>
+                <a:spcPts val="0"/>
+              </a:spcAft>
+              <a:buClr>
+                <a:srgbClr val="000000"/>
+              </a:buClr>
+              <a:buSzPts val="1800"/>
+              <a:buFont typeface="Arial"/>
+              <a:buNone/>
+            </a:pPr>
+            <a:r>
+              <a:rPr lang="ko-KR" sz="1800" b="1" i="0" u="none" strike="noStrike" cap="none" dirty="0">
+                <a:latin typeface="Malgun Gothic"/>
+                <a:ea typeface="Malgun Gothic"/>
+                <a:cs typeface="Malgun Gothic"/>
+                <a:sym typeface="Malgun Gothic"/>
+              </a:rPr>
+              <a:t>1</a:t>
+            </a:r>
+            <a:endParaRPr sz="1800" b="1" i="0" u="none" strike="noStrike" cap="none" dirty="0">
+              <a:latin typeface="Malgun Gothic"/>
+              <a:ea typeface="Malgun Gothic"/>
+              <a:cs typeface="Malgun Gothic"/>
+              <a:sym typeface="Malgun Gothic"/>
+            </a:endParaRPr>
+          </a:p>
+        </p:txBody>
+      </p:sp>
+      <p:sp>
+        <p:nvSpPr>
+          <p:cNvPr id="20" name="직사각형 19"/>
+          <p:cNvSpPr/>
+          <p:nvPr/>
+        </p:nvSpPr>
+        <p:spPr>
+          <a:xfrm>
+            <a:off x="645960" y="4100013"/>
+            <a:ext cx="7721600" cy="2342837"/>
+          </a:xfrm>
+          <a:prstGeom prst="rect">
+            <a:avLst/>
+          </a:prstGeom>
+          <a:noFill/>
+          <a:ln w="38100">
+            <a:solidFill>
+              <a:srgbClr val="FF0000"/>
+            </a:solidFill>
+          </a:ln>
+        </p:spPr>
+        <p:style>
+          <a:lnRef idx="2">
+            <a:schemeClr val="accent1">
+              <a:shade val="50000"/>
+            </a:schemeClr>
+          </a:lnRef>
+          <a:fillRef idx="1">
+            <a:schemeClr val="accent1"/>
+          </a:fillRef>
+          <a:effectRef idx="0">
+            <a:schemeClr val="accent1"/>
+          </a:effectRef>
+          <a:fontRef idx="minor">
+            <a:schemeClr val="lt1"/>
+          </a:fontRef>
+        </p:style>
+        <p:txBody>
+          <a:bodyPr rtlCol="0" anchor="ctr"/>
+          <a:lstStyle/>
+          <a:p>
+            <a:pPr algn="ctr"/>
+            <a:endParaRPr lang="ko-KR" altLang="en-US"/>
+          </a:p>
+        </p:txBody>
+      </p:sp>
+      <p:graphicFrame>
+        <p:nvGraphicFramePr>
+          <p:cNvPr id="23" name="표 22"/>
+          <p:cNvGraphicFramePr>
+            <a:graphicFrameLocks noGrp="1"/>
+          </p:cNvGraphicFramePr>
+          <p:nvPr>
+            <p:extLst>
+              <p:ext uri="{D42A27DB-BD31-4B8C-83A1-F6EECF244321}">
+                <p14:modId xmlns:p14="http://schemas.microsoft.com/office/powerpoint/2010/main" val="506402655"/>
+              </p:ext>
+            </p:extLst>
+          </p:nvPr>
+        </p:nvGraphicFramePr>
+        <p:xfrm>
+          <a:off x="8480731" y="1429130"/>
+          <a:ext cx="1944216" cy="640100"/>
+        </p:xfrm>
+        <a:graphic>
+          <a:graphicData uri="http://schemas.openxmlformats.org/drawingml/2006/table">
+            <a:tbl>
+              <a:tblPr firstRow="1" bandRow="1">
+                <a:noFill/>
+              </a:tblPr>
+              <a:tblGrid>
+                <a:gridCol w="1944216"/>
+              </a:tblGrid>
+              <a:tr h="168164">
+                <a:tc>
+                  <a:txBody>
+                    <a:bodyPr/>
+                    <a:lstStyle/>
+                    <a:p>
+                      <a:pPr marL="0" marR="0" lvl="0" indent="0" algn="ctr" rtl="0">
+                        <a:lnSpc>
+                          <a:spcPct val="100000"/>
+                        </a:lnSpc>
+                        <a:spcBef>
+                          <a:spcPts val="0"/>
+                        </a:spcBef>
+                        <a:spcAft>
+                          <a:spcPts val="0"/>
+                        </a:spcAft>
+                        <a:buClr>
+                          <a:srgbClr val="000000"/>
+                        </a:buClr>
+                        <a:buSzPts val="1500"/>
+                        <a:buFont typeface="Arial"/>
+                        <a:buNone/>
+                      </a:pPr>
+                      <a:r>
+                        <a:rPr lang="ko-KR" altLang="en-US" sz="1500" b="0" u="none" strike="noStrike" cap="none" dirty="0" smtClean="0">
+                          <a:solidFill>
+                            <a:schemeClr val="dk1"/>
+                          </a:solidFill>
+                        </a:rPr>
+                        <a:t>화면코드</a:t>
+                      </a:r>
+                      <a:endParaRPr sz="1500" b="0" u="none" strike="noStrike" cap="none" dirty="0">
+                        <a:solidFill>
+                          <a:schemeClr val="dk1"/>
+                        </a:solidFill>
+                      </a:endParaRPr>
+                    </a:p>
+                  </a:txBody>
+                  <a:tcPr marL="74304" marR="74304" marT="45725" marB="45725" anchor="ctr">
+                    <a:lnL w="12700" cap="flat" cmpd="sng">
+                      <a:solidFill>
+                        <a:schemeClr val="dk1"/>
+                      </a:solidFill>
+                      <a:prstDash val="solid"/>
+                      <a:round/>
+                      <a:headEnd type="none" w="sm" len="sm"/>
+                      <a:tailEnd type="none" w="sm" len="sm"/>
+                    </a:lnL>
+                    <a:lnR w="12700" cap="flat" cmpd="sng">
+                      <a:solidFill>
+                        <a:schemeClr val="dk1"/>
+                      </a:solidFill>
+                      <a:prstDash val="solid"/>
+                      <a:round/>
+                      <a:headEnd type="none" w="sm" len="sm"/>
+                      <a:tailEnd type="none" w="sm" len="sm"/>
+                    </a:lnR>
+                    <a:lnT w="12700" cap="flat" cmpd="sng">
+                      <a:solidFill>
+                        <a:schemeClr val="dk1"/>
+                      </a:solidFill>
+                      <a:prstDash val="solid"/>
+                      <a:round/>
+                      <a:headEnd type="none" w="sm" len="sm"/>
+                      <a:tailEnd type="none" w="sm" len="sm"/>
+                    </a:lnT>
+                    <a:lnB w="12700" cap="flat" cmpd="sng" algn="ctr">
+                      <a:solidFill>
+                        <a:schemeClr val="dk1"/>
+                      </a:solidFill>
+                      <a:prstDash val="solid"/>
+                      <a:round/>
+                      <a:headEnd type="none" w="sm" len="sm"/>
+                      <a:tailEnd type="none" w="sm" len="sm"/>
+                    </a:lnB>
+                    <a:solidFill>
+                      <a:srgbClr val="D8D8D8"/>
+                    </a:solidFill>
+                  </a:tcPr>
+                </a:tc>
+              </a:tr>
+              <a:tr h="168164">
+                <a:tc>
+                  <a:txBody>
+                    <a:bodyPr/>
+                    <a:lstStyle/>
+                    <a:p>
+                      <a:pPr marL="0" marR="0" lvl="0" indent="0" algn="ctr" defTabSz="914400" rtl="0" eaLnBrk="1" fontAlgn="auto" latinLnBrk="1" hangingPunct="1">
+                        <a:lnSpc>
+                          <a:spcPct val="100000"/>
+                        </a:lnSpc>
+                        <a:spcBef>
+                          <a:spcPts val="0"/>
+                        </a:spcBef>
+                        <a:spcAft>
+                          <a:spcPts val="0"/>
+                        </a:spcAft>
+                        <a:buClr>
+                          <a:srgbClr val="000000"/>
+                        </a:buClr>
+                        <a:buSzPts val="1500"/>
+                        <a:buFont typeface="Arial"/>
+                        <a:buNone/>
+                        <a:tabLst/>
+                        <a:defRPr/>
+                      </a:pPr>
+                      <a:r>
+                        <a:rPr lang="en-US" altLang="ko-KR" sz="1500" b="0" u="none" strike="noStrike" cap="none" dirty="0" err="1" smtClean="0">
+                          <a:solidFill>
+                            <a:schemeClr val="dk1"/>
+                          </a:solidFill>
+                        </a:rPr>
+                        <a:t>ht_user_w_qna</a:t>
+                      </a:r>
+                      <a:endParaRPr lang="en-US" altLang="ko-KR" sz="1500" b="0" u="none" strike="noStrike" cap="none" dirty="0" smtClean="0">
+                        <a:solidFill>
+                          <a:schemeClr val="dk1"/>
+                        </a:solidFill>
+                      </a:endParaRPr>
+                    </a:p>
+                  </a:txBody>
+                  <a:tcPr marL="74304" marR="74304" marT="45725" marB="45725" anchor="ctr">
+                    <a:lnL w="12700" cap="flat" cmpd="sng" algn="ctr">
+                      <a:solidFill>
+                        <a:schemeClr val="dk1"/>
+                      </a:solidFill>
+                      <a:prstDash val="solid"/>
+                      <a:round/>
+                      <a:headEnd type="none" w="sm" len="sm"/>
+                      <a:tailEnd type="none" w="sm" len="sm"/>
+                    </a:lnL>
+                    <a:lnR w="12700" cap="flat" cmpd="sng" algn="ctr">
+                      <a:solidFill>
+                        <a:schemeClr val="dk1"/>
+                      </a:solidFill>
+                      <a:prstDash val="solid"/>
+                      <a:round/>
+                      <a:headEnd type="none" w="sm" len="sm"/>
+                      <a:tailEnd type="none" w="sm" len="sm"/>
+                    </a:lnR>
+                    <a:lnT w="12700" cap="flat" cmpd="sng" algn="ctr">
+                      <a:solidFill>
+                        <a:schemeClr val="dk1"/>
+                      </a:solidFill>
+                      <a:prstDash val="solid"/>
+                      <a:round/>
+                      <a:headEnd type="none" w="sm" len="sm"/>
+                      <a:tailEnd type="none" w="sm" len="sm"/>
+                    </a:lnT>
+                    <a:lnB w="12700" cap="flat" cmpd="sng">
+                      <a:solidFill>
+                        <a:schemeClr val="dk1"/>
+                      </a:solidFill>
+                      <a:prstDash val="solid"/>
+                      <a:round/>
+                      <a:headEnd type="none" w="sm" len="sm"/>
+                      <a:tailEnd type="none" w="sm" len="sm"/>
+                    </a:lnB>
+                    <a:solidFill>
+                      <a:schemeClr val="bg1"/>
+                    </a:solidFill>
+                  </a:tcPr>
+                </a:tc>
+              </a:tr>
+            </a:tbl>
+          </a:graphicData>
+        </a:graphic>
+      </p:graphicFrame>
+      <p:pic>
+        <p:nvPicPr>
+          <p:cNvPr id="4099" name="Picture 3"/>
+          <p:cNvPicPr>
+            <a:picLocks noChangeAspect="1" noChangeArrowheads="1"/>
+          </p:cNvPicPr>
+          <p:nvPr/>
+        </p:nvPicPr>
+        <p:blipFill>
+          <a:blip r:embed="rId3">
+            <a:extLst>
+              <a:ext uri="{28A0092B-C50C-407E-A947-70E740481C1C}">
+                <a14:useLocalDpi xmlns:a14="http://schemas.microsoft.com/office/drawing/2010/main" val="0"/>
+              </a:ext>
+            </a:extLst>
+          </a:blip>
+          <a:srcRect/>
+          <a:stretch>
+            <a:fillRect/>
+          </a:stretch>
+        </p:blipFill>
+        <p:spPr bwMode="auto">
+          <a:xfrm>
+            <a:off x="6538912" y="2561725"/>
+            <a:ext cx="5476875" cy="3076575"/>
+          </a:xfrm>
+          <a:prstGeom prst="rect">
+            <a:avLst/>
+          </a:prstGeom>
+          <a:noFill/>
+          <a:ln w="38100">
+            <a:solidFill>
+              <a:schemeClr val="accent1">
+                <a:lumMod val="50000"/>
+              </a:schemeClr>
+            </a:solidFill>
+            <a:miter lim="800000"/>
+            <a:headEnd/>
+            <a:tailEnd/>
+          </a:ln>
+          <a:effectLst/>
+          <a:extLst>
+            <a:ext uri="{909E8E84-426E-40DD-AFC4-6F175D3DCCD1}">
+              <a14:hiddenFill xmlns:a14="http://schemas.microsoft.com/office/drawing/2010/main">
+                <a:solidFill>
+                  <a:schemeClr val="accent1"/>
+                </a:solidFill>
+              </a14:hiddenFill>
+            </a:ext>
+            <a:ext uri="{AF507438-7753-43E0-B8FC-AC1667EBCBE1}">
+              <a14:hiddenEffects xmlns:a14="http://schemas.microsoft.com/office/drawing/2010/main">
+                <a:effectLst>
+                  <a:outerShdw dist="35921" dir="2700000" algn="ctr" rotWithShape="0">
+                    <a:schemeClr val="bg2"/>
+                  </a:outerShdw>
+                </a:effectLst>
+              </a14:hiddenEffects>
+            </a:ext>
+          </a:extLst>
+        </p:spPr>
+      </p:pic>
+    </p:spTree>
+    <p:extLst>
+      <p:ext uri="{BB962C8B-B14F-4D97-AF65-F5344CB8AC3E}">
+        <p14:creationId xmlns:p14="http://schemas.microsoft.com/office/powerpoint/2010/main" val="3912978390"/>
+      </p:ext>
+    </p:extLst>
+  </p:cSld>
+  <p:clrMapOvr>
+    <a:masterClrMapping/>
+  </p:clrMapOvr>
+  <p:timing>
+    <p:tnLst>
+      <p:par>
+        <p:cTn id="1" dur="indefinite" restart="never" nodeType="tmRoot"/>
+      </p:par>
+    </p:tnLst>
+  </p:timing>
+</p:sld>
+</file>
+
+<file path=ppt/slides/slide9.xml><?xml version="1.0" encoding="utf-8"?>
+<p:sld xmlns:a="http://schemas.openxmlformats.org/drawingml/2006/main" xmlns:r="http://schemas.openxmlformats.org/officeDocument/2006/relationships" xmlns:p="http://schemas.openxmlformats.org/presentationml/2006/main">
+  <p:cSld>
+    <p:spTree>
+      <p:nvGrpSpPr>
+        <p:cNvPr id="1" name=""/>
+        <p:cNvGrpSpPr/>
+        <p:nvPr/>
+      </p:nvGrpSpPr>
+      <p:grpSpPr>
+        <a:xfrm>
+          <a:off x="0" y="0"/>
+          <a:ext cx="0" cy="0"/>
+          <a:chOff x="0" y="0"/>
+          <a:chExt cx="0" cy="0"/>
+        </a:xfrm>
+      </p:grpSpPr>
+      <p:pic>
+        <p:nvPicPr>
+          <p:cNvPr id="5122" name="Picture 2"/>
+          <p:cNvPicPr>
+            <a:picLocks noChangeAspect="1" noChangeArrowheads="1"/>
+          </p:cNvPicPr>
+          <p:nvPr/>
+        </p:nvPicPr>
+        <p:blipFill>
+          <a:blip r:embed="rId2">
+            <a:extLst>
+              <a:ext uri="{28A0092B-C50C-407E-A947-70E740481C1C}">
+                <a14:useLocalDpi xmlns:a14="http://schemas.microsoft.com/office/drawing/2010/main" val="0"/>
+              </a:ext>
+            </a:extLst>
+          </a:blip>
+          <a:srcRect/>
+          <a:stretch>
+            <a:fillRect/>
+          </a:stretch>
+        </p:blipFill>
+        <p:spPr bwMode="auto">
+          <a:xfrm>
+            <a:off x="255347" y="1228725"/>
+            <a:ext cx="9436063" cy="5271275"/>
+          </a:xfrm>
+          <a:prstGeom prst="rect">
+            <a:avLst/>
+          </a:prstGeom>
+          <a:noFill/>
+          <a:ln>
+            <a:noFill/>
+          </a:ln>
+          <a:effectLst/>
+          <a:extLst>
+            <a:ext uri="{909E8E84-426E-40DD-AFC4-6F175D3DCCD1}">
+              <a14:hiddenFill xmlns:a14="http://schemas.microsoft.com/office/drawing/2010/main">
+                <a:solidFill>
+                  <a:schemeClr val="accent1"/>
+                </a:solidFill>
+              </a14:hiddenFill>
+            </a:ext>
+            <a:ext uri="{91240B29-F687-4F45-9708-019B960494DF}">
+              <a14:hiddenLine xmlns:a14="http://schemas.microsoft.com/office/drawing/2010/main" w="9525">
+                <a:solidFill>
+                  <a:schemeClr val="tx1"/>
+                </a:solidFill>
+                <a:miter lim="800000"/>
+                <a:headEnd/>
+                <a:tailEnd/>
+              </a14:hiddenLine>
+            </a:ext>
+            <a:ext uri="{AF507438-7753-43E0-B8FC-AC1667EBCBE1}">
+              <a14:hiddenEffects xmlns:a14="http://schemas.microsoft.com/office/drawing/2010/main">
+                <a:effectLst>
+                  <a:outerShdw dist="35921" dir="2700000" algn="ctr" rotWithShape="0">
+                    <a:schemeClr val="bg2"/>
+                  </a:outerShdw>
+                </a:effectLst>
+              </a14:hiddenEffects>
+            </a:ext>
+          </a:extLst>
+        </p:spPr>
+      </p:pic>
+      <p:sp>
+        <p:nvSpPr>
+          <p:cNvPr id="5" name="제목 1"/>
+          <p:cNvSpPr>
+            <a:spLocks noGrp="1"/>
+          </p:cNvSpPr>
+          <p:nvPr>
+            <p:ph type="title"/>
+          </p:nvPr>
+        </p:nvSpPr>
+        <p:spPr>
+          <a:xfrm>
+            <a:off x="1925506" y="116634"/>
+            <a:ext cx="7837090" cy="796925"/>
+          </a:xfrm>
+        </p:spPr>
+        <p:txBody>
+          <a:bodyPr/>
+          <a:lstStyle/>
+          <a:p>
+            <a:r>
+              <a:rPr lang="en-US" altLang="ko-KR" dirty="0" smtClean="0"/>
+              <a:t>[</a:t>
+            </a:r>
+            <a:r>
+              <a:rPr lang="ko-KR" altLang="en-US" dirty="0" smtClean="0"/>
+              <a:t>화면 </a:t>
+            </a:r>
+            <a:r>
+              <a:rPr lang="ko-KR" altLang="en-US" dirty="0"/>
+              <a:t>구현</a:t>
+            </a:r>
+            <a:r>
+              <a:rPr lang="en-US" altLang="ko-KR" dirty="0" smtClean="0"/>
+              <a:t>] </a:t>
+            </a:r>
+            <a:r>
+              <a:rPr lang="ko-KR" altLang="en-US" dirty="0"/>
+              <a:t>사용자 </a:t>
+            </a:r>
+            <a:r>
+              <a:rPr lang="en-US" altLang="ko-KR" dirty="0"/>
+              <a:t>- </a:t>
+            </a:r>
+            <a:r>
+              <a:rPr lang="ko-KR" altLang="en-US" dirty="0"/>
+              <a:t>웹 </a:t>
+            </a:r>
+            <a:r>
+              <a:rPr lang="en-US" altLang="ko-KR" dirty="0"/>
+              <a:t>- </a:t>
+            </a:r>
+            <a:r>
+              <a:rPr lang="ko-KR" altLang="en-US" dirty="0" smtClean="0"/>
+              <a:t>게시판 </a:t>
+            </a:r>
+            <a:r>
+              <a:rPr lang="en-US" altLang="ko-KR" dirty="0" smtClean="0"/>
+              <a:t>– Q&amp;A</a:t>
+            </a:r>
+            <a:endParaRPr lang="ko-KR" altLang="en-US" dirty="0"/>
+          </a:p>
+        </p:txBody>
+      </p:sp>
+      <p:grpSp>
+        <p:nvGrpSpPr>
+          <p:cNvPr id="4" name="그룹 3"/>
+          <p:cNvGrpSpPr/>
+          <p:nvPr/>
+        </p:nvGrpSpPr>
+        <p:grpSpPr>
+          <a:xfrm>
+            <a:off x="10516241" y="5877272"/>
+            <a:ext cx="193918" cy="537004"/>
+            <a:chOff x="4815008" y="1484784"/>
+            <a:chExt cx="216024" cy="648072"/>
+          </a:xfrm>
+        </p:grpSpPr>
+        <p:sp>
+          <p:nvSpPr>
+            <p:cNvPr id="6" name="직사각형 5"/>
+            <p:cNvSpPr/>
+            <p:nvPr/>
+          </p:nvSpPr>
+          <p:spPr>
+            <a:xfrm>
+              <a:off x="4815008" y="1484784"/>
+              <a:ext cx="216024" cy="216024"/>
+            </a:xfrm>
+            <a:prstGeom prst="rect">
+              <a:avLst/>
+            </a:prstGeom>
+            <a:solidFill>
+              <a:srgbClr val="48C0DC"/>
+            </a:solidFill>
+            <a:ln>
+              <a:noFill/>
+            </a:ln>
+          </p:spPr>
+          <p:style>
+            <a:lnRef idx="2">
+              <a:schemeClr val="accent1">
+                <a:shade val="50000"/>
+              </a:schemeClr>
+            </a:lnRef>
+            <a:fillRef idx="1">
+              <a:schemeClr val="accent1"/>
+            </a:fillRef>
+            <a:effectRef idx="0">
+              <a:schemeClr val="accent1"/>
+            </a:effectRef>
+            <a:fontRef idx="minor">
+              <a:schemeClr val="lt1"/>
+            </a:fontRef>
+          </p:style>
+          <p:txBody>
+            <a:bodyPr rtlCol="0" anchor="ctr"/>
+            <a:lstStyle/>
+            <a:p>
+              <a:pPr algn="ctr"/>
+              <a:endParaRPr lang="ko-KR" altLang="en-US"/>
+            </a:p>
+          </p:txBody>
+        </p:sp>
+        <p:sp>
+          <p:nvSpPr>
+            <p:cNvPr id="7" name="직사각형 6"/>
+            <p:cNvSpPr/>
+            <p:nvPr/>
+          </p:nvSpPr>
+          <p:spPr>
+            <a:xfrm>
+              <a:off x="4815008" y="1700808"/>
+              <a:ext cx="216024" cy="216024"/>
+            </a:xfrm>
+            <a:prstGeom prst="rect">
+              <a:avLst/>
+            </a:prstGeom>
+            <a:solidFill>
+              <a:srgbClr val="194B57"/>
+            </a:solidFill>
+            <a:ln>
+              <a:noFill/>
+            </a:ln>
+          </p:spPr>
+          <p:style>
+            <a:lnRef idx="2">
+              <a:schemeClr val="accent1">
+                <a:shade val="50000"/>
+              </a:schemeClr>
+            </a:lnRef>
+            <a:fillRef idx="1">
+              <a:schemeClr val="accent1"/>
+            </a:fillRef>
+            <a:effectRef idx="0">
+              <a:schemeClr val="accent1"/>
+            </a:effectRef>
+            <a:fontRef idx="minor">
+              <a:schemeClr val="lt1"/>
+            </a:fontRef>
+          </p:style>
+          <p:txBody>
+            <a:bodyPr rtlCol="0" anchor="ctr"/>
+            <a:lstStyle/>
+            <a:p>
+              <a:pPr algn="ctr"/>
+              <a:endParaRPr lang="ko-KR" altLang="en-US"/>
+            </a:p>
+          </p:txBody>
+        </p:sp>
+        <p:sp>
+          <p:nvSpPr>
+            <p:cNvPr id="8" name="직사각형 7"/>
+            <p:cNvSpPr/>
+            <p:nvPr/>
+          </p:nvSpPr>
+          <p:spPr>
+            <a:xfrm>
+              <a:off x="4815008" y="1916832"/>
+              <a:ext cx="216024" cy="216024"/>
+            </a:xfrm>
+            <a:prstGeom prst="rect">
+              <a:avLst/>
+            </a:prstGeom>
+            <a:solidFill>
+              <a:srgbClr val="472179"/>
+            </a:solidFill>
+            <a:ln>
+              <a:noFill/>
+            </a:ln>
+          </p:spPr>
+          <p:style>
+            <a:lnRef idx="2">
+              <a:schemeClr val="accent1">
+                <a:shade val="50000"/>
+              </a:schemeClr>
+            </a:lnRef>
+            <a:fillRef idx="1">
+              <a:schemeClr val="accent1"/>
+            </a:fillRef>
+            <a:effectRef idx="0">
+              <a:schemeClr val="accent1"/>
+            </a:effectRef>
+            <a:fontRef idx="minor">
+              <a:schemeClr val="lt1"/>
+            </a:fontRef>
+          </p:style>
+          <p:txBody>
+            <a:bodyPr rtlCol="0" anchor="ctr"/>
+            <a:lstStyle/>
+            <a:p>
+              <a:pPr algn="ctr"/>
+              <a:endParaRPr lang="ko-KR" altLang="en-US">
+                <a:solidFill>
+                  <a:srgbClr val="6521AF"/>
+                </a:solidFill>
+              </a:endParaRPr>
+            </a:p>
+          </p:txBody>
+        </p:sp>
+      </p:grpSp>
+      <p:sp>
+        <p:nvSpPr>
+          <p:cNvPr id="2" name="내용 개체 틀 1"/>
+          <p:cNvSpPr>
+            <a:spLocks noGrp="1"/>
+          </p:cNvSpPr>
+          <p:nvPr>
+            <p:ph idx="1"/>
+          </p:nvPr>
+        </p:nvSpPr>
+        <p:spPr/>
+        <p:txBody>
+          <a:bodyPr/>
+          <a:lstStyle/>
+          <a:p>
+            <a:endParaRPr lang="ko-KR" altLang="en-US" dirty="0"/>
+          </a:p>
+        </p:txBody>
+      </p:sp>
+      <p:sp>
+        <p:nvSpPr>
+          <p:cNvPr id="19" name="Google Shape;173;g7c553259d1_0_81"/>
+          <p:cNvSpPr/>
+          <p:nvPr/>
+        </p:nvSpPr>
+        <p:spPr>
+          <a:xfrm>
+            <a:off x="245823" y="5010287"/>
+            <a:ext cx="302700" cy="324600"/>
+          </a:xfrm>
+          <a:prstGeom prst="rect">
+            <a:avLst/>
+          </a:prstGeom>
+          <a:solidFill>
+            <a:srgbClr val="FF0000"/>
+          </a:solidFill>
+          <a:ln>
+            <a:noFill/>
+          </a:ln>
+        </p:spPr>
+        <p:txBody>
+          <a:bodyPr spcFirstLastPara="1" wrap="square" lIns="91425" tIns="45700" rIns="91425" bIns="45700" anchor="ctr" anchorCtr="0">
+            <a:noAutofit/>
+          </a:bodyPr>
+          <a:lstStyle/>
+          <a:p>
+            <a:pPr marL="0" marR="0" lvl="0" indent="0" algn="ctr" rtl="0">
+              <a:lnSpc>
+                <a:spcPct val="100000"/>
+              </a:lnSpc>
+              <a:spcBef>
+                <a:spcPts val="0"/>
+              </a:spcBef>
+              <a:spcAft>
+                <a:spcPts val="0"/>
+              </a:spcAft>
+              <a:buClr>
+                <a:srgbClr val="000000"/>
+              </a:buClr>
+              <a:buSzPts val="1800"/>
+              <a:buFont typeface="Arial"/>
+              <a:buNone/>
+            </a:pPr>
+            <a:r>
+              <a:rPr lang="ko-KR" sz="1800" b="1" i="0" u="none" strike="noStrike" cap="none" dirty="0">
+                <a:latin typeface="Malgun Gothic"/>
+                <a:ea typeface="Malgun Gothic"/>
+                <a:cs typeface="Malgun Gothic"/>
+                <a:sym typeface="Malgun Gothic"/>
+              </a:rPr>
+              <a:t>1</a:t>
+            </a:r>
+            <a:endParaRPr sz="1800" b="1" i="0" u="none" strike="noStrike" cap="none" dirty="0">
+              <a:latin typeface="Malgun Gothic"/>
+              <a:ea typeface="Malgun Gothic"/>
+              <a:cs typeface="Malgun Gothic"/>
+              <a:sym typeface="Malgun Gothic"/>
+            </a:endParaRPr>
+          </a:p>
+        </p:txBody>
+      </p:sp>
+      <p:sp>
+        <p:nvSpPr>
+          <p:cNvPr id="20" name="직사각형 19"/>
+          <p:cNvSpPr/>
+          <p:nvPr/>
+        </p:nvSpPr>
+        <p:spPr>
+          <a:xfrm>
+            <a:off x="645960" y="4714875"/>
+            <a:ext cx="7721600" cy="1727975"/>
+          </a:xfrm>
+          <a:prstGeom prst="rect">
+            <a:avLst/>
+          </a:prstGeom>
+          <a:noFill/>
+          <a:ln w="38100">
+            <a:solidFill>
+              <a:srgbClr val="FF0000"/>
+            </a:solidFill>
+          </a:ln>
+        </p:spPr>
+        <p:style>
+          <a:lnRef idx="2">
+            <a:schemeClr val="accent1">
+              <a:shade val="50000"/>
+            </a:schemeClr>
+          </a:lnRef>
+          <a:fillRef idx="1">
+            <a:schemeClr val="accent1"/>
+          </a:fillRef>
+          <a:effectRef idx="0">
+            <a:schemeClr val="accent1"/>
+          </a:effectRef>
+          <a:fontRef idx="minor">
+            <a:schemeClr val="lt1"/>
+          </a:fontRef>
+        </p:style>
+        <p:txBody>
+          <a:bodyPr rtlCol="0" anchor="ctr"/>
+          <a:lstStyle/>
+          <a:p>
+            <a:pPr algn="ctr"/>
+            <a:endParaRPr lang="ko-KR" altLang="en-US"/>
+          </a:p>
+        </p:txBody>
+      </p:sp>
+      <p:graphicFrame>
+        <p:nvGraphicFramePr>
+          <p:cNvPr id="23" name="표 22"/>
+          <p:cNvGraphicFramePr>
+            <a:graphicFrameLocks noGrp="1"/>
+          </p:cNvGraphicFramePr>
+          <p:nvPr>
+            <p:extLst>
+              <p:ext uri="{D42A27DB-BD31-4B8C-83A1-F6EECF244321}">
+                <p14:modId xmlns:p14="http://schemas.microsoft.com/office/powerpoint/2010/main" val="2714893059"/>
+              </p:ext>
+            </p:extLst>
+          </p:nvPr>
+        </p:nvGraphicFramePr>
+        <p:xfrm>
+          <a:off x="8480731" y="1429130"/>
+          <a:ext cx="1944216" cy="640100"/>
+        </p:xfrm>
+        <a:graphic>
+          <a:graphicData uri="http://schemas.openxmlformats.org/drawingml/2006/table">
+            <a:tbl>
+              <a:tblPr firstRow="1" bandRow="1">
+                <a:noFill/>
+              </a:tblPr>
+              <a:tblGrid>
+                <a:gridCol w="1944216"/>
+              </a:tblGrid>
+              <a:tr h="168164">
+                <a:tc>
+                  <a:txBody>
+                    <a:bodyPr/>
+                    <a:lstStyle/>
+                    <a:p>
+                      <a:pPr marL="0" marR="0" lvl="0" indent="0" algn="ctr" rtl="0">
+                        <a:lnSpc>
+                          <a:spcPct val="100000"/>
+                        </a:lnSpc>
+                        <a:spcBef>
+                          <a:spcPts val="0"/>
+                        </a:spcBef>
+                        <a:spcAft>
+                          <a:spcPts val="0"/>
+                        </a:spcAft>
+                        <a:buClr>
+                          <a:srgbClr val="000000"/>
+                        </a:buClr>
+                        <a:buSzPts val="1500"/>
+                        <a:buFont typeface="Arial"/>
+                        <a:buNone/>
+                      </a:pPr>
+                      <a:r>
+                        <a:rPr lang="ko-KR" altLang="en-US" sz="1500" b="0" u="none" strike="noStrike" cap="none" dirty="0" smtClean="0">
+                          <a:solidFill>
+                            <a:schemeClr val="dk1"/>
+                          </a:solidFill>
+                        </a:rPr>
+                        <a:t>화면코드</a:t>
+                      </a:r>
+                      <a:endParaRPr sz="1500" b="0" u="none" strike="noStrike" cap="none" dirty="0">
+                        <a:solidFill>
+                          <a:schemeClr val="dk1"/>
+                        </a:solidFill>
+                      </a:endParaRPr>
+                    </a:p>
+                  </a:txBody>
+                  <a:tcPr marL="74304" marR="74304" marT="45725" marB="45725" anchor="ctr">
+                    <a:lnL w="12700" cap="flat" cmpd="sng">
+                      <a:solidFill>
+                        <a:schemeClr val="dk1"/>
+                      </a:solidFill>
+                      <a:prstDash val="solid"/>
+                      <a:round/>
+                      <a:headEnd type="none" w="sm" len="sm"/>
+                      <a:tailEnd type="none" w="sm" len="sm"/>
+                    </a:lnL>
+                    <a:lnR w="12700" cap="flat" cmpd="sng">
+                      <a:solidFill>
+                        <a:schemeClr val="dk1"/>
+                      </a:solidFill>
+                      <a:prstDash val="solid"/>
+                      <a:round/>
+                      <a:headEnd type="none" w="sm" len="sm"/>
+                      <a:tailEnd type="none" w="sm" len="sm"/>
+                    </a:lnR>
+                    <a:lnT w="12700" cap="flat" cmpd="sng">
+                      <a:solidFill>
+                        <a:schemeClr val="dk1"/>
+                      </a:solidFill>
+                      <a:prstDash val="solid"/>
+                      <a:round/>
+                      <a:headEnd type="none" w="sm" len="sm"/>
+                      <a:tailEnd type="none" w="sm" len="sm"/>
+                    </a:lnT>
+                    <a:lnB w="12700" cap="flat" cmpd="sng" algn="ctr">
+                      <a:solidFill>
+                        <a:schemeClr val="dk1"/>
+                      </a:solidFill>
+                      <a:prstDash val="solid"/>
+                      <a:round/>
+                      <a:headEnd type="none" w="sm" len="sm"/>
+                      <a:tailEnd type="none" w="sm" len="sm"/>
+                    </a:lnB>
+                    <a:solidFill>
+                      <a:srgbClr val="D8D8D8"/>
+                    </a:solidFill>
+                  </a:tcPr>
+                </a:tc>
+              </a:tr>
+              <a:tr h="168164">
+                <a:tc>
+                  <a:txBody>
+                    <a:bodyPr/>
+                    <a:lstStyle/>
+                    <a:p>
+                      <a:pPr marL="0" marR="0" lvl="0" indent="0" algn="ctr" defTabSz="914400" rtl="0" eaLnBrk="1" fontAlgn="auto" latinLnBrk="1" hangingPunct="1">
+                        <a:lnSpc>
+                          <a:spcPct val="100000"/>
+                        </a:lnSpc>
+                        <a:spcBef>
+                          <a:spcPts val="0"/>
+                        </a:spcBef>
+                        <a:spcAft>
+                          <a:spcPts val="0"/>
+                        </a:spcAft>
+                        <a:buClr>
+                          <a:srgbClr val="000000"/>
+                        </a:buClr>
+                        <a:buSzPts val="1500"/>
+                        <a:buFont typeface="Arial"/>
+                        <a:buNone/>
+                        <a:tabLst/>
+                        <a:defRPr/>
+                      </a:pPr>
+                      <a:r>
+                        <a:rPr lang="en-US" altLang="ko-KR" sz="1500" b="0" u="none" strike="noStrike" cap="none" dirty="0" err="1" smtClean="0">
+                          <a:solidFill>
+                            <a:schemeClr val="dk1"/>
+                          </a:solidFill>
+                        </a:rPr>
+                        <a:t>ht_user_w_qna</a:t>
+                      </a:r>
+                      <a:endParaRPr lang="en-US" altLang="ko-KR" sz="1500" b="0" u="none" strike="noStrike" cap="none" dirty="0" smtClean="0">
+                        <a:solidFill>
+                          <a:schemeClr val="dk1"/>
+                        </a:solidFill>
+                      </a:endParaRPr>
+                    </a:p>
+                  </a:txBody>
+                  <a:tcPr marL="74304" marR="74304" marT="45725" marB="45725" anchor="ctr">
+                    <a:lnL w="12700" cap="flat" cmpd="sng" algn="ctr">
+                      <a:solidFill>
+                        <a:schemeClr val="dk1"/>
+                      </a:solidFill>
+                      <a:prstDash val="solid"/>
+                      <a:round/>
+                      <a:headEnd type="none" w="sm" len="sm"/>
+                      <a:tailEnd type="none" w="sm" len="sm"/>
+                    </a:lnL>
+                    <a:lnR w="12700" cap="flat" cmpd="sng" algn="ctr">
+                      <a:solidFill>
+                        <a:schemeClr val="dk1"/>
+                      </a:solidFill>
+                      <a:prstDash val="solid"/>
+                      <a:round/>
+                      <a:headEnd type="none" w="sm" len="sm"/>
+                      <a:tailEnd type="none" w="sm" len="sm"/>
+                    </a:lnR>
+                    <a:lnT w="12700" cap="flat" cmpd="sng" algn="ctr">
+                      <a:solidFill>
+                        <a:schemeClr val="dk1"/>
+                      </a:solidFill>
+                      <a:prstDash val="solid"/>
+                      <a:round/>
+                      <a:headEnd type="none" w="sm" len="sm"/>
+                      <a:tailEnd type="none" w="sm" len="sm"/>
+                    </a:lnT>
+                    <a:lnB w="12700" cap="flat" cmpd="sng">
+                      <a:solidFill>
+                        <a:schemeClr val="dk1"/>
+                      </a:solidFill>
+                      <a:prstDash val="solid"/>
+                      <a:round/>
+                      <a:headEnd type="none" w="sm" len="sm"/>
+                      <a:tailEnd type="none" w="sm" len="sm"/>
+                    </a:lnB>
+                    <a:solidFill>
+                      <a:schemeClr val="bg1"/>
+                    </a:solidFill>
+                  </a:tcPr>
+                </a:tc>
+              </a:tr>
+            </a:tbl>
+          </a:graphicData>
+        </a:graphic>
+      </p:graphicFrame>
+      <p:pic>
+        <p:nvPicPr>
+          <p:cNvPr id="5123" name="Picture 3"/>
+          <p:cNvPicPr>
+            <a:picLocks noChangeAspect="1" noChangeArrowheads="1"/>
+          </p:cNvPicPr>
+          <p:nvPr/>
+        </p:nvPicPr>
+        <p:blipFill>
+          <a:blip r:embed="rId3">
+            <a:extLst>
+              <a:ext uri="{28A0092B-C50C-407E-A947-70E740481C1C}">
+                <a14:useLocalDpi xmlns:a14="http://schemas.microsoft.com/office/drawing/2010/main" val="0"/>
+              </a:ext>
+            </a:extLst>
+          </a:blip>
+          <a:srcRect/>
+          <a:stretch>
+            <a:fillRect/>
+          </a:stretch>
+        </p:blipFill>
+        <p:spPr bwMode="auto">
+          <a:xfrm>
+            <a:off x="1277152" y="1009650"/>
+            <a:ext cx="10563889" cy="3457575"/>
+          </a:xfrm>
+          <a:prstGeom prst="rect">
+            <a:avLst/>
+          </a:prstGeom>
+          <a:noFill/>
+          <a:ln w="38100">
+            <a:solidFill>
+              <a:schemeClr val="accent1">
+                <a:lumMod val="50000"/>
+              </a:schemeClr>
+            </a:solidFill>
+            <a:miter lim="800000"/>
+            <a:headEnd/>
+            <a:tailEnd/>
+          </a:ln>
+          <a:effectLst/>
+          <a:extLst>
+            <a:ext uri="{909E8E84-426E-40DD-AFC4-6F175D3DCCD1}">
+              <a14:hiddenFill xmlns:a14="http://schemas.microsoft.com/office/drawing/2010/main">
+                <a:solidFill>
+                  <a:schemeClr val="accent1"/>
+                </a:solidFill>
+              </a14:hiddenFill>
+            </a:ext>
+            <a:ext uri="{AF507438-7753-43E0-B8FC-AC1667EBCBE1}">
+              <a14:hiddenEffects xmlns:a14="http://schemas.microsoft.com/office/drawing/2010/main">
+                <a:effectLst>
+                  <a:outerShdw dist="35921" dir="2700000" algn="ctr" rotWithShape="0">
+                    <a:schemeClr val="bg2"/>
+                  </a:outerShdw>
+                </a:effectLst>
+              </a14:hiddenEffects>
+            </a:ext>
+          </a:extLst>
+        </p:spPr>
+      </p:pic>
+      <p:sp>
+        <p:nvSpPr>
+          <p:cNvPr id="3" name="직사각형 2"/>
+          <p:cNvSpPr/>
+          <p:nvPr/>
+        </p:nvSpPr>
+        <p:spPr>
+          <a:xfrm>
+            <a:off x="1324777" y="1285875"/>
+            <a:ext cx="3771098" cy="419100"/>
+          </a:xfrm>
+          <a:prstGeom prst="rect">
+            <a:avLst/>
+          </a:prstGeom>
+          <a:noFill/>
+          <a:ln w="28575">
+            <a:solidFill>
+              <a:srgbClr val="FF0000"/>
+            </a:solidFill>
+          </a:ln>
+        </p:spPr>
+        <p:style>
+          <a:lnRef idx="2">
+            <a:schemeClr val="accent1">
+              <a:shade val="50000"/>
+            </a:schemeClr>
+          </a:lnRef>
+          <a:fillRef idx="1">
+            <a:schemeClr val="accent1"/>
+          </a:fillRef>
+          <a:effectRef idx="0">
+            <a:schemeClr val="accent1"/>
+          </a:effectRef>
+          <a:fontRef idx="minor">
+            <a:schemeClr val="lt1"/>
+          </a:fontRef>
+        </p:style>
+        <p:txBody>
+          <a:bodyPr rtlCol="0" anchor="ctr"/>
+          <a:lstStyle/>
+          <a:p>
+            <a:pPr algn="ctr"/>
+            <a:endParaRPr lang="ko-KR" altLang="en-US"/>
+          </a:p>
+        </p:txBody>
+      </p:sp>
+    </p:spTree>
+    <p:extLst>
+      <p:ext uri="{BB962C8B-B14F-4D97-AF65-F5344CB8AC3E}">
+        <p14:creationId xmlns:p14="http://schemas.microsoft.com/office/powerpoint/2010/main" val="1672598294"/>
       </p:ext>
     </p:extLst>
   </p:cSld>
@@ -25108,7 +21268,7 @@
   <a:extraClrSchemeLst/>
   <a:extLst>
     <a:ext uri="{05A4C25C-085E-4340-85A3-A5531E510DB2}">
-      <thm15:themeFamily xmlns="" xmlns:thm15="http://schemas.microsoft.com/office/thememl/2012/main" name="Office Theme" id="{62F939B6-93AF-4DB8-9C6B-D6C7DFDC589F}" vid="{4A3C46E8-61CC-4603-A589-7422A47A8E4A}"/>
+      <thm15:themeFamily xmlns:thm15="http://schemas.microsoft.com/office/thememl/2012/main" xmlns="" name="Office Theme" id="{62F939B6-93AF-4DB8-9C6B-D6C7DFDC589F}" vid="{4A3C46E8-61CC-4603-A589-7422A47A8E4A}"/>
     </a:ext>
   </a:extLst>
 </a:theme>
@@ -25369,7 +21529,7 @@
   <a:extraClrSchemeLst/>
   <a:extLst>
     <a:ext uri="{05A4C25C-085E-4340-85A3-A5531E510DB2}">
-      <thm15:themeFamily xmlns="" xmlns:thm15="http://schemas.microsoft.com/office/thememl/2012/main" name="Office Theme" id="{62F939B6-93AF-4DB8-9C6B-D6C7DFDC589F}" vid="{4A3C46E8-61CC-4603-A589-7422A47A8E4A}"/>
+      <thm15:themeFamily xmlns:thm15="http://schemas.microsoft.com/office/thememl/2012/main" xmlns="" name="Office Theme" id="{62F939B6-93AF-4DB8-9C6B-D6C7DFDC589F}" vid="{4A3C46E8-61CC-4603-A589-7422A47A8E4A}"/>
     </a:ext>
   </a:extLst>
 </a:theme>
